--- a/DsDotNet/src/UnitTest/UnitTest.Engine/ImportPPT/T9_Group.pptx
+++ b/DsDotNet/src/UnitTest/UnitTest.Engine/ImportPPT/T9_Group.pptx
@@ -5,16 +5,15 @@
     <p:sldMasterId id="2147483648" r:id="rId1"/>
   </p:sldMasterIdLst>
   <p:notesMasterIdLst>
-    <p:notesMasterId r:id="rId6"/>
+    <p:notesMasterId r:id="rId5"/>
   </p:notesMasterIdLst>
   <p:handoutMasterIdLst>
-    <p:handoutMasterId r:id="rId7"/>
+    <p:handoutMasterId r:id="rId6"/>
   </p:handoutMasterIdLst>
   <p:sldIdLst>
     <p:sldId id="614" r:id="rId2"/>
     <p:sldId id="615" r:id="rId3"/>
-    <p:sldId id="619" r:id="rId4"/>
-    <p:sldId id="620" r:id="rId5"/>
+    <p:sldId id="620" r:id="rId4"/>
   </p:sldIdLst>
   <p:sldSz cx="12192000" cy="6858000"/>
   <p:notesSz cx="6797675" cy="9926638"/>
@@ -218,7 +217,7 @@
           <a:p>
             <a:fld id="{DD503887-5801-43A0-AEF9-041E8DDC2558}" type="datetimeFigureOut">
               <a:rPr lang="ko-KR" altLang="en-US" smtClean="0"/>
-              <a:t>2022-11-06</a:t>
+              <a:t>2022-11-07</a:t>
             </a:fld>
             <a:endParaRPr lang="ko-KR" altLang="en-US" dirty="0"/>
           </a:p>
@@ -395,7 +394,7 @@
           <a:p>
             <a:fld id="{95336A0E-57B1-4D4C-BD9B-2F72B5943464}" type="datetimeFigureOut">
               <a:rPr lang="ko-KR" altLang="en-US" smtClean="0"/>
-              <a:t>2022-11-06</a:t>
+              <a:t>2022-11-07</a:t>
             </a:fld>
             <a:endParaRPr lang="ko-KR" altLang="en-US" dirty="0"/>
           </a:p>
@@ -1081,7 +1080,7 @@
           <a:p>
             <a:fld id="{229D12C7-0FF5-4972-A033-474EFFC79F40}" type="datetime1">
               <a:rPr lang="ko-KR" altLang="en-US" smtClean="0"/>
-              <a:t>2022-11-06</a:t>
+              <a:t>2022-11-07</a:t>
             </a:fld>
             <a:endParaRPr lang="ko-KR" altLang="en-US" dirty="0"/>
           </a:p>
@@ -1279,7 +1278,7 @@
           <a:p>
             <a:fld id="{5BA19FD4-B052-4F56-8FD8-EAFD078DEFB0}" type="datetime1">
               <a:rPr lang="ko-KR" altLang="en-US" smtClean="0"/>
-              <a:t>2022-11-06</a:t>
+              <a:t>2022-11-07</a:t>
             </a:fld>
             <a:endParaRPr lang="ko-KR" altLang="en-US" dirty="0"/>
           </a:p>
@@ -1487,7 +1486,7 @@
           <a:p>
             <a:fld id="{024994B9-23A6-4B0A-A038-AC140E83DAA3}" type="datetime1">
               <a:rPr lang="ko-KR" altLang="en-US" smtClean="0"/>
-              <a:t>2022-11-06</a:t>
+              <a:t>2022-11-07</a:t>
             </a:fld>
             <a:endParaRPr lang="ko-KR" altLang="en-US" dirty="0"/>
           </a:p>
@@ -1685,7 +1684,7 @@
           <a:p>
             <a:fld id="{70D0DAB2-87CB-4028-B965-3AA710ADF2CB}" type="datetime1">
               <a:rPr lang="ko-KR" altLang="en-US" smtClean="0"/>
-              <a:t>2022-11-06</a:t>
+              <a:t>2022-11-07</a:t>
             </a:fld>
             <a:endParaRPr lang="ko-KR" altLang="en-US" dirty="0"/>
           </a:p>
@@ -1960,7 +1959,7 @@
           <a:p>
             <a:fld id="{63FA3D71-FEA8-477F-9D1E-EA860F411BC7}" type="datetime1">
               <a:rPr lang="ko-KR" altLang="en-US" smtClean="0"/>
-              <a:t>2022-11-06</a:t>
+              <a:t>2022-11-07</a:t>
             </a:fld>
             <a:endParaRPr lang="ko-KR" altLang="en-US" dirty="0"/>
           </a:p>
@@ -2225,7 +2224,7 @@
           <a:p>
             <a:fld id="{F58E3EF4-7980-4C97-BA64-EC66995BB574}" type="datetime1">
               <a:rPr lang="ko-KR" altLang="en-US" smtClean="0"/>
-              <a:t>2022-11-06</a:t>
+              <a:t>2022-11-07</a:t>
             </a:fld>
             <a:endParaRPr lang="ko-KR" altLang="en-US" dirty="0"/>
           </a:p>
@@ -2637,7 +2636,7 @@
           <a:p>
             <a:fld id="{FC9BC1D0-7D6B-4634-9D19-644040D74EAE}" type="datetime1">
               <a:rPr lang="ko-KR" altLang="en-US" smtClean="0"/>
-              <a:t>2022-11-06</a:t>
+              <a:t>2022-11-07</a:t>
             </a:fld>
             <a:endParaRPr lang="ko-KR" altLang="en-US" dirty="0"/>
           </a:p>
@@ -2779,7 +2778,7 @@
           <a:p>
             <a:fld id="{B5B1BBC2-B738-4C35-AEE5-660EB2DEB482}" type="datetime1">
               <a:rPr lang="ko-KR" altLang="en-US" smtClean="0"/>
-              <a:t>2022-11-06</a:t>
+              <a:t>2022-11-07</a:t>
             </a:fld>
             <a:endParaRPr lang="ko-KR" altLang="en-US" dirty="0"/>
           </a:p>
@@ -7361,7 +7360,7 @@
           <a:p>
             <a:fld id="{C60E9F93-7E77-4F36-B88C-A425F00C8D91}" type="datetime1">
               <a:rPr lang="ko-KR" altLang="en-US" smtClean="0"/>
-              <a:t>2022-11-06</a:t>
+              <a:t>2022-11-07</a:t>
             </a:fld>
             <a:endParaRPr lang="ko-KR" altLang="en-US" dirty="0"/>
           </a:p>
@@ -7672,7 +7671,7 @@
           <a:p>
             <a:fld id="{36BCCD0E-2A54-4016-BFFC-FEAABCDA6915}" type="datetime1">
               <a:rPr lang="ko-KR" altLang="en-US" smtClean="0"/>
-              <a:t>2022-11-06</a:t>
+              <a:t>2022-11-07</a:t>
             </a:fld>
             <a:endParaRPr lang="ko-KR" altLang="en-US" dirty="0"/>
           </a:p>
@@ -7960,7 +7959,7 @@
           <a:p>
             <a:fld id="{AAF69562-79F1-43EA-AE78-EAD8DB3AEC1A}" type="datetime1">
               <a:rPr lang="ko-KR" altLang="en-US" smtClean="0"/>
-              <a:t>2022-11-06</a:t>
+              <a:t>2022-11-07</a:t>
             </a:fld>
             <a:endParaRPr lang="ko-KR" altLang="en-US" dirty="0"/>
           </a:p>
@@ -8201,7 +8200,7 @@
           <a:p>
             <a:fld id="{C984B0C4-64BA-4E4C-B5E6-A51EE3F6ED95}" type="datetime1">
               <a:rPr lang="ko-KR" altLang="en-US" smtClean="0"/>
-              <a:t>2022-11-06</a:t>
+              <a:t>2022-11-07</a:t>
             </a:fld>
             <a:endParaRPr lang="ko-KR" altLang="en-US" dirty="0"/>
           </a:p>
@@ -8857,15 +8856,15 @@
           </p:cNvPr>
           <p:cNvCxnSpPr>
             <a:cxnSpLocks/>
-            <a:stCxn id="17" idx="3"/>
+            <a:stCxn id="3" idx="3"/>
             <a:endCxn id="6" idx="1"/>
           </p:cNvCxnSpPr>
           <p:nvPr/>
         </p:nvCxnSpPr>
         <p:spPr>
           <a:xfrm flipV="1">
-            <a:off x="2697389" y="2481358"/>
-            <a:ext cx="1906814" cy="824963"/>
+            <a:off x="2136775" y="2481358"/>
+            <a:ext cx="2467428" cy="1"/>
           </a:xfrm>
           <a:prstGeom prst="straightConnector1">
             <a:avLst/>
@@ -8944,56 +8943,6 @@
           </a:p>
         </p:txBody>
       </p:sp>
-      <p:cxnSp>
-        <p:nvCxnSpPr>
-          <p:cNvPr id="24" name="직선 화살표 연결선 23">
-            <a:extLst>
-              <a:ext uri="{FF2B5EF4-FFF2-40B4-BE49-F238E27FC236}">
-                <a16:creationId xmlns:a16="http://schemas.microsoft.com/office/drawing/2014/main" id="{BE733B42-1C78-BC2A-55A5-EA3ACDB67C78}"/>
-              </a:ext>
-            </a:extLst>
-          </p:cNvPr>
-          <p:cNvCxnSpPr>
-            <a:cxnSpLocks/>
-            <a:stCxn id="6" idx="3"/>
-            <a:endCxn id="23" idx="1"/>
-          </p:cNvCxnSpPr>
-          <p:nvPr/>
-        </p:nvCxnSpPr>
-        <p:spPr>
-          <a:xfrm flipV="1">
-            <a:off x="5707289" y="2481357"/>
-            <a:ext cx="682171" cy="1"/>
-          </a:xfrm>
-          <a:prstGeom prst="straightConnector1">
-            <a:avLst/>
-          </a:prstGeom>
-          <a:ln w="31750">
-            <a:solidFill>
-              <a:schemeClr val="tx1">
-                <a:lumMod val="75000"/>
-                <a:lumOff val="25000"/>
-              </a:schemeClr>
-            </a:solidFill>
-            <a:prstDash val="dash"/>
-            <a:tailEnd type="triangle"/>
-          </a:ln>
-        </p:spPr>
-        <p:style>
-          <a:lnRef idx="1">
-            <a:schemeClr val="dk1"/>
-          </a:lnRef>
-          <a:fillRef idx="3">
-            <a:schemeClr val="dk1"/>
-          </a:fillRef>
-          <a:effectRef idx="2">
-            <a:schemeClr val="dk1"/>
-          </a:effectRef>
-          <a:fontRef idx="minor">
-            <a:schemeClr val="lt1"/>
-          </a:fontRef>
-        </p:style>
-      </p:cxnSp>
       <p:sp>
         <p:nvSpPr>
           <p:cNvPr id="27" name="직사각형 26">
@@ -9259,14 +9208,14 @@
           <p:cNvCxnSpPr>
             <a:cxnSpLocks/>
             <a:stCxn id="27" idx="3"/>
-            <a:endCxn id="28" idx="1"/>
+            <a:endCxn id="6" idx="2"/>
           </p:cNvCxnSpPr>
           <p:nvPr/>
         </p:nvCxnSpPr>
         <p:spPr>
-          <a:xfrm>
-            <a:off x="4575175" y="4472084"/>
-            <a:ext cx="682171" cy="0"/>
+          <a:xfrm flipV="1">
+            <a:off x="4575175" y="3014573"/>
+            <a:ext cx="580571" cy="1457511"/>
           </a:xfrm>
           <a:prstGeom prst="straightConnector1">
             <a:avLst/>
@@ -9534,179 +9483,108 @@
           </a:p>
         </p:txBody>
       </p:sp>
-      <p:grpSp>
-        <p:nvGrpSpPr>
-          <p:cNvPr id="18" name="그룹 17">
-            <a:extLst>
-              <a:ext uri="{FF2B5EF4-FFF2-40B4-BE49-F238E27FC236}">
-                <a16:creationId xmlns:a16="http://schemas.microsoft.com/office/drawing/2014/main" id="{4EEBBF2C-D624-7148-298A-ED8CE2CEBF76}"/>
-              </a:ext>
-            </a:extLst>
-          </p:cNvPr>
-          <p:cNvGrpSpPr/>
+      <p:sp>
+        <p:nvSpPr>
+          <p:cNvPr id="3" name="직사각형 2">
+            <a:extLst>
+              <a:ext uri="{FF2B5EF4-FFF2-40B4-BE49-F238E27FC236}">
+                <a16:creationId xmlns:a16="http://schemas.microsoft.com/office/drawing/2014/main" id="{AE284668-AADC-BBCB-FD0C-C38FD3BAC033}"/>
+              </a:ext>
+            </a:extLst>
+          </p:cNvPr>
+          <p:cNvSpPr/>
           <p:nvPr/>
-        </p:nvGrpSpPr>
-        <p:grpSpPr>
+        </p:nvSpPr>
+        <p:spPr>
           <a:xfrm>
-            <a:off x="560614" y="1607345"/>
-            <a:ext cx="2136775" cy="3397952"/>
-            <a:chOff x="560614" y="1607345"/>
-            <a:chExt cx="2136775" cy="3397952"/>
+            <a:off x="1033689" y="1948143"/>
+            <a:ext cx="1103086" cy="1066431"/>
           </a:xfrm>
-        </p:grpSpPr>
-        <p:sp>
-          <p:nvSpPr>
-            <p:cNvPr id="3" name="직사각형 2">
-              <a:extLst>
-                <a:ext uri="{FF2B5EF4-FFF2-40B4-BE49-F238E27FC236}">
-                  <a16:creationId xmlns:a16="http://schemas.microsoft.com/office/drawing/2014/main" id="{AE284668-AADC-BBCB-FD0C-C38FD3BAC033}"/>
-                </a:ext>
-              </a:extLst>
-            </p:cNvPr>
-            <p:cNvSpPr/>
-            <p:nvPr/>
-          </p:nvSpPr>
-          <p:spPr>
-            <a:xfrm>
-              <a:off x="1033689" y="1948143"/>
-              <a:ext cx="1103086" cy="1066431"/>
-            </a:xfrm>
-            <a:prstGeom prst="rect">
-              <a:avLst/>
-            </a:prstGeom>
-            <a:ln>
-              <a:noFill/>
-            </a:ln>
-          </p:spPr>
-          <p:style>
-            <a:lnRef idx="2">
-              <a:schemeClr val="accent1">
-                <a:shade val="50000"/>
-              </a:schemeClr>
-            </a:lnRef>
-            <a:fillRef idx="1">
-              <a:schemeClr val="accent1"/>
-            </a:fillRef>
-            <a:effectRef idx="0">
-              <a:schemeClr val="accent1"/>
-            </a:effectRef>
-            <a:fontRef idx="minor">
-              <a:schemeClr val="lt1"/>
-            </a:fontRef>
-          </p:style>
-          <p:txBody>
-            <a:bodyPr rtlCol="0" anchor="ctr"/>
-            <a:lstStyle/>
-            <a:p>
-              <a:pPr algn="ctr"/>
-              <a:r>
-                <a:rPr lang="en-US" altLang="ko-KR" sz="2800" dirty="0"/>
-                <a:t>R1</a:t>
-              </a:r>
-              <a:endParaRPr lang="ko-KR" altLang="en-US" sz="2800" dirty="0"/>
-            </a:p>
-          </p:txBody>
-        </p:sp>
-        <p:sp>
-          <p:nvSpPr>
-            <p:cNvPr id="4" name="직사각형 3">
-              <a:extLst>
-                <a:ext uri="{FF2B5EF4-FFF2-40B4-BE49-F238E27FC236}">
-                  <a16:creationId xmlns:a16="http://schemas.microsoft.com/office/drawing/2014/main" id="{74743BFD-24B1-B058-BC70-ED691B775D89}"/>
-                </a:ext>
-              </a:extLst>
-            </p:cNvPr>
-            <p:cNvSpPr/>
-            <p:nvPr/>
-          </p:nvSpPr>
-          <p:spPr>
-            <a:xfrm>
-              <a:off x="1033689" y="3401251"/>
-              <a:ext cx="1103086" cy="1066431"/>
-            </a:xfrm>
-            <a:prstGeom prst="rect">
-              <a:avLst/>
-            </a:prstGeom>
-            <a:ln/>
-          </p:spPr>
-          <p:style>
-            <a:lnRef idx="1">
-              <a:schemeClr val="dk1"/>
-            </a:lnRef>
-            <a:fillRef idx="3">
-              <a:schemeClr val="dk1"/>
-            </a:fillRef>
-            <a:effectRef idx="2">
-              <a:schemeClr val="dk1"/>
-            </a:effectRef>
-            <a:fontRef idx="minor">
-              <a:schemeClr val="lt1"/>
-            </a:fontRef>
-          </p:style>
-          <p:txBody>
-            <a:bodyPr rtlCol="0" anchor="ctr"/>
-            <a:lstStyle/>
-            <a:p>
-              <a:pPr algn="ctr"/>
-              <a:r>
-                <a:rPr lang="en-US" altLang="ko-KR" sz="2800" dirty="0"/>
-                <a:t>R2</a:t>
-              </a:r>
-              <a:endParaRPr lang="ko-KR" altLang="en-US" sz="2800" dirty="0"/>
-            </a:p>
-          </p:txBody>
-        </p:sp>
-        <p:sp>
-          <p:nvSpPr>
-            <p:cNvPr id="17" name="직사각형 16">
-              <a:extLst>
-                <a:ext uri="{FF2B5EF4-FFF2-40B4-BE49-F238E27FC236}">
-                  <a16:creationId xmlns:a16="http://schemas.microsoft.com/office/drawing/2014/main" id="{5309AAD4-1C0E-1E31-8EAA-A94EAFFF2BA2}"/>
-                </a:ext>
-              </a:extLst>
-            </p:cNvPr>
-            <p:cNvSpPr/>
-            <p:nvPr/>
-          </p:nvSpPr>
-          <p:spPr>
-            <a:xfrm>
-              <a:off x="560614" y="1607345"/>
-              <a:ext cx="2136775" cy="3397952"/>
-            </a:xfrm>
-            <a:prstGeom prst="rect">
-              <a:avLst/>
-            </a:prstGeom>
+          <a:prstGeom prst="rect">
+            <a:avLst/>
+          </a:prstGeom>
+          <a:ln>
             <a:noFill/>
-            <a:ln>
-              <a:prstDash val="dash"/>
-            </a:ln>
-          </p:spPr>
-          <p:style>
-            <a:lnRef idx="2">
-              <a:schemeClr val="accent1">
-                <a:shade val="50000"/>
-              </a:schemeClr>
-            </a:lnRef>
-            <a:fillRef idx="1">
-              <a:schemeClr val="accent1"/>
-            </a:fillRef>
-            <a:effectRef idx="0">
-              <a:schemeClr val="accent1"/>
-            </a:effectRef>
-            <a:fontRef idx="minor">
-              <a:schemeClr val="lt1"/>
-            </a:fontRef>
-          </p:style>
-          <p:txBody>
-            <a:bodyPr rtlCol="0" anchor="ctr"/>
-            <a:lstStyle/>
-            <a:p>
-              <a:pPr algn="ctr"/>
-              <a:endParaRPr lang="ko-KR" altLang="en-US"/>
-            </a:p>
-          </p:txBody>
-        </p:sp>
-      </p:grpSp>
+          </a:ln>
+        </p:spPr>
+        <p:style>
+          <a:lnRef idx="2">
+            <a:schemeClr val="accent1">
+              <a:shade val="50000"/>
+            </a:schemeClr>
+          </a:lnRef>
+          <a:fillRef idx="1">
+            <a:schemeClr val="accent1"/>
+          </a:fillRef>
+          <a:effectRef idx="0">
+            <a:schemeClr val="accent1"/>
+          </a:effectRef>
+          <a:fontRef idx="minor">
+            <a:schemeClr val="lt1"/>
+          </a:fontRef>
+        </p:style>
+        <p:txBody>
+          <a:bodyPr rtlCol="0" anchor="ctr"/>
+          <a:lstStyle/>
+          <a:p>
+            <a:pPr algn="ctr"/>
+            <a:r>
+              <a:rPr lang="en-US" altLang="ko-KR" sz="2800" dirty="0"/>
+              <a:t>R1</a:t>
+            </a:r>
+            <a:endParaRPr lang="ko-KR" altLang="en-US" sz="2800" dirty="0"/>
+          </a:p>
+        </p:txBody>
+      </p:sp>
+      <p:sp>
+        <p:nvSpPr>
+          <p:cNvPr id="4" name="직사각형 3">
+            <a:extLst>
+              <a:ext uri="{FF2B5EF4-FFF2-40B4-BE49-F238E27FC236}">
+                <a16:creationId xmlns:a16="http://schemas.microsoft.com/office/drawing/2014/main" id="{74743BFD-24B1-B058-BC70-ED691B775D89}"/>
+              </a:ext>
+            </a:extLst>
+          </p:cNvPr>
+          <p:cNvSpPr/>
+          <p:nvPr/>
+        </p:nvSpPr>
+        <p:spPr>
+          <a:xfrm>
+            <a:off x="1033689" y="3401251"/>
+            <a:ext cx="1103086" cy="1066431"/>
+          </a:xfrm>
+          <a:prstGeom prst="rect">
+            <a:avLst/>
+          </a:prstGeom>
+          <a:ln/>
+        </p:spPr>
+        <p:style>
+          <a:lnRef idx="1">
+            <a:schemeClr val="dk1"/>
+          </a:lnRef>
+          <a:fillRef idx="3">
+            <a:schemeClr val="dk1"/>
+          </a:fillRef>
+          <a:effectRef idx="2">
+            <a:schemeClr val="dk1"/>
+          </a:effectRef>
+          <a:fontRef idx="minor">
+            <a:schemeClr val="lt1"/>
+          </a:fontRef>
+        </p:style>
+        <p:txBody>
+          <a:bodyPr rtlCol="0" anchor="ctr"/>
+          <a:lstStyle/>
+          <a:p>
+            <a:pPr algn="ctr"/>
+            <a:r>
+              <a:rPr lang="en-US" altLang="ko-KR" sz="2800" dirty="0"/>
+              <a:t>R2</a:t>
+            </a:r>
+            <a:endParaRPr lang="ko-KR" altLang="en-US" sz="2800" dirty="0"/>
+          </a:p>
+        </p:txBody>
+      </p:sp>
       <p:sp>
         <p:nvSpPr>
           <p:cNvPr id="20" name="화살표: 오각형 19">
@@ -9757,6 +9635,94 @@
           </a:p>
         </p:txBody>
       </p:sp>
+      <p:cxnSp>
+        <p:nvCxnSpPr>
+          <p:cNvPr id="9" name="직선 연결선 8">
+            <a:extLst>
+              <a:ext uri="{FF2B5EF4-FFF2-40B4-BE49-F238E27FC236}">
+                <a16:creationId xmlns:a16="http://schemas.microsoft.com/office/drawing/2014/main" id="{267CE300-981F-A6F5-F2C5-F42B0EF68412}"/>
+              </a:ext>
+            </a:extLst>
+          </p:cNvPr>
+          <p:cNvCxnSpPr>
+            <a:cxnSpLocks/>
+            <a:stCxn id="3" idx="2"/>
+            <a:endCxn id="4" idx="0"/>
+          </p:cNvCxnSpPr>
+          <p:nvPr/>
+        </p:nvCxnSpPr>
+        <p:spPr>
+          <a:xfrm>
+            <a:off x="1585232" y="3014574"/>
+            <a:ext cx="0" cy="386677"/>
+          </a:xfrm>
+          <a:prstGeom prst="line">
+            <a:avLst/>
+          </a:prstGeom>
+          <a:ln>
+            <a:headEnd type="none" w="med" len="med"/>
+            <a:tailEnd type="none" w="med" len="med"/>
+          </a:ln>
+        </p:spPr>
+        <p:style>
+          <a:lnRef idx="1">
+            <a:schemeClr val="accent1"/>
+          </a:lnRef>
+          <a:fillRef idx="0">
+            <a:schemeClr val="accent1"/>
+          </a:fillRef>
+          <a:effectRef idx="0">
+            <a:schemeClr val="accent1"/>
+          </a:effectRef>
+          <a:fontRef idx="minor">
+            <a:schemeClr val="tx1"/>
+          </a:fontRef>
+        </p:style>
+      </p:cxnSp>
+      <p:cxnSp>
+        <p:nvCxnSpPr>
+          <p:cNvPr id="11" name="직선 연결선 10">
+            <a:extLst>
+              <a:ext uri="{FF2B5EF4-FFF2-40B4-BE49-F238E27FC236}">
+                <a16:creationId xmlns:a16="http://schemas.microsoft.com/office/drawing/2014/main" id="{3DD0C2E6-F09D-32A2-1FB0-1A34274DC14B}"/>
+              </a:ext>
+            </a:extLst>
+          </p:cNvPr>
+          <p:cNvCxnSpPr>
+            <a:cxnSpLocks/>
+            <a:stCxn id="6" idx="3"/>
+            <a:endCxn id="23" idx="1"/>
+          </p:cNvCxnSpPr>
+          <p:nvPr/>
+        </p:nvCxnSpPr>
+        <p:spPr>
+          <a:xfrm flipV="1">
+            <a:off x="5707289" y="2481357"/>
+            <a:ext cx="682171" cy="1"/>
+          </a:xfrm>
+          <a:prstGeom prst="line">
+            <a:avLst/>
+          </a:prstGeom>
+          <a:ln>
+            <a:headEnd type="none" w="med" len="med"/>
+            <a:tailEnd type="none" w="med" len="med"/>
+          </a:ln>
+        </p:spPr>
+        <p:style>
+          <a:lnRef idx="1">
+            <a:schemeClr val="accent1"/>
+          </a:lnRef>
+          <a:fillRef idx="0">
+            <a:schemeClr val="accent1"/>
+          </a:fillRef>
+          <a:effectRef idx="0">
+            <a:schemeClr val="accent1"/>
+          </a:effectRef>
+          <a:fontRef idx="minor">
+            <a:schemeClr val="tx1"/>
+          </a:fontRef>
+        </p:style>
+      </p:cxnSp>
     </p:spTree>
     <p:extLst>
       <p:ext uri="{BB962C8B-B14F-4D97-AF65-F5344CB8AC3E}">
@@ -9771,807 +9737,6 @@
 </file>
 
 <file path=ppt/slides/slide3.xml><?xml version="1.0" encoding="utf-8"?>
-<p:sld xmlns:a="http://schemas.openxmlformats.org/drawingml/2006/main" xmlns:r="http://schemas.openxmlformats.org/officeDocument/2006/relationships" xmlns:p="http://schemas.openxmlformats.org/presentationml/2006/main" show="0">
-  <p:cSld>
-    <p:spTree>
-      <p:nvGrpSpPr>
-        <p:cNvPr id="1" name=""/>
-        <p:cNvGrpSpPr/>
-        <p:nvPr/>
-      </p:nvGrpSpPr>
-      <p:grpSpPr>
-        <a:xfrm>
-          <a:off x="0" y="0"/>
-          <a:ext cx="0" cy="0"/>
-          <a:chOff x="0" y="0"/>
-          <a:chExt cx="0" cy="0"/>
-        </a:xfrm>
-      </p:grpSpPr>
-      <p:sp>
-        <p:nvSpPr>
-          <p:cNvPr id="2" name="제목 1">
-            <a:extLst>
-              <a:ext uri="{FF2B5EF4-FFF2-40B4-BE49-F238E27FC236}">
-                <a16:creationId xmlns:a16="http://schemas.microsoft.com/office/drawing/2014/main" id="{E35BEC89-0CFB-7F29-D8C7-71B3E64B4D66}"/>
-              </a:ext>
-            </a:extLst>
-          </p:cNvPr>
-          <p:cNvSpPr>
-            <a:spLocks noGrp="1"/>
-          </p:cNvSpPr>
-          <p:nvPr>
-            <p:ph type="title"/>
-          </p:nvPr>
-        </p:nvSpPr>
-        <p:spPr/>
-        <p:txBody>
-          <a:bodyPr/>
-          <a:lstStyle/>
-          <a:p>
-            <a:r>
-              <a:rPr lang="en-US" altLang="ko-KR" dirty="0"/>
-              <a:t>$SystemA</a:t>
-            </a:r>
-            <a:endParaRPr lang="ko-KR" altLang="en-US" dirty="0"/>
-          </a:p>
-        </p:txBody>
-      </p:sp>
-      <p:sp>
-        <p:nvSpPr>
-          <p:cNvPr id="6" name="직사각형 5">
-            <a:extLst>
-              <a:ext uri="{FF2B5EF4-FFF2-40B4-BE49-F238E27FC236}">
-                <a16:creationId xmlns:a16="http://schemas.microsoft.com/office/drawing/2014/main" id="{061E75B7-681C-366D-275B-8BF147396AC9}"/>
-              </a:ext>
-            </a:extLst>
-          </p:cNvPr>
-          <p:cNvSpPr/>
-          <p:nvPr/>
-        </p:nvSpPr>
-        <p:spPr>
-          <a:xfrm>
-            <a:off x="4604203" y="1948142"/>
-            <a:ext cx="1103086" cy="1066431"/>
-          </a:xfrm>
-          <a:prstGeom prst="rect">
-            <a:avLst/>
-          </a:prstGeom>
-          <a:ln>
-            <a:noFill/>
-          </a:ln>
-        </p:spPr>
-        <p:style>
-          <a:lnRef idx="2">
-            <a:schemeClr val="accent1">
-              <a:shade val="50000"/>
-            </a:schemeClr>
-          </a:lnRef>
-          <a:fillRef idx="1">
-            <a:schemeClr val="accent1"/>
-          </a:fillRef>
-          <a:effectRef idx="0">
-            <a:schemeClr val="accent1"/>
-          </a:effectRef>
-          <a:fontRef idx="minor">
-            <a:schemeClr val="lt1"/>
-          </a:fontRef>
-        </p:style>
-        <p:txBody>
-          <a:bodyPr rtlCol="0" anchor="ctr"/>
-          <a:lstStyle/>
-          <a:p>
-            <a:pPr algn="ctr"/>
-            <a:r>
-              <a:rPr lang="en-US" altLang="ko-KR" sz="2800" dirty="0"/>
-              <a:t>R3</a:t>
-            </a:r>
-            <a:endParaRPr lang="ko-KR" altLang="en-US" sz="2800" dirty="0"/>
-          </a:p>
-        </p:txBody>
-      </p:sp>
-      <p:sp>
-        <p:nvSpPr>
-          <p:cNvPr id="23" name="직사각형 22">
-            <a:extLst>
-              <a:ext uri="{FF2B5EF4-FFF2-40B4-BE49-F238E27FC236}">
-                <a16:creationId xmlns:a16="http://schemas.microsoft.com/office/drawing/2014/main" id="{84529DA7-F1E1-F0E2-637D-64CC7C6F697B}"/>
-              </a:ext>
-            </a:extLst>
-          </p:cNvPr>
-          <p:cNvSpPr/>
-          <p:nvPr/>
-        </p:nvSpPr>
-        <p:spPr>
-          <a:xfrm>
-            <a:off x="6389460" y="1948141"/>
-            <a:ext cx="1103086" cy="1066431"/>
-          </a:xfrm>
-          <a:prstGeom prst="rect">
-            <a:avLst/>
-          </a:prstGeom>
-          <a:ln/>
-        </p:spPr>
-        <p:style>
-          <a:lnRef idx="1">
-            <a:schemeClr val="dk1"/>
-          </a:lnRef>
-          <a:fillRef idx="3">
-            <a:schemeClr val="dk1"/>
-          </a:fillRef>
-          <a:effectRef idx="2">
-            <a:schemeClr val="dk1"/>
-          </a:effectRef>
-          <a:fontRef idx="minor">
-            <a:schemeClr val="lt1"/>
-          </a:fontRef>
-        </p:style>
-        <p:txBody>
-          <a:bodyPr rtlCol="0" anchor="ctr"/>
-          <a:lstStyle/>
-          <a:p>
-            <a:pPr algn="ctr"/>
-            <a:r>
-              <a:rPr lang="en-US" altLang="ko-KR" sz="2800" dirty="0"/>
-              <a:t>R4</a:t>
-            </a:r>
-            <a:endParaRPr lang="ko-KR" altLang="en-US" sz="2800" dirty="0"/>
-          </a:p>
-        </p:txBody>
-      </p:sp>
-      <p:cxnSp>
-        <p:nvCxnSpPr>
-          <p:cNvPr id="24" name="직선 화살표 연결선 23">
-            <a:extLst>
-              <a:ext uri="{FF2B5EF4-FFF2-40B4-BE49-F238E27FC236}">
-                <a16:creationId xmlns:a16="http://schemas.microsoft.com/office/drawing/2014/main" id="{BE733B42-1C78-BC2A-55A5-EA3ACDB67C78}"/>
-              </a:ext>
-            </a:extLst>
-          </p:cNvPr>
-          <p:cNvCxnSpPr>
-            <a:cxnSpLocks/>
-            <a:stCxn id="6" idx="3"/>
-            <a:endCxn id="23" idx="1"/>
-          </p:cNvCxnSpPr>
-          <p:nvPr/>
-        </p:nvCxnSpPr>
-        <p:spPr>
-          <a:xfrm flipV="1">
-            <a:off x="5707289" y="2481357"/>
-            <a:ext cx="682171" cy="1"/>
-          </a:xfrm>
-          <a:prstGeom prst="straightConnector1">
-            <a:avLst/>
-          </a:prstGeom>
-          <a:ln w="31750">
-            <a:solidFill>
-              <a:schemeClr val="tx1">
-                <a:lumMod val="75000"/>
-                <a:lumOff val="25000"/>
-              </a:schemeClr>
-            </a:solidFill>
-            <a:prstDash val="dash"/>
-            <a:tailEnd type="triangle"/>
-          </a:ln>
-        </p:spPr>
-        <p:style>
-          <a:lnRef idx="1">
-            <a:schemeClr val="dk1"/>
-          </a:lnRef>
-          <a:fillRef idx="3">
-            <a:schemeClr val="dk1"/>
-          </a:fillRef>
-          <a:effectRef idx="2">
-            <a:schemeClr val="dk1"/>
-          </a:effectRef>
-          <a:fontRef idx="minor">
-            <a:schemeClr val="lt1"/>
-          </a:fontRef>
-        </p:style>
-      </p:cxnSp>
-      <p:sp>
-        <p:nvSpPr>
-          <p:cNvPr id="27" name="직사각형 26">
-            <a:extLst>
-              <a:ext uri="{FF2B5EF4-FFF2-40B4-BE49-F238E27FC236}">
-                <a16:creationId xmlns:a16="http://schemas.microsoft.com/office/drawing/2014/main" id="{8D9A5CA6-1556-A2DB-9B44-FFAA075F7066}"/>
-              </a:ext>
-            </a:extLst>
-          </p:cNvPr>
-          <p:cNvSpPr/>
-          <p:nvPr/>
-        </p:nvSpPr>
-        <p:spPr>
-          <a:xfrm>
-            <a:off x="3472089" y="3938868"/>
-            <a:ext cx="1103086" cy="1066431"/>
-          </a:xfrm>
-          <a:prstGeom prst="rect">
-            <a:avLst/>
-          </a:prstGeom>
-          <a:ln>
-            <a:noFill/>
-          </a:ln>
-        </p:spPr>
-        <p:style>
-          <a:lnRef idx="2">
-            <a:schemeClr val="accent1">
-              <a:shade val="50000"/>
-            </a:schemeClr>
-          </a:lnRef>
-          <a:fillRef idx="1">
-            <a:schemeClr val="accent1"/>
-          </a:fillRef>
-          <a:effectRef idx="0">
-            <a:schemeClr val="accent1"/>
-          </a:effectRef>
-          <a:fontRef idx="minor">
-            <a:schemeClr val="lt1"/>
-          </a:fontRef>
-        </p:style>
-        <p:txBody>
-          <a:bodyPr rtlCol="0" anchor="ctr"/>
-          <a:lstStyle/>
-          <a:p>
-            <a:pPr algn="ctr"/>
-            <a:r>
-              <a:rPr lang="en-US" altLang="ko-KR" sz="2800" dirty="0"/>
-              <a:t>R5</a:t>
-            </a:r>
-            <a:endParaRPr lang="ko-KR" altLang="en-US" sz="2800" dirty="0"/>
-          </a:p>
-        </p:txBody>
-      </p:sp>
-      <p:sp>
-        <p:nvSpPr>
-          <p:cNvPr id="28" name="직사각형 27">
-            <a:extLst>
-              <a:ext uri="{FF2B5EF4-FFF2-40B4-BE49-F238E27FC236}">
-                <a16:creationId xmlns:a16="http://schemas.microsoft.com/office/drawing/2014/main" id="{C872A8B1-6758-977A-F148-0D8F06CC853E}"/>
-              </a:ext>
-            </a:extLst>
-          </p:cNvPr>
-          <p:cNvSpPr/>
-          <p:nvPr/>
-        </p:nvSpPr>
-        <p:spPr>
-          <a:xfrm>
-            <a:off x="5257346" y="3938868"/>
-            <a:ext cx="1103086" cy="1066431"/>
-          </a:xfrm>
-          <a:prstGeom prst="rect">
-            <a:avLst/>
-          </a:prstGeom>
-          <a:ln/>
-        </p:spPr>
-        <p:style>
-          <a:lnRef idx="1">
-            <a:schemeClr val="dk1"/>
-          </a:lnRef>
-          <a:fillRef idx="3">
-            <a:schemeClr val="dk1"/>
-          </a:fillRef>
-          <a:effectRef idx="2">
-            <a:schemeClr val="dk1"/>
-          </a:effectRef>
-          <a:fontRef idx="minor">
-            <a:schemeClr val="lt1"/>
-          </a:fontRef>
-        </p:style>
-        <p:txBody>
-          <a:bodyPr rtlCol="0" anchor="ctr"/>
-          <a:lstStyle/>
-          <a:p>
-            <a:pPr algn="ctr"/>
-            <a:r>
-              <a:rPr lang="en-US" altLang="ko-KR" sz="1600" dirty="0"/>
-              <a:t>R6</a:t>
-            </a:r>
-            <a:endParaRPr lang="ko-KR" altLang="en-US" sz="1600" dirty="0"/>
-          </a:p>
-        </p:txBody>
-      </p:sp>
-      <p:sp>
-        <p:nvSpPr>
-          <p:cNvPr id="30" name="직사각형 29">
-            <a:extLst>
-              <a:ext uri="{FF2B5EF4-FFF2-40B4-BE49-F238E27FC236}">
-                <a16:creationId xmlns:a16="http://schemas.microsoft.com/office/drawing/2014/main" id="{D438A902-C063-F394-7814-44C4B836C87F}"/>
-              </a:ext>
-            </a:extLst>
-          </p:cNvPr>
-          <p:cNvSpPr/>
-          <p:nvPr/>
-        </p:nvSpPr>
-        <p:spPr>
-          <a:xfrm>
-            <a:off x="7042603" y="3938867"/>
-            <a:ext cx="1103086" cy="1066431"/>
-          </a:xfrm>
-          <a:prstGeom prst="rect">
-            <a:avLst/>
-          </a:prstGeom>
-          <a:ln>
-            <a:noFill/>
-          </a:ln>
-        </p:spPr>
-        <p:style>
-          <a:lnRef idx="2">
-            <a:schemeClr val="accent1">
-              <a:shade val="50000"/>
-            </a:schemeClr>
-          </a:lnRef>
-          <a:fillRef idx="1">
-            <a:schemeClr val="accent1"/>
-          </a:fillRef>
-          <a:effectRef idx="0">
-            <a:schemeClr val="accent1"/>
-          </a:effectRef>
-          <a:fontRef idx="minor">
-            <a:schemeClr val="lt1"/>
-          </a:fontRef>
-        </p:style>
-        <p:txBody>
-          <a:bodyPr rtlCol="0" anchor="ctr"/>
-          <a:lstStyle/>
-          <a:p>
-            <a:pPr algn="ctr"/>
-            <a:r>
-              <a:rPr lang="en-US" altLang="ko-KR" sz="2800" dirty="0"/>
-              <a:t>R7</a:t>
-            </a:r>
-            <a:endParaRPr lang="ko-KR" altLang="en-US" sz="2800" dirty="0"/>
-          </a:p>
-        </p:txBody>
-      </p:sp>
-      <p:cxnSp>
-        <p:nvCxnSpPr>
-          <p:cNvPr id="31" name="직선 화살표 연결선 30">
-            <a:extLst>
-              <a:ext uri="{FF2B5EF4-FFF2-40B4-BE49-F238E27FC236}">
-                <a16:creationId xmlns:a16="http://schemas.microsoft.com/office/drawing/2014/main" id="{315903F4-6290-5819-44BD-E29DC12B52CE}"/>
-              </a:ext>
-            </a:extLst>
-          </p:cNvPr>
-          <p:cNvCxnSpPr>
-            <a:cxnSpLocks/>
-            <a:stCxn id="28" idx="3"/>
-            <a:endCxn id="30" idx="1"/>
-          </p:cNvCxnSpPr>
-          <p:nvPr/>
-        </p:nvCxnSpPr>
-        <p:spPr>
-          <a:xfrm flipV="1">
-            <a:off x="6360432" y="4472083"/>
-            <a:ext cx="682171" cy="1"/>
-          </a:xfrm>
-          <a:prstGeom prst="straightConnector1">
-            <a:avLst/>
-          </a:prstGeom>
-          <a:ln w="57150" cmpd="dbl">
-            <a:solidFill>
-              <a:schemeClr val="tx1">
-                <a:lumMod val="75000"/>
-                <a:lumOff val="25000"/>
-              </a:schemeClr>
-            </a:solidFill>
-            <a:tailEnd type="triangle"/>
-          </a:ln>
-        </p:spPr>
-        <p:style>
-          <a:lnRef idx="1">
-            <a:schemeClr val="dk1"/>
-          </a:lnRef>
-          <a:fillRef idx="3">
-            <a:schemeClr val="dk1"/>
-          </a:fillRef>
-          <a:effectRef idx="2">
-            <a:schemeClr val="dk1"/>
-          </a:effectRef>
-          <a:fontRef idx="minor">
-            <a:schemeClr val="lt1"/>
-          </a:fontRef>
-        </p:style>
-      </p:cxnSp>
-      <p:sp>
-        <p:nvSpPr>
-          <p:cNvPr id="32" name="직사각형 31">
-            <a:extLst>
-              <a:ext uri="{FF2B5EF4-FFF2-40B4-BE49-F238E27FC236}">
-                <a16:creationId xmlns:a16="http://schemas.microsoft.com/office/drawing/2014/main" id="{54FE774E-D0B3-6228-F53A-C6E25BD2697C}"/>
-              </a:ext>
-            </a:extLst>
-          </p:cNvPr>
-          <p:cNvSpPr/>
-          <p:nvPr/>
-        </p:nvSpPr>
-        <p:spPr>
-          <a:xfrm>
-            <a:off x="8827860" y="3938866"/>
-            <a:ext cx="1103086" cy="1066431"/>
-          </a:xfrm>
-          <a:prstGeom prst="rect">
-            <a:avLst/>
-          </a:prstGeom>
-          <a:ln/>
-        </p:spPr>
-        <p:style>
-          <a:lnRef idx="1">
-            <a:schemeClr val="dk1"/>
-          </a:lnRef>
-          <a:fillRef idx="3">
-            <a:schemeClr val="dk1"/>
-          </a:fillRef>
-          <a:effectRef idx="2">
-            <a:schemeClr val="dk1"/>
-          </a:effectRef>
-          <a:fontRef idx="minor">
-            <a:schemeClr val="lt1"/>
-          </a:fontRef>
-        </p:style>
-        <p:txBody>
-          <a:bodyPr rtlCol="0" anchor="ctr"/>
-          <a:lstStyle/>
-          <a:p>
-            <a:pPr algn="ctr"/>
-            <a:r>
-              <a:rPr lang="en-US" altLang="ko-KR" sz="2800" dirty="0"/>
-              <a:t>R8</a:t>
-            </a:r>
-            <a:endParaRPr lang="ko-KR" altLang="en-US" sz="2800" dirty="0"/>
-          </a:p>
-        </p:txBody>
-      </p:sp>
-      <p:cxnSp>
-        <p:nvCxnSpPr>
-          <p:cNvPr id="34" name="직선 화살표 연결선 33">
-            <a:extLst>
-              <a:ext uri="{FF2B5EF4-FFF2-40B4-BE49-F238E27FC236}">
-                <a16:creationId xmlns:a16="http://schemas.microsoft.com/office/drawing/2014/main" id="{BCE5F096-013D-B399-F64B-7CCA327AC07B}"/>
-              </a:ext>
-            </a:extLst>
-          </p:cNvPr>
-          <p:cNvCxnSpPr>
-            <a:cxnSpLocks/>
-            <a:stCxn id="27" idx="3"/>
-            <a:endCxn id="28" idx="1"/>
-          </p:cNvCxnSpPr>
-          <p:nvPr/>
-        </p:nvCxnSpPr>
-        <p:spPr>
-          <a:xfrm>
-            <a:off x="4575175" y="4472084"/>
-            <a:ext cx="682171" cy="0"/>
-          </a:xfrm>
-          <a:prstGeom prst="straightConnector1">
-            <a:avLst/>
-          </a:prstGeom>
-          <a:ln w="57150" cmpd="dbl">
-            <a:solidFill>
-              <a:schemeClr val="tx1">
-                <a:lumMod val="75000"/>
-                <a:lumOff val="25000"/>
-              </a:schemeClr>
-            </a:solidFill>
-            <a:prstDash val="sysDot"/>
-            <a:tailEnd type="triangle"/>
-          </a:ln>
-        </p:spPr>
-        <p:style>
-          <a:lnRef idx="1">
-            <a:schemeClr val="dk1"/>
-          </a:lnRef>
-          <a:fillRef idx="3">
-            <a:schemeClr val="dk1"/>
-          </a:fillRef>
-          <a:effectRef idx="2">
-            <a:schemeClr val="dk1"/>
-          </a:effectRef>
-          <a:fontRef idx="minor">
-            <a:schemeClr val="lt1"/>
-          </a:fontRef>
-        </p:style>
-      </p:cxnSp>
-      <p:cxnSp>
-        <p:nvCxnSpPr>
-          <p:cNvPr id="37" name="직선 화살표 연결선 36">
-            <a:extLst>
-              <a:ext uri="{FF2B5EF4-FFF2-40B4-BE49-F238E27FC236}">
-                <a16:creationId xmlns:a16="http://schemas.microsoft.com/office/drawing/2014/main" id="{B394657E-1D91-FDF8-9F12-E15F0BDFB1CC}"/>
-              </a:ext>
-            </a:extLst>
-          </p:cNvPr>
-          <p:cNvCxnSpPr>
-            <a:cxnSpLocks/>
-            <a:stCxn id="30" idx="3"/>
-            <a:endCxn id="32" idx="1"/>
-          </p:cNvCxnSpPr>
-          <p:nvPr/>
-        </p:nvCxnSpPr>
-        <p:spPr>
-          <a:xfrm flipV="1">
-            <a:off x="8145689" y="4472082"/>
-            <a:ext cx="682171" cy="1"/>
-          </a:xfrm>
-          <a:prstGeom prst="straightConnector1">
-            <a:avLst/>
-          </a:prstGeom>
-          <a:ln w="57150" cmpd="sng">
-            <a:solidFill>
-              <a:schemeClr val="tx1">
-                <a:lumMod val="75000"/>
-                <a:lumOff val="25000"/>
-              </a:schemeClr>
-            </a:solidFill>
-            <a:prstDash val="solid"/>
-            <a:headEnd type="diamond" w="med" len="med"/>
-            <a:tailEnd type="triangle" w="med" len="med"/>
-          </a:ln>
-        </p:spPr>
-        <p:style>
-          <a:lnRef idx="1">
-            <a:schemeClr val="dk1"/>
-          </a:lnRef>
-          <a:fillRef idx="3">
-            <a:schemeClr val="dk1"/>
-          </a:fillRef>
-          <a:effectRef idx="2">
-            <a:schemeClr val="dk1"/>
-          </a:effectRef>
-          <a:fontRef idx="minor">
-            <a:schemeClr val="lt1"/>
-          </a:fontRef>
-        </p:style>
-      </p:cxnSp>
-      <p:cxnSp>
-        <p:nvCxnSpPr>
-          <p:cNvPr id="41" name="직선 화살표 연결선 40">
-            <a:extLst>
-              <a:ext uri="{FF2B5EF4-FFF2-40B4-BE49-F238E27FC236}">
-                <a16:creationId xmlns:a16="http://schemas.microsoft.com/office/drawing/2014/main" id="{FCBA2FDB-59E5-E024-DDAB-2BE44772FB35}"/>
-              </a:ext>
-            </a:extLst>
-          </p:cNvPr>
-          <p:cNvCxnSpPr>
-            <a:cxnSpLocks/>
-            <a:stCxn id="6" idx="2"/>
-            <a:endCxn id="28" idx="0"/>
-          </p:cNvCxnSpPr>
-          <p:nvPr/>
-        </p:nvCxnSpPr>
-        <p:spPr>
-          <a:xfrm>
-            <a:off x="5155746" y="3014573"/>
-            <a:ext cx="653143" cy="924295"/>
-          </a:xfrm>
-          <a:prstGeom prst="straightConnector1">
-            <a:avLst/>
-          </a:prstGeom>
-          <a:ln w="57150" cmpd="sng">
-            <a:solidFill>
-              <a:schemeClr val="tx1">
-                <a:lumMod val="75000"/>
-                <a:lumOff val="25000"/>
-              </a:schemeClr>
-            </a:solidFill>
-            <a:prstDash val="sysDash"/>
-            <a:headEnd type="triangle" w="med" len="med"/>
-            <a:tailEnd type="triangle" w="med" len="med"/>
-          </a:ln>
-        </p:spPr>
-        <p:style>
-          <a:lnRef idx="1">
-            <a:schemeClr val="dk1"/>
-          </a:lnRef>
-          <a:fillRef idx="3">
-            <a:schemeClr val="dk1"/>
-          </a:fillRef>
-          <a:effectRef idx="2">
-            <a:schemeClr val="dk1"/>
-          </a:effectRef>
-          <a:fontRef idx="minor">
-            <a:schemeClr val="lt1"/>
-          </a:fontRef>
-        </p:style>
-      </p:cxnSp>
-      <p:sp>
-        <p:nvSpPr>
-          <p:cNvPr id="14" name="화살표: 오각형 13">
-            <a:extLst>
-              <a:ext uri="{FF2B5EF4-FFF2-40B4-BE49-F238E27FC236}">
-                <a16:creationId xmlns:a16="http://schemas.microsoft.com/office/drawing/2014/main" id="{8725074D-36E0-7F2F-7A2B-F621B5BB2CA1}"/>
-              </a:ext>
-            </a:extLst>
-          </p:cNvPr>
-          <p:cNvSpPr/>
-          <p:nvPr/>
-        </p:nvSpPr>
-        <p:spPr>
-          <a:xfrm>
-            <a:off x="11353800" y="714375"/>
-            <a:ext cx="1047750" cy="619125"/>
-          </a:xfrm>
-          <a:prstGeom prst="homePlate">
-            <a:avLst/>
-          </a:prstGeom>
-        </p:spPr>
-        <p:style>
-          <a:lnRef idx="2">
-            <a:schemeClr val="accent1">
-              <a:shade val="50000"/>
-            </a:schemeClr>
-          </a:lnRef>
-          <a:fillRef idx="1">
-            <a:schemeClr val="accent1"/>
-          </a:fillRef>
-          <a:effectRef idx="0">
-            <a:schemeClr val="accent1"/>
-          </a:effectRef>
-          <a:fontRef idx="minor">
-            <a:schemeClr val="lt1"/>
-          </a:fontRef>
-        </p:style>
-        <p:txBody>
-          <a:bodyPr rtlCol="0" anchor="ctr"/>
-          <a:lstStyle/>
-          <a:p>
-            <a:pPr algn="ctr"/>
-            <a:r>
-              <a:rPr lang="en-US" altLang="ko-KR" dirty="0"/>
-              <a:t>Func1</a:t>
-            </a:r>
-            <a:endParaRPr lang="ko-KR" altLang="en-US" dirty="0"/>
-          </a:p>
-        </p:txBody>
-      </p:sp>
-      <p:sp>
-        <p:nvSpPr>
-          <p:cNvPr id="15" name="화살표: 오각형 14">
-            <a:extLst>
-              <a:ext uri="{FF2B5EF4-FFF2-40B4-BE49-F238E27FC236}">
-                <a16:creationId xmlns:a16="http://schemas.microsoft.com/office/drawing/2014/main" id="{85456C12-4CC4-16A1-CB67-9E14515D474F}"/>
-              </a:ext>
-            </a:extLst>
-          </p:cNvPr>
-          <p:cNvSpPr/>
-          <p:nvPr/>
-        </p:nvSpPr>
-        <p:spPr>
-          <a:xfrm>
-            <a:off x="11353800" y="1607345"/>
-            <a:ext cx="1047750" cy="619125"/>
-          </a:xfrm>
-          <a:prstGeom prst="homePlate">
-            <a:avLst/>
-          </a:prstGeom>
-        </p:spPr>
-        <p:style>
-          <a:lnRef idx="2">
-            <a:schemeClr val="accent1">
-              <a:shade val="50000"/>
-            </a:schemeClr>
-          </a:lnRef>
-          <a:fillRef idx="1">
-            <a:schemeClr val="accent1"/>
-          </a:fillRef>
-          <a:effectRef idx="0">
-            <a:schemeClr val="accent1"/>
-          </a:effectRef>
-          <a:fontRef idx="minor">
-            <a:schemeClr val="lt1"/>
-          </a:fontRef>
-        </p:style>
-        <p:txBody>
-          <a:bodyPr rtlCol="0" anchor="ctr"/>
-          <a:lstStyle/>
-          <a:p>
-            <a:pPr algn="ctr"/>
-            <a:r>
-              <a:rPr lang="en-US" altLang="ko-KR" dirty="0"/>
-              <a:t>Func2</a:t>
-            </a:r>
-            <a:endParaRPr lang="ko-KR" altLang="en-US" dirty="0"/>
-          </a:p>
-        </p:txBody>
-      </p:sp>
-      <p:sp>
-        <p:nvSpPr>
-          <p:cNvPr id="16" name="TextBox 15">
-            <a:extLst>
-              <a:ext uri="{FF2B5EF4-FFF2-40B4-BE49-F238E27FC236}">
-                <a16:creationId xmlns:a16="http://schemas.microsoft.com/office/drawing/2014/main" id="{D4F1BC9F-5976-3C48-308F-CBF6AAD1C0C8}"/>
-              </a:ext>
-            </a:extLst>
-          </p:cNvPr>
-          <p:cNvSpPr txBox="1"/>
-          <p:nvPr/>
-        </p:nvSpPr>
-        <p:spPr>
-          <a:xfrm>
-            <a:off x="5707289" y="629613"/>
-            <a:ext cx="2854115" cy="646331"/>
-          </a:xfrm>
-          <a:prstGeom prst="rect">
-            <a:avLst/>
-          </a:prstGeom>
-          <a:noFill/>
-        </p:spPr>
-        <p:txBody>
-          <a:bodyPr wrap="none" rtlCol="0">
-            <a:spAutoFit/>
-          </a:bodyPr>
-          <a:lstStyle/>
-          <a:p>
-            <a:r>
-              <a:rPr lang="en-US" altLang="ko-KR" sz="3600" dirty="0"/>
-              <a:t>Real Dummy</a:t>
-            </a:r>
-          </a:p>
-        </p:txBody>
-      </p:sp>
-      <p:sp>
-        <p:nvSpPr>
-          <p:cNvPr id="20" name="화살표: 오각형 19">
-            <a:extLst>
-              <a:ext uri="{FF2B5EF4-FFF2-40B4-BE49-F238E27FC236}">
-                <a16:creationId xmlns:a16="http://schemas.microsoft.com/office/drawing/2014/main" id="{044000C9-4C5B-91B1-4F3D-5CA597B08F02}"/>
-              </a:ext>
-            </a:extLst>
-          </p:cNvPr>
-          <p:cNvSpPr/>
-          <p:nvPr/>
-        </p:nvSpPr>
-        <p:spPr>
-          <a:xfrm>
-            <a:off x="11353800" y="2500315"/>
-            <a:ext cx="1047750" cy="619125"/>
-          </a:xfrm>
-          <a:prstGeom prst="homePlate">
-            <a:avLst/>
-          </a:prstGeom>
-        </p:spPr>
-        <p:style>
-          <a:lnRef idx="2">
-            <a:schemeClr val="accent1">
-              <a:shade val="50000"/>
-            </a:schemeClr>
-          </a:lnRef>
-          <a:fillRef idx="1">
-            <a:schemeClr val="accent1"/>
-          </a:fillRef>
-          <a:effectRef idx="0">
-            <a:schemeClr val="accent1"/>
-          </a:effectRef>
-          <a:fontRef idx="minor">
-            <a:schemeClr val="lt1"/>
-          </a:fontRef>
-        </p:style>
-        <p:txBody>
-          <a:bodyPr rtlCol="0" anchor="ctr"/>
-          <a:lstStyle/>
-          <a:p>
-            <a:pPr algn="ctr"/>
-            <a:r>
-              <a:rPr lang="en-US" altLang="ko-KR" dirty="0"/>
-              <a:t>Func3</a:t>
-            </a:r>
-            <a:endParaRPr lang="ko-KR" altLang="en-US" dirty="0"/>
-          </a:p>
-        </p:txBody>
-      </p:sp>
-    </p:spTree>
-    <p:extLst>
-      <p:ext uri="{BB962C8B-B14F-4D97-AF65-F5344CB8AC3E}">
-        <p14:creationId xmlns:p14="http://schemas.microsoft.com/office/powerpoint/2010/main" val="1003539919"/>
-      </p:ext>
-    </p:extLst>
-  </p:cSld>
-  <p:clrMapOvr>
-    <a:masterClrMapping/>
-  </p:clrMapOvr>
-</p:sld>
-</file>
-
-<file path=ppt/slides/slide4.xml><?xml version="1.0" encoding="utf-8"?>
 <p:sld xmlns:a="http://schemas.openxmlformats.org/drawingml/2006/main" xmlns:r="http://schemas.openxmlformats.org/officeDocument/2006/relationships" xmlns:p="http://schemas.openxmlformats.org/presentationml/2006/main">
   <p:cSld>
     <p:spTree>
@@ -10666,7 +9831,7 @@
         </p:nvSpPr>
         <p:spPr>
           <a:xfrm>
-            <a:off x="9432256" y="504825"/>
+            <a:off x="10178351" y="-186582"/>
             <a:ext cx="2009775" cy="1352550"/>
           </a:xfrm>
           <a:prstGeom prst="foldedCorner">
@@ -10709,12 +9874,65 @@
           </a:p>
         </p:txBody>
       </p:sp>
+      <p:sp>
+        <p:nvSpPr>
+          <p:cNvPr id="57" name="TextBox 56">
+            <a:extLst>
+              <a:ext uri="{FF2B5EF4-FFF2-40B4-BE49-F238E27FC236}">
+                <a16:creationId xmlns:a16="http://schemas.microsoft.com/office/drawing/2014/main" id="{86C0DB17-5983-5AB1-2A10-EF20E8B13F5C}"/>
+              </a:ext>
+            </a:extLst>
+          </p:cNvPr>
+          <p:cNvSpPr txBox="1"/>
+          <p:nvPr/>
+        </p:nvSpPr>
+        <p:spPr>
+          <a:xfrm>
+            <a:off x="2131665" y="5279382"/>
+            <a:ext cx="2938625" cy="923330"/>
+          </a:xfrm>
+          <a:prstGeom prst="rect">
+            <a:avLst/>
+          </a:prstGeom>
+          <a:noFill/>
+        </p:spPr>
+        <p:txBody>
+          <a:bodyPr wrap="none" rtlCol="0">
+            <a:spAutoFit/>
+          </a:bodyPr>
+          <a:lstStyle/>
+          <a:p>
+            <a:r>
+              <a:rPr lang="ko-KR" altLang="en-US" dirty="0"/>
+              <a:t>동시행위그룹</a:t>
+            </a:r>
+            <a:endParaRPr lang="en-US" altLang="ko-KR" dirty="0"/>
+          </a:p>
+          <a:p>
+            <a:endParaRPr lang="en-US" altLang="ko-KR" dirty="0"/>
+          </a:p>
+          <a:p>
+            <a:r>
+              <a:rPr lang="ko-KR" altLang="en-US" dirty="0"/>
+              <a:t>방법</a:t>
+            </a:r>
+            <a:r>
+              <a:rPr lang="en-US" altLang="ko-KR" dirty="0"/>
+              <a:t>: </a:t>
+            </a:r>
+            <a:r>
+              <a:rPr lang="ko-KR" altLang="en-US" dirty="0"/>
+              <a:t>무방향라인으로 연결</a:t>
+            </a:r>
+          </a:p>
+        </p:txBody>
+      </p:sp>
       <p:grpSp>
         <p:nvGrpSpPr>
-          <p:cNvPr id="20" name="그룹 19">
-            <a:extLst>
-              <a:ext uri="{FF2B5EF4-FFF2-40B4-BE49-F238E27FC236}">
-                <a16:creationId xmlns:a16="http://schemas.microsoft.com/office/drawing/2014/main" id="{094946B4-5F3B-CE8F-D4BF-65970339268C}"/>
+          <p:cNvPr id="85" name="그룹 84">
+            <a:extLst>
+              <a:ext uri="{FF2B5EF4-FFF2-40B4-BE49-F238E27FC236}">
+                <a16:creationId xmlns:a16="http://schemas.microsoft.com/office/drawing/2014/main" id="{2D890ED7-C516-89CA-9C90-1843AD20DD18}"/>
               </a:ext>
             </a:extLst>
           </p:cNvPr>
@@ -10723,18 +9941,18 @@
         </p:nvGrpSpPr>
         <p:grpSpPr>
           <a:xfrm>
-            <a:off x="1039235" y="2762250"/>
-            <a:ext cx="9336108" cy="3590925"/>
-            <a:chOff x="1291312" y="2500236"/>
-            <a:chExt cx="9336108" cy="3590925"/>
+            <a:off x="1393474" y="3016398"/>
+            <a:ext cx="4313815" cy="2743200"/>
+            <a:chOff x="1393474" y="3016398"/>
+            <a:chExt cx="4313815" cy="2743200"/>
           </a:xfrm>
         </p:grpSpPr>
         <p:grpSp>
           <p:nvGrpSpPr>
-            <p:cNvPr id="12" name="그룹 11">
+            <p:cNvPr id="6" name="그룹 5">
               <a:extLst>
                 <a:ext uri="{FF2B5EF4-FFF2-40B4-BE49-F238E27FC236}">
-                  <a16:creationId xmlns:a16="http://schemas.microsoft.com/office/drawing/2014/main" id="{BD589A25-C61A-946D-D780-A00AD578454D}"/>
+                  <a16:creationId xmlns:a16="http://schemas.microsoft.com/office/drawing/2014/main" id="{38FAFB92-6594-BE15-75B9-9A824E260EB2}"/>
                 </a:ext>
               </a:extLst>
             </p:cNvPr>
@@ -10743,125 +9961,18 @@
           </p:nvGrpSpPr>
           <p:grpSpPr>
             <a:xfrm>
-              <a:off x="1291312" y="2500236"/>
-              <a:ext cx="9336108" cy="3590925"/>
+              <a:off x="1393474" y="3016398"/>
+              <a:ext cx="4313815" cy="2743200"/>
               <a:chOff x="1291312" y="2500236"/>
               <a:chExt cx="9336108" cy="3590925"/>
             </a:xfrm>
           </p:grpSpPr>
-          <p:sp>
-            <p:nvSpPr>
-              <p:cNvPr id="7" name="직사각형 6">
+          <p:grpSp>
+            <p:nvGrpSpPr>
+              <p:cNvPr id="13" name="그룹 12">
                 <a:extLst>
                   <a:ext uri="{FF2B5EF4-FFF2-40B4-BE49-F238E27FC236}">
-                    <a16:creationId xmlns:a16="http://schemas.microsoft.com/office/drawing/2014/main" id="{ABDB84CF-3826-2164-6107-3FAF7AEB955A}"/>
-                  </a:ext>
-                </a:extLst>
-              </p:cNvPr>
-              <p:cNvSpPr/>
-              <p:nvPr/>
-            </p:nvSpPr>
-            <p:spPr>
-              <a:xfrm>
-                <a:off x="1291312" y="2500236"/>
-                <a:ext cx="9336108" cy="3590925"/>
-              </a:xfrm>
-              <a:prstGeom prst="rect">
-                <a:avLst/>
-              </a:prstGeom>
-              <a:noFill/>
-              <a:ln>
-                <a:solidFill>
-                  <a:schemeClr val="accent1"/>
-                </a:solidFill>
-              </a:ln>
-            </p:spPr>
-            <p:style>
-              <a:lnRef idx="2">
-                <a:schemeClr val="accent1">
-                  <a:shade val="50000"/>
-                </a:schemeClr>
-              </a:lnRef>
-              <a:fillRef idx="1">
-                <a:schemeClr val="accent1"/>
-              </a:fillRef>
-              <a:effectRef idx="0">
-                <a:schemeClr val="accent1"/>
-              </a:effectRef>
-              <a:fontRef idx="minor">
-                <a:schemeClr val="lt1"/>
-              </a:fontRef>
-            </p:style>
-            <p:txBody>
-              <a:bodyPr rtlCol="0" anchor="t"/>
-              <a:lstStyle/>
-              <a:p>
-                <a:pPr algn="ctr"/>
-                <a:r>
-                  <a:rPr lang="en-US" altLang="ko-KR" sz="2800" dirty="0">
-                    <a:solidFill>
-                      <a:schemeClr val="tx1"/>
-                    </a:solidFill>
-                  </a:rPr>
-                  <a:t>R1</a:t>
-                </a:r>
-                <a:endParaRPr lang="ko-KR" altLang="en-US" sz="1200" dirty="0">
-                  <a:solidFill>
-                    <a:schemeClr val="tx1"/>
-                  </a:solidFill>
-                </a:endParaRPr>
-              </a:p>
-            </p:txBody>
-          </p:sp>
-          <p:cxnSp>
-            <p:nvCxnSpPr>
-              <p:cNvPr id="24" name="연결선: 꺾임 23">
-                <a:extLst>
-                  <a:ext uri="{FF2B5EF4-FFF2-40B4-BE49-F238E27FC236}">
-                    <a16:creationId xmlns:a16="http://schemas.microsoft.com/office/drawing/2014/main" id="{4489E750-034F-017F-65E8-EC76229DE444}"/>
-                  </a:ext>
-                </a:extLst>
-              </p:cNvPr>
-              <p:cNvCxnSpPr>
-                <a:cxnSpLocks/>
-                <a:stCxn id="27" idx="3"/>
-                <a:endCxn id="17" idx="1"/>
-              </p:cNvCxnSpPr>
-              <p:nvPr/>
-            </p:nvCxnSpPr>
-            <p:spPr>
-              <a:xfrm>
-                <a:off x="5412827" y="4295698"/>
-                <a:ext cx="1542003" cy="11184"/>
-              </a:xfrm>
-              <a:prstGeom prst="bentConnector3">
-                <a:avLst/>
-              </a:prstGeom>
-              <a:ln>
-                <a:tailEnd type="triangle"/>
-              </a:ln>
-            </p:spPr>
-            <p:style>
-              <a:lnRef idx="1">
-                <a:schemeClr val="accent1"/>
-              </a:lnRef>
-              <a:fillRef idx="0">
-                <a:schemeClr val="accent1"/>
-              </a:fillRef>
-              <a:effectRef idx="0">
-                <a:schemeClr val="accent1"/>
-              </a:effectRef>
-              <a:fontRef idx="minor">
-                <a:schemeClr val="tx1"/>
-              </a:fontRef>
-            </p:style>
-          </p:cxnSp>
-          <p:grpSp>
-            <p:nvGrpSpPr>
-              <p:cNvPr id="11" name="그룹 10">
-                <a:extLst>
-                  <a:ext uri="{FF2B5EF4-FFF2-40B4-BE49-F238E27FC236}">
-                    <a16:creationId xmlns:a16="http://schemas.microsoft.com/office/drawing/2014/main" id="{5DFFC66E-C62D-B5DA-CF92-F92525DDD9F7}"/>
+                    <a16:creationId xmlns:a16="http://schemas.microsoft.com/office/drawing/2014/main" id="{68273779-0907-B61E-CB28-7C3235EA2C81}"/>
                   </a:ext>
                 </a:extLst>
               </p:cNvPr>
@@ -10870,18 +9981,18 @@
             </p:nvGrpSpPr>
             <p:grpSpPr>
               <a:xfrm>
-                <a:off x="1807779" y="2713891"/>
-                <a:ext cx="3605048" cy="3163614"/>
-                <a:chOff x="1807779" y="2713891"/>
-                <a:chExt cx="3605048" cy="3163614"/>
+                <a:off x="1291312" y="2500236"/>
+                <a:ext cx="9336108" cy="3590925"/>
+                <a:chOff x="1291312" y="2500236"/>
+                <a:chExt cx="9336108" cy="3590925"/>
               </a:xfrm>
             </p:grpSpPr>
             <p:sp>
               <p:nvSpPr>
-                <p:cNvPr id="27" name="직사각형 26">
+                <p:cNvPr id="29" name="직사각형 28">
                   <a:extLst>
                     <a:ext uri="{FF2B5EF4-FFF2-40B4-BE49-F238E27FC236}">
-                      <a16:creationId xmlns:a16="http://schemas.microsoft.com/office/drawing/2014/main" id="{8AD5EBE7-EFE0-9BD2-04E2-6919CE3A9601}"/>
+                      <a16:creationId xmlns:a16="http://schemas.microsoft.com/office/drawing/2014/main" id="{42C05E87-EB35-E538-CC97-7625C2644ADD}"/>
                     </a:ext>
                   </a:extLst>
                 </p:cNvPr>
@@ -10890,62 +10001,13 @@
               </p:nvSpPr>
               <p:spPr>
                 <a:xfrm>
-                  <a:off x="1807779" y="2713891"/>
-                  <a:ext cx="3605048" cy="3163614"/>
+                  <a:off x="1291312" y="2500236"/>
+                  <a:ext cx="9336108" cy="3590925"/>
                 </a:xfrm>
                 <a:prstGeom prst="rect">
                   <a:avLst/>
                 </a:prstGeom>
                 <a:noFill/>
-                <a:ln>
-                  <a:prstDash val="dash"/>
-                </a:ln>
-              </p:spPr>
-              <p:style>
-                <a:lnRef idx="2">
-                  <a:schemeClr val="accent1">
-                    <a:shade val="50000"/>
-                  </a:schemeClr>
-                </a:lnRef>
-                <a:fillRef idx="1">
-                  <a:schemeClr val="accent1"/>
-                </a:fillRef>
-                <a:effectRef idx="0">
-                  <a:schemeClr val="accent1"/>
-                </a:effectRef>
-                <a:fontRef idx="minor">
-                  <a:schemeClr val="lt1"/>
-                </a:fontRef>
-              </p:style>
-              <p:txBody>
-                <a:bodyPr rtlCol="0" anchor="ctr"/>
-                <a:lstStyle/>
-                <a:p>
-                  <a:pPr algn="ctr"/>
-                  <a:endParaRPr lang="ko-KR" altLang="en-US"/>
-                </a:p>
-              </p:txBody>
-            </p:sp>
-            <p:sp>
-              <p:nvSpPr>
-                <p:cNvPr id="8" name="타원 7">
-                  <a:extLst>
-                    <a:ext uri="{FF2B5EF4-FFF2-40B4-BE49-F238E27FC236}">
-                      <a16:creationId xmlns:a16="http://schemas.microsoft.com/office/drawing/2014/main" id="{5CCC88D0-C93A-2FE0-A11D-F8F69A43BFD0}"/>
-                    </a:ext>
-                  </a:extLst>
-                </p:cNvPr>
-                <p:cNvSpPr/>
-                <p:nvPr/>
-              </p:nvSpPr>
-              <p:spPr>
-                <a:xfrm>
-                  <a:off x="2662291" y="4236659"/>
-                  <a:ext cx="2424718" cy="1516494"/>
-                </a:xfrm>
-                <a:prstGeom prst="ellipse">
-                  <a:avLst/>
-                </a:prstGeom>
                 <a:ln>
                   <a:solidFill>
                     <a:schemeClr val="accent1"/>
@@ -10969,108 +10031,178 @@
                 </a:fontRef>
               </p:style>
               <p:txBody>
-                <a:bodyPr rtlCol="0" anchor="ctr"/>
+                <a:bodyPr rtlCol="0" anchor="t"/>
                 <a:lstStyle/>
                 <a:p>
                   <a:pPr algn="ctr"/>
                   <a:r>
-                    <a:rPr lang="en-US" altLang="ko-KR" sz="2000" dirty="0"/>
-                    <a:t>SysB.Func2</a:t>
+                    <a:rPr lang="en-US" altLang="ko-KR" sz="1100" dirty="0">
+                      <a:solidFill>
+                        <a:schemeClr val="tx1"/>
+                      </a:solidFill>
+                    </a:rPr>
+                    <a:t>R1</a:t>
                   </a:r>
-                  <a:endParaRPr lang="ko-KR" altLang="en-US" sz="2000" dirty="0"/>
+                  <a:endParaRPr lang="ko-KR" altLang="en-US" sz="600" dirty="0">
+                    <a:solidFill>
+                      <a:schemeClr val="tx1"/>
+                    </a:solidFill>
+                  </a:endParaRPr>
                 </a:p>
               </p:txBody>
             </p:sp>
-            <p:sp>
-              <p:nvSpPr>
-                <p:cNvPr id="10" name="타원 9">
+            <p:grpSp>
+              <p:nvGrpSpPr>
+                <p:cNvPr id="31" name="그룹 30">
                   <a:extLst>
                     <a:ext uri="{FF2B5EF4-FFF2-40B4-BE49-F238E27FC236}">
-                      <a16:creationId xmlns:a16="http://schemas.microsoft.com/office/drawing/2014/main" id="{86B2F683-AC4C-5051-73E6-FEF4D05F9577}"/>
+                      <a16:creationId xmlns:a16="http://schemas.microsoft.com/office/drawing/2014/main" id="{BADDBE08-ABD4-230C-B560-729A8A147A38}"/>
                     </a:ext>
                   </a:extLst>
                 </p:cNvPr>
-                <p:cNvSpPr/>
+                <p:cNvGrpSpPr/>
                 <p:nvPr/>
-              </p:nvSpPr>
-              <p:spPr>
+              </p:nvGrpSpPr>
+              <p:grpSpPr>
                 <a:xfrm>
-                  <a:off x="2009983" y="2982514"/>
-                  <a:ext cx="2777936" cy="798819"/>
+                  <a:off x="2319279" y="2903389"/>
+                  <a:ext cx="2777936" cy="2011178"/>
+                  <a:chOff x="2319279" y="2903389"/>
+                  <a:chExt cx="2777936" cy="2011178"/>
                 </a:xfrm>
-                <a:prstGeom prst="ellipse">
-                  <a:avLst/>
-                </a:prstGeom>
-                <a:ln>
-                  <a:solidFill>
+              </p:grpSpPr>
+              <p:sp>
+                <p:nvSpPr>
+                  <p:cNvPr id="36" name="타원 35">
+                    <a:extLst>
+                      <a:ext uri="{FF2B5EF4-FFF2-40B4-BE49-F238E27FC236}">
+                        <a16:creationId xmlns:a16="http://schemas.microsoft.com/office/drawing/2014/main" id="{754D0C0D-93B9-1942-CAD1-61DF85B607AC}"/>
+                      </a:ext>
+                    </a:extLst>
+                  </p:cNvPr>
+                  <p:cNvSpPr/>
+                  <p:nvPr/>
+                </p:nvSpPr>
+                <p:spPr>
+                  <a:xfrm>
+                    <a:off x="2527565" y="4075368"/>
+                    <a:ext cx="2424718" cy="839199"/>
+                  </a:xfrm>
+                  <a:prstGeom prst="ellipse">
+                    <a:avLst/>
+                  </a:prstGeom>
+                  <a:ln>
+                    <a:solidFill>
+                      <a:schemeClr val="accent1"/>
+                    </a:solidFill>
+                  </a:ln>
+                </p:spPr>
+                <p:style>
+                  <a:lnRef idx="2">
+                    <a:schemeClr val="accent1">
+                      <a:shade val="50000"/>
+                    </a:schemeClr>
+                  </a:lnRef>
+                  <a:fillRef idx="1">
                     <a:schemeClr val="accent1"/>
-                  </a:solidFill>
-                </a:ln>
-              </p:spPr>
-              <p:style>
-                <a:lnRef idx="2">
-                  <a:schemeClr val="accent1">
-                    <a:shade val="50000"/>
-                  </a:schemeClr>
-                </a:lnRef>
-                <a:fillRef idx="1">
-                  <a:schemeClr val="accent1"/>
-                </a:fillRef>
-                <a:effectRef idx="0">
-                  <a:schemeClr val="accent1"/>
-                </a:effectRef>
-                <a:fontRef idx="minor">
-                  <a:schemeClr val="lt1"/>
-                </a:fontRef>
-              </p:style>
-              <p:txBody>
-                <a:bodyPr rtlCol="0" anchor="ctr"/>
-                <a:lstStyle/>
-                <a:p>
-                  <a:pPr algn="ctr"/>
-                  <a:r>
-                    <a:rPr lang="en-US" altLang="ko-KR" dirty="0"/>
-                    <a:t>SysB</a:t>
-                  </a:r>
-                </a:p>
-                <a:p>
-                  <a:pPr algn="ctr"/>
-                  <a:r>
-                    <a:rPr lang="en-US" altLang="ko-KR" dirty="0"/>
-                    <a:t>.Func1</a:t>
-                  </a:r>
-                  <a:endParaRPr lang="ko-KR" altLang="en-US" dirty="0"/>
-                </a:p>
-              </p:txBody>
-            </p:sp>
+                  </a:fillRef>
+                  <a:effectRef idx="0">
+                    <a:schemeClr val="accent1"/>
+                  </a:effectRef>
+                  <a:fontRef idx="minor">
+                    <a:schemeClr val="lt1"/>
+                  </a:fontRef>
+                </p:style>
+                <p:txBody>
+                  <a:bodyPr rtlCol="0" anchor="ctr"/>
+                  <a:lstStyle/>
+                  <a:p>
+                    <a:pPr algn="ctr"/>
+                    <a:r>
+                      <a:rPr lang="en-US" altLang="ko-KR" sz="1000" dirty="0"/>
+                      <a:t>SysB</a:t>
+                    </a:r>
+                  </a:p>
+                  <a:p>
+                    <a:pPr algn="ctr"/>
+                    <a:r>
+                      <a:rPr lang="en-US" altLang="ko-KR" sz="1000" dirty="0"/>
+                      <a:t>.Func2</a:t>
+                    </a:r>
+                    <a:endParaRPr lang="ko-KR" altLang="en-US" sz="1000" dirty="0"/>
+                  </a:p>
+                </p:txBody>
+              </p:sp>
+              <p:sp>
+                <p:nvSpPr>
+                  <p:cNvPr id="37" name="타원 36">
+                    <a:extLst>
+                      <a:ext uri="{FF2B5EF4-FFF2-40B4-BE49-F238E27FC236}">
+                        <a16:creationId xmlns:a16="http://schemas.microsoft.com/office/drawing/2014/main" id="{3D11B9FE-E621-4D6E-3D63-CDAC8934FEEF}"/>
+                      </a:ext>
+                    </a:extLst>
+                  </p:cNvPr>
+                  <p:cNvSpPr/>
+                  <p:nvPr/>
+                </p:nvSpPr>
+                <p:spPr>
+                  <a:xfrm>
+                    <a:off x="2319279" y="2903389"/>
+                    <a:ext cx="2777936" cy="798818"/>
+                  </a:xfrm>
+                  <a:prstGeom prst="ellipse">
+                    <a:avLst/>
+                  </a:prstGeom>
+                  <a:ln>
+                    <a:solidFill>
+                      <a:schemeClr val="accent1"/>
+                    </a:solidFill>
+                  </a:ln>
+                </p:spPr>
+                <p:style>
+                  <a:lnRef idx="2">
+                    <a:schemeClr val="accent1">
+                      <a:shade val="50000"/>
+                    </a:schemeClr>
+                  </a:lnRef>
+                  <a:fillRef idx="1">
+                    <a:schemeClr val="accent1"/>
+                  </a:fillRef>
+                  <a:effectRef idx="0">
+                    <a:schemeClr val="accent1"/>
+                  </a:effectRef>
+                  <a:fontRef idx="minor">
+                    <a:schemeClr val="lt1"/>
+                  </a:fontRef>
+                </p:style>
+                <p:txBody>
+                  <a:bodyPr rtlCol="0" anchor="ctr"/>
+                  <a:lstStyle/>
+                  <a:p>
+                    <a:pPr algn="ctr"/>
+                    <a:r>
+                      <a:rPr lang="en-US" altLang="ko-KR" sz="900" dirty="0"/>
+                      <a:t>SysB</a:t>
+                    </a:r>
+                  </a:p>
+                  <a:p>
+                    <a:pPr algn="ctr"/>
+                    <a:r>
+                      <a:rPr lang="en-US" altLang="ko-KR" sz="900" dirty="0"/>
+                      <a:t>.Func1</a:t>
+                    </a:r>
+                    <a:endParaRPr lang="ko-KR" altLang="en-US" sz="900" dirty="0"/>
+                  </a:p>
+                </p:txBody>
+              </p:sp>
+            </p:grpSp>
           </p:grpSp>
-        </p:grpSp>
-        <p:grpSp>
-          <p:nvGrpSpPr>
-            <p:cNvPr id="18" name="그룹 17">
-              <a:extLst>
-                <a:ext uri="{FF2B5EF4-FFF2-40B4-BE49-F238E27FC236}">
-                  <a16:creationId xmlns:a16="http://schemas.microsoft.com/office/drawing/2014/main" id="{C0F1FFF6-D9C4-CFEC-D967-BDE7CB8E62E7}"/>
-                </a:ext>
-              </a:extLst>
-            </p:cNvPr>
-            <p:cNvGrpSpPr/>
-            <p:nvPr/>
-          </p:nvGrpSpPr>
-          <p:grpSpPr>
-            <a:xfrm>
-              <a:off x="6954830" y="2725075"/>
-              <a:ext cx="3605048" cy="3163614"/>
-              <a:chOff x="6954830" y="2725075"/>
-              <a:chExt cx="3605048" cy="3163614"/>
-            </a:xfrm>
-          </p:grpSpPr>
           <p:sp>
             <p:nvSpPr>
-              <p:cNvPr id="15" name="타원 14">
+              <p:cNvPr id="23" name="타원 22">
                 <a:extLst>
                   <a:ext uri="{FF2B5EF4-FFF2-40B4-BE49-F238E27FC236}">
-                    <a16:creationId xmlns:a16="http://schemas.microsoft.com/office/drawing/2014/main" id="{E23EBC8B-98F0-9388-32AA-D50723F2D59B}"/>
+                    <a16:creationId xmlns:a16="http://schemas.microsoft.com/office/drawing/2014/main" id="{2A59823F-60D6-767B-7621-A1E673C5E6F1}"/>
                   </a:ext>
                 </a:extLst>
               </p:cNvPr>
@@ -11079,8 +10211,8 @@
             </p:nvSpPr>
             <p:spPr>
               <a:xfrm>
-                <a:off x="7873849" y="4277796"/>
-                <a:ext cx="2424718" cy="1516494"/>
+                <a:off x="7040526" y="2883199"/>
+                <a:ext cx="2424718" cy="839199"/>
               </a:xfrm>
               <a:prstGeom prst="ellipse">
                 <a:avLst/>
@@ -11108,352 +10240,103 @@
               <a:p>
                 <a:pPr algn="ctr"/>
                 <a:r>
-                  <a:rPr lang="en-US" altLang="ko-KR" sz="2000" dirty="0"/>
-                  <a:t>SysB.Func3</a:t>
+                  <a:rPr lang="en-US" altLang="ko-KR" sz="1000" dirty="0"/>
+                  <a:t>SysB</a:t>
                 </a:r>
-                <a:endParaRPr lang="ko-KR" altLang="en-US" sz="2000" dirty="0"/>
               </a:p>
-            </p:txBody>
-          </p:sp>
-          <p:sp>
-            <p:nvSpPr>
-              <p:cNvPr id="16" name="타원 15">
-                <a:extLst>
-                  <a:ext uri="{FF2B5EF4-FFF2-40B4-BE49-F238E27FC236}">
-                    <a16:creationId xmlns:a16="http://schemas.microsoft.com/office/drawing/2014/main" id="{42D3B272-980C-0197-1923-3E9BD8C00DD0}"/>
-                  </a:ext>
-                </a:extLst>
-              </p:cNvPr>
-              <p:cNvSpPr/>
-              <p:nvPr/>
-            </p:nvSpPr>
-            <p:spPr>
-              <a:xfrm>
-                <a:off x="7544995" y="2743401"/>
-                <a:ext cx="2424718" cy="1516494"/>
-              </a:xfrm>
-              <a:prstGeom prst="ellipse">
-                <a:avLst/>
-              </a:prstGeom>
-            </p:spPr>
-            <p:style>
-              <a:lnRef idx="2">
-                <a:schemeClr val="accent1">
-                  <a:shade val="50000"/>
-                </a:schemeClr>
-              </a:lnRef>
-              <a:fillRef idx="1">
-                <a:schemeClr val="accent1"/>
-              </a:fillRef>
-              <a:effectRef idx="0">
-                <a:schemeClr val="accent1"/>
-              </a:effectRef>
-              <a:fontRef idx="minor">
-                <a:schemeClr val="lt1"/>
-              </a:fontRef>
-            </p:style>
-            <p:txBody>
-              <a:bodyPr rtlCol="0" anchor="ctr"/>
-              <a:lstStyle/>
               <a:p>
                 <a:pPr algn="ctr"/>
                 <a:r>
-                  <a:rPr lang="en-US" altLang="ko-KR" sz="2000" dirty="0"/>
-                  <a:t>SysB.Func1</a:t>
+                  <a:rPr lang="en-US" altLang="ko-KR" sz="1000" dirty="0"/>
+                  <a:t>.Func1</a:t>
                 </a:r>
-                <a:endParaRPr lang="ko-KR" altLang="en-US" sz="2000" dirty="0"/>
-              </a:p>
-            </p:txBody>
-          </p:sp>
-          <p:sp>
-            <p:nvSpPr>
-              <p:cNvPr id="17" name="직사각형 16">
-                <a:extLst>
-                  <a:ext uri="{FF2B5EF4-FFF2-40B4-BE49-F238E27FC236}">
-                    <a16:creationId xmlns:a16="http://schemas.microsoft.com/office/drawing/2014/main" id="{BDCB384C-4072-940C-A658-607B97D36291}"/>
-                  </a:ext>
-                </a:extLst>
-              </p:cNvPr>
-              <p:cNvSpPr/>
-              <p:nvPr/>
-            </p:nvSpPr>
-            <p:spPr>
-              <a:xfrm>
-                <a:off x="6954830" y="2725075"/>
-                <a:ext cx="3605048" cy="3163614"/>
-              </a:xfrm>
-              <a:prstGeom prst="rect">
-                <a:avLst/>
-              </a:prstGeom>
-              <a:noFill/>
-              <a:ln>
-                <a:prstDash val="dash"/>
-              </a:ln>
-            </p:spPr>
-            <p:style>
-              <a:lnRef idx="2">
-                <a:schemeClr val="accent1">
-                  <a:shade val="50000"/>
-                </a:schemeClr>
-              </a:lnRef>
-              <a:fillRef idx="1">
-                <a:schemeClr val="accent1"/>
-              </a:fillRef>
-              <a:effectRef idx="0">
-                <a:schemeClr val="accent1"/>
-              </a:effectRef>
-              <a:fontRef idx="minor">
-                <a:schemeClr val="lt1"/>
-              </a:fontRef>
-            </p:style>
-            <p:txBody>
-              <a:bodyPr rtlCol="0" anchor="ctr"/>
-              <a:lstStyle/>
-              <a:p>
-                <a:pPr algn="ctr"/>
-                <a:endParaRPr lang="ko-KR" altLang="en-US"/>
+                <a:endParaRPr lang="ko-KR" altLang="en-US" sz="1000" dirty="0"/>
               </a:p>
             </p:txBody>
           </p:sp>
         </p:grpSp>
-      </p:grpSp>
-      <p:cxnSp>
-        <p:nvCxnSpPr>
-          <p:cNvPr id="33" name="직선 화살표 연결선 32">
-            <a:extLst>
-              <a:ext uri="{FF2B5EF4-FFF2-40B4-BE49-F238E27FC236}">
-                <a16:creationId xmlns:a16="http://schemas.microsoft.com/office/drawing/2014/main" id="{82F82328-A9AF-4AF1-755B-9FFB3E38DDC8}"/>
-              </a:ext>
-            </a:extLst>
-          </p:cNvPr>
-          <p:cNvCxnSpPr>
-            <a:cxnSpLocks/>
-            <a:stCxn id="26" idx="3"/>
-            <a:endCxn id="7" idx="0"/>
-          </p:cNvCxnSpPr>
-          <p:nvPr/>
-        </p:nvCxnSpPr>
-        <p:spPr>
-          <a:xfrm>
-            <a:off x="-527957" y="2463845"/>
-            <a:ext cx="6235246" cy="298405"/>
-          </a:xfrm>
-          <a:prstGeom prst="straightConnector1">
-            <a:avLst/>
-          </a:prstGeom>
-          <a:ln>
-            <a:tailEnd type="triangle"/>
-          </a:ln>
-        </p:spPr>
-        <p:style>
-          <a:lnRef idx="1">
-            <a:schemeClr val="accent1"/>
-          </a:lnRef>
-          <a:fillRef idx="0">
-            <a:schemeClr val="accent1"/>
-          </a:fillRef>
-          <a:effectRef idx="0">
-            <a:schemeClr val="accent1"/>
-          </a:effectRef>
-          <a:fontRef idx="minor">
-            <a:schemeClr val="tx1"/>
-          </a:fontRef>
-        </p:style>
-      </p:cxnSp>
-      <p:grpSp>
-        <p:nvGrpSpPr>
-          <p:cNvPr id="35" name="그룹 34">
-            <a:extLst>
-              <a:ext uri="{FF2B5EF4-FFF2-40B4-BE49-F238E27FC236}">
-                <a16:creationId xmlns:a16="http://schemas.microsoft.com/office/drawing/2014/main" id="{0CE0EB67-9B59-A05F-2C39-D5832D440BB2}"/>
-              </a:ext>
-            </a:extLst>
-          </p:cNvPr>
-          <p:cNvGrpSpPr/>
-          <p:nvPr/>
-        </p:nvGrpSpPr>
-        <p:grpSpPr>
-          <a:xfrm>
-            <a:off x="-2664732" y="1275944"/>
-            <a:ext cx="2136775" cy="2375802"/>
-            <a:chOff x="2698157" y="144777"/>
-            <a:chExt cx="2136775" cy="2375802"/>
-          </a:xfrm>
-        </p:grpSpPr>
-        <p:grpSp>
-          <p:nvGrpSpPr>
-            <p:cNvPr id="21" name="그룹 20">
+        <p:cxnSp>
+          <p:nvCxnSpPr>
+            <p:cNvPr id="39" name="직선 연결선 38">
               <a:extLst>
                 <a:ext uri="{FF2B5EF4-FFF2-40B4-BE49-F238E27FC236}">
-                  <a16:creationId xmlns:a16="http://schemas.microsoft.com/office/drawing/2014/main" id="{A63AA803-A954-E2A8-E88C-65CF3E16E5B8}"/>
+                  <a16:creationId xmlns:a16="http://schemas.microsoft.com/office/drawing/2014/main" id="{9355C314-1D0C-FE08-C423-F67F3E26778E}"/>
                 </a:ext>
               </a:extLst>
             </p:cNvPr>
-            <p:cNvGrpSpPr/>
+            <p:cNvCxnSpPr>
+              <a:cxnSpLocks/>
+              <a:stCxn id="23" idx="4"/>
+              <a:endCxn id="36" idx="0"/>
+            </p:cNvCxnSpPr>
             <p:nvPr/>
-          </p:nvGrpSpPr>
-          <p:grpSpPr>
-            <a:xfrm>
-              <a:off x="2698157" y="144777"/>
-              <a:ext cx="2136775" cy="2375802"/>
-              <a:chOff x="560614" y="1607345"/>
-              <a:chExt cx="2136775" cy="3397952"/>
+          </p:nvCxnSpPr>
+          <p:spPr>
+            <a:xfrm flipH="1">
+              <a:off x="2524872" y="3950039"/>
+              <a:ext cx="2085246" cy="269643"/>
             </a:xfrm>
-          </p:grpSpPr>
-          <p:sp>
-            <p:nvSpPr>
-              <p:cNvPr id="22" name="직사각형 21">
-                <a:extLst>
-                  <a:ext uri="{FF2B5EF4-FFF2-40B4-BE49-F238E27FC236}">
-                    <a16:creationId xmlns:a16="http://schemas.microsoft.com/office/drawing/2014/main" id="{9FDD797F-3A2E-9529-8181-5A2E7EED6646}"/>
-                  </a:ext>
-                </a:extLst>
-              </p:cNvPr>
-              <p:cNvSpPr/>
-              <p:nvPr/>
-            </p:nvSpPr>
-            <p:spPr>
-              <a:xfrm>
-                <a:off x="1033689" y="1948143"/>
-                <a:ext cx="1103086" cy="1066431"/>
-              </a:xfrm>
-              <a:prstGeom prst="rect">
-                <a:avLst/>
-              </a:prstGeom>
-              <a:ln>
-                <a:noFill/>
-              </a:ln>
-            </p:spPr>
-            <p:style>
-              <a:lnRef idx="2">
-                <a:schemeClr val="accent1">
-                  <a:shade val="50000"/>
-                </a:schemeClr>
-              </a:lnRef>
-              <a:fillRef idx="1">
-                <a:schemeClr val="accent1"/>
-              </a:fillRef>
-              <a:effectRef idx="0">
-                <a:schemeClr val="accent1"/>
-              </a:effectRef>
-              <a:fontRef idx="minor">
-                <a:schemeClr val="lt1"/>
-              </a:fontRef>
-            </p:style>
-            <p:txBody>
-              <a:bodyPr rtlCol="0" anchor="ctr"/>
-              <a:lstStyle/>
-              <a:p>
-                <a:pPr algn="ctr"/>
-                <a:r>
-                  <a:rPr lang="en-US" altLang="ko-KR" sz="2800" dirty="0"/>
-                  <a:t>R1</a:t>
-                </a:r>
-                <a:endParaRPr lang="ko-KR" altLang="en-US" sz="2800" dirty="0"/>
-              </a:p>
-            </p:txBody>
-          </p:sp>
-          <p:sp>
-            <p:nvSpPr>
-              <p:cNvPr id="26" name="직사각형 25">
-                <a:extLst>
-                  <a:ext uri="{FF2B5EF4-FFF2-40B4-BE49-F238E27FC236}">
-                    <a16:creationId xmlns:a16="http://schemas.microsoft.com/office/drawing/2014/main" id="{2DC4E15A-C30E-6A6F-59B9-0011EEE546A3}"/>
-                  </a:ext>
-                </a:extLst>
-              </p:cNvPr>
-              <p:cNvSpPr/>
-              <p:nvPr/>
-            </p:nvSpPr>
-            <p:spPr>
-              <a:xfrm>
-                <a:off x="560614" y="1607345"/>
-                <a:ext cx="2136775" cy="3397952"/>
-              </a:xfrm>
-              <a:prstGeom prst="rect">
-                <a:avLst/>
-              </a:prstGeom>
-              <a:noFill/>
-              <a:ln>
-                <a:prstDash val="dash"/>
-              </a:ln>
-            </p:spPr>
-            <p:style>
-              <a:lnRef idx="2">
-                <a:schemeClr val="accent1">
-                  <a:shade val="50000"/>
-                </a:schemeClr>
-              </a:lnRef>
-              <a:fillRef idx="1">
-                <a:schemeClr val="accent1"/>
-              </a:fillRef>
-              <a:effectRef idx="0">
-                <a:schemeClr val="accent1"/>
-              </a:effectRef>
-              <a:fontRef idx="minor">
-                <a:schemeClr val="lt1"/>
-              </a:fontRef>
-            </p:style>
-            <p:txBody>
-              <a:bodyPr rtlCol="0" anchor="ctr"/>
-              <a:lstStyle/>
-              <a:p>
-                <a:pPr algn="ctr"/>
-                <a:endParaRPr lang="ko-KR" altLang="en-US"/>
-              </a:p>
-            </p:txBody>
-          </p:sp>
-        </p:grpSp>
-        <p:sp>
-          <p:nvSpPr>
-            <p:cNvPr id="34" name="타원 33">
-              <a:extLst>
-                <a:ext uri="{FF2B5EF4-FFF2-40B4-BE49-F238E27FC236}">
-                  <a16:creationId xmlns:a16="http://schemas.microsoft.com/office/drawing/2014/main" id="{D2C29297-2B73-BDF5-BF26-17DFE0582920}"/>
-                </a:ext>
-              </a:extLst>
-            </p:cNvPr>
-            <p:cNvSpPr/>
-            <p:nvPr/>
-          </p:nvSpPr>
-          <p:spPr>
-            <a:xfrm>
-              <a:off x="3101480" y="1370363"/>
-              <a:ext cx="1434362" cy="927295"/>
-            </a:xfrm>
-            <a:prstGeom prst="ellipse">
+            <a:prstGeom prst="line">
               <a:avLst/>
             </a:prstGeom>
           </p:spPr>
           <p:style>
-            <a:lnRef idx="2">
-              <a:schemeClr val="accent1">
-                <a:shade val="50000"/>
-              </a:schemeClr>
+            <a:lnRef idx="1">
+              <a:schemeClr val="accent1"/>
             </a:lnRef>
-            <a:fillRef idx="1">
+            <a:fillRef idx="0">
               <a:schemeClr val="accent1"/>
             </a:fillRef>
             <a:effectRef idx="0">
               <a:schemeClr val="accent1"/>
             </a:effectRef>
             <a:fontRef idx="minor">
-              <a:schemeClr val="lt1"/>
+              <a:schemeClr val="tx1"/>
             </a:fontRef>
           </p:style>
-          <p:txBody>
-            <a:bodyPr rtlCol="0" anchor="ctr"/>
-            <a:lstStyle/>
-            <a:p>
-              <a:pPr algn="ctr"/>
-              <a:r>
-                <a:rPr lang="en-US" altLang="ko-KR" sz="1400" dirty="0"/>
-                <a:t>SysB.Func3</a:t>
-              </a:r>
-              <a:endParaRPr lang="ko-KR" altLang="en-US" sz="1400" dirty="0"/>
-            </a:p>
-          </p:txBody>
-        </p:sp>
+        </p:cxnSp>
+        <p:cxnSp>
+          <p:nvCxnSpPr>
+            <p:cNvPr id="84" name="직선 화살표 연결선 83">
+              <a:extLst>
+                <a:ext uri="{FF2B5EF4-FFF2-40B4-BE49-F238E27FC236}">
+                  <a16:creationId xmlns:a16="http://schemas.microsoft.com/office/drawing/2014/main" id="{708FC434-C24E-8760-3603-8866FDA68F02}"/>
+                </a:ext>
+              </a:extLst>
+            </p:cNvPr>
+            <p:cNvCxnSpPr>
+              <a:stCxn id="37" idx="6"/>
+              <a:endCxn id="23" idx="2"/>
+            </p:cNvCxnSpPr>
+            <p:nvPr/>
+          </p:nvCxnSpPr>
+          <p:spPr>
+            <a:xfrm>
+              <a:off x="3152018" y="3629496"/>
+              <a:ext cx="897921" cy="0"/>
+            </a:xfrm>
+            <a:prstGeom prst="straightConnector1">
+              <a:avLst/>
+            </a:prstGeom>
+            <a:ln>
+              <a:tailEnd type="triangle"/>
+            </a:ln>
+          </p:spPr>
+          <p:style>
+            <a:lnRef idx="1">
+              <a:schemeClr val="accent1"/>
+            </a:lnRef>
+            <a:fillRef idx="0">
+              <a:schemeClr val="accent1"/>
+            </a:fillRef>
+            <a:effectRef idx="0">
+              <a:schemeClr val="accent1"/>
+            </a:effectRef>
+            <a:fontRef idx="minor">
+              <a:schemeClr val="tx1"/>
+            </a:fontRef>
+          </p:style>
+        </p:cxnSp>
       </p:grpSp>
     </p:spTree>
     <p:extLst>

--- a/DsDotNet/src/UnitTest/UnitTest.Engine/ImportPPT/T9_Group.pptx
+++ b/DsDotNet/src/UnitTest/UnitTest.Engine/ImportPPT/T9_Group.pptx
@@ -217,7 +217,7 @@
           <a:p>
             <a:fld id="{DD503887-5801-43A0-AEF9-041E8DDC2558}" type="datetimeFigureOut">
               <a:rPr lang="ko-KR" altLang="en-US" smtClean="0"/>
-              <a:t>2022-11-07</a:t>
+              <a:t>2022-11-09</a:t>
             </a:fld>
             <a:endParaRPr lang="ko-KR" altLang="en-US" dirty="0"/>
           </a:p>
@@ -394,7 +394,7 @@
           <a:p>
             <a:fld id="{95336A0E-57B1-4D4C-BD9B-2F72B5943464}" type="datetimeFigureOut">
               <a:rPr lang="ko-KR" altLang="en-US" smtClean="0"/>
-              <a:t>2022-11-07</a:t>
+              <a:t>2022-11-09</a:t>
             </a:fld>
             <a:endParaRPr lang="ko-KR" altLang="en-US" dirty="0"/>
           </a:p>
@@ -1080,7 +1080,7 @@
           <a:p>
             <a:fld id="{229D12C7-0FF5-4972-A033-474EFFC79F40}" type="datetime1">
               <a:rPr lang="ko-KR" altLang="en-US" smtClean="0"/>
-              <a:t>2022-11-07</a:t>
+              <a:t>2022-11-09</a:t>
             </a:fld>
             <a:endParaRPr lang="ko-KR" altLang="en-US" dirty="0"/>
           </a:p>
@@ -1278,7 +1278,7 @@
           <a:p>
             <a:fld id="{5BA19FD4-B052-4F56-8FD8-EAFD078DEFB0}" type="datetime1">
               <a:rPr lang="ko-KR" altLang="en-US" smtClean="0"/>
-              <a:t>2022-11-07</a:t>
+              <a:t>2022-11-09</a:t>
             </a:fld>
             <a:endParaRPr lang="ko-KR" altLang="en-US" dirty="0"/>
           </a:p>
@@ -1486,7 +1486,7 @@
           <a:p>
             <a:fld id="{024994B9-23A6-4B0A-A038-AC140E83DAA3}" type="datetime1">
               <a:rPr lang="ko-KR" altLang="en-US" smtClean="0"/>
-              <a:t>2022-11-07</a:t>
+              <a:t>2022-11-09</a:t>
             </a:fld>
             <a:endParaRPr lang="ko-KR" altLang="en-US" dirty="0"/>
           </a:p>
@@ -1684,7 +1684,7 @@
           <a:p>
             <a:fld id="{70D0DAB2-87CB-4028-B965-3AA710ADF2CB}" type="datetime1">
               <a:rPr lang="ko-KR" altLang="en-US" smtClean="0"/>
-              <a:t>2022-11-07</a:t>
+              <a:t>2022-11-09</a:t>
             </a:fld>
             <a:endParaRPr lang="ko-KR" altLang="en-US" dirty="0"/>
           </a:p>
@@ -1959,7 +1959,7 @@
           <a:p>
             <a:fld id="{63FA3D71-FEA8-477F-9D1E-EA860F411BC7}" type="datetime1">
               <a:rPr lang="ko-KR" altLang="en-US" smtClean="0"/>
-              <a:t>2022-11-07</a:t>
+              <a:t>2022-11-09</a:t>
             </a:fld>
             <a:endParaRPr lang="ko-KR" altLang="en-US" dirty="0"/>
           </a:p>
@@ -2224,7 +2224,7 @@
           <a:p>
             <a:fld id="{F58E3EF4-7980-4C97-BA64-EC66995BB574}" type="datetime1">
               <a:rPr lang="ko-KR" altLang="en-US" smtClean="0"/>
-              <a:t>2022-11-07</a:t>
+              <a:t>2022-11-09</a:t>
             </a:fld>
             <a:endParaRPr lang="ko-KR" altLang="en-US" dirty="0"/>
           </a:p>
@@ -2636,7 +2636,7 @@
           <a:p>
             <a:fld id="{FC9BC1D0-7D6B-4634-9D19-644040D74EAE}" type="datetime1">
               <a:rPr lang="ko-KR" altLang="en-US" smtClean="0"/>
-              <a:t>2022-11-07</a:t>
+              <a:t>2022-11-09</a:t>
             </a:fld>
             <a:endParaRPr lang="ko-KR" altLang="en-US" dirty="0"/>
           </a:p>
@@ -2778,7 +2778,7 @@
           <a:p>
             <a:fld id="{B5B1BBC2-B738-4C35-AEE5-660EB2DEB482}" type="datetime1">
               <a:rPr lang="ko-KR" altLang="en-US" smtClean="0"/>
-              <a:t>2022-11-07</a:t>
+              <a:t>2022-11-09</a:t>
             </a:fld>
             <a:endParaRPr lang="ko-KR" altLang="en-US" dirty="0"/>
           </a:p>
@@ -7360,7 +7360,7 @@
           <a:p>
             <a:fld id="{C60E9F93-7E77-4F36-B88C-A425F00C8D91}" type="datetime1">
               <a:rPr lang="ko-KR" altLang="en-US" smtClean="0"/>
-              <a:t>2022-11-07</a:t>
+              <a:t>2022-11-09</a:t>
             </a:fld>
             <a:endParaRPr lang="ko-KR" altLang="en-US" dirty="0"/>
           </a:p>
@@ -7671,7 +7671,7 @@
           <a:p>
             <a:fld id="{36BCCD0E-2A54-4016-BFFC-FEAABCDA6915}" type="datetime1">
               <a:rPr lang="ko-KR" altLang="en-US" smtClean="0"/>
-              <a:t>2022-11-07</a:t>
+              <a:t>2022-11-09</a:t>
             </a:fld>
             <a:endParaRPr lang="ko-KR" altLang="en-US" dirty="0"/>
           </a:p>
@@ -7959,7 +7959,7 @@
           <a:p>
             <a:fld id="{AAF69562-79F1-43EA-AE78-EAD8DB3AEC1A}" type="datetime1">
               <a:rPr lang="ko-KR" altLang="en-US" smtClean="0"/>
-              <a:t>2022-11-07</a:t>
+              <a:t>2022-11-09</a:t>
             </a:fld>
             <a:endParaRPr lang="ko-KR" altLang="en-US" dirty="0"/>
           </a:p>
@@ -8200,7 +8200,7 @@
           <a:p>
             <a:fld id="{C984B0C4-64BA-4E4C-B5E6-A51EE3F6ED95}" type="datetime1">
               <a:rPr lang="ko-KR" altLang="en-US" smtClean="0"/>
-              <a:t>2022-11-07</a:t>
+              <a:t>2022-11-09</a:t>
             </a:fld>
             <a:endParaRPr lang="ko-KR" altLang="en-US" dirty="0"/>
           </a:p>
@@ -10257,46 +10257,6 @@
         </p:grpSp>
         <p:cxnSp>
           <p:nvCxnSpPr>
-            <p:cNvPr id="39" name="직선 연결선 38">
-              <a:extLst>
-                <a:ext uri="{FF2B5EF4-FFF2-40B4-BE49-F238E27FC236}">
-                  <a16:creationId xmlns:a16="http://schemas.microsoft.com/office/drawing/2014/main" id="{9355C314-1D0C-FE08-C423-F67F3E26778E}"/>
-                </a:ext>
-              </a:extLst>
-            </p:cNvPr>
-            <p:cNvCxnSpPr>
-              <a:cxnSpLocks/>
-              <a:stCxn id="23" idx="4"/>
-              <a:endCxn id="36" idx="0"/>
-            </p:cNvCxnSpPr>
-            <p:nvPr/>
-          </p:nvCxnSpPr>
-          <p:spPr>
-            <a:xfrm flipH="1">
-              <a:off x="2524872" y="3950039"/>
-              <a:ext cx="2085246" cy="269643"/>
-            </a:xfrm>
-            <a:prstGeom prst="line">
-              <a:avLst/>
-            </a:prstGeom>
-          </p:spPr>
-          <p:style>
-            <a:lnRef idx="1">
-              <a:schemeClr val="accent1"/>
-            </a:lnRef>
-            <a:fillRef idx="0">
-              <a:schemeClr val="accent1"/>
-            </a:fillRef>
-            <a:effectRef idx="0">
-              <a:schemeClr val="accent1"/>
-            </a:effectRef>
-            <a:fontRef idx="minor">
-              <a:schemeClr val="tx1"/>
-            </a:fontRef>
-          </p:style>
-        </p:cxnSp>
-        <p:cxnSp>
-          <p:nvCxnSpPr>
             <p:cNvPr id="84" name="직선 화살표 연결선 83">
               <a:extLst>
                 <a:ext uri="{FF2B5EF4-FFF2-40B4-BE49-F238E27FC236}">
@@ -10305,6 +10265,7 @@
               </a:extLst>
             </p:cNvPr>
             <p:cNvCxnSpPr>
+              <a:cxnSpLocks/>
               <a:stCxn id="37" idx="6"/>
               <a:endCxn id="23" idx="2"/>
             </p:cNvCxnSpPr>
@@ -10338,6 +10299,45 @@
           </p:style>
         </p:cxnSp>
       </p:grpSp>
+      <p:cxnSp>
+        <p:nvCxnSpPr>
+          <p:cNvPr id="5" name="직선 연결선 4">
+            <a:extLst>
+              <a:ext uri="{FF2B5EF4-FFF2-40B4-BE49-F238E27FC236}">
+                <a16:creationId xmlns:a16="http://schemas.microsoft.com/office/drawing/2014/main" id="{B2903C9A-7E9D-7B92-E96B-7F51C8E29520}"/>
+              </a:ext>
+            </a:extLst>
+          </p:cNvPr>
+          <p:cNvCxnSpPr>
+            <a:stCxn id="37" idx="4"/>
+            <a:endCxn id="36" idx="0"/>
+          </p:cNvCxnSpPr>
+          <p:nvPr/>
+        </p:nvCxnSpPr>
+        <p:spPr>
+          <a:xfrm>
+            <a:off x="2510236" y="3934615"/>
+            <a:ext cx="14636" cy="285067"/>
+          </a:xfrm>
+          <a:prstGeom prst="line">
+            <a:avLst/>
+          </a:prstGeom>
+        </p:spPr>
+        <p:style>
+          <a:lnRef idx="1">
+            <a:schemeClr val="accent1"/>
+          </a:lnRef>
+          <a:fillRef idx="0">
+            <a:schemeClr val="accent1"/>
+          </a:fillRef>
+          <a:effectRef idx="0">
+            <a:schemeClr val="accent1"/>
+          </a:effectRef>
+          <a:fontRef idx="minor">
+            <a:schemeClr val="tx1"/>
+          </a:fontRef>
+        </p:style>
+      </p:cxnSp>
     </p:spTree>
     <p:extLst>
       <p:ext uri="{BB962C8B-B14F-4D97-AF65-F5344CB8AC3E}">

--- a/DsDotNet/src/UnitTest/UnitTest.Engine/ImportPPT/T9_Group.pptx
+++ b/DsDotNet/src/UnitTest/UnitTest.Engine/ImportPPT/T9_Group.pptx
@@ -9874,65 +9874,12 @@
           </a:p>
         </p:txBody>
       </p:sp>
-      <p:sp>
-        <p:nvSpPr>
-          <p:cNvPr id="57" name="TextBox 56">
-            <a:extLst>
-              <a:ext uri="{FF2B5EF4-FFF2-40B4-BE49-F238E27FC236}">
-                <a16:creationId xmlns:a16="http://schemas.microsoft.com/office/drawing/2014/main" id="{86C0DB17-5983-5AB1-2A10-EF20E8B13F5C}"/>
-              </a:ext>
-            </a:extLst>
-          </p:cNvPr>
-          <p:cNvSpPr txBox="1"/>
-          <p:nvPr/>
-        </p:nvSpPr>
-        <p:spPr>
-          <a:xfrm>
-            <a:off x="2131665" y="5279382"/>
-            <a:ext cx="2938625" cy="923330"/>
-          </a:xfrm>
-          <a:prstGeom prst="rect">
-            <a:avLst/>
-          </a:prstGeom>
-          <a:noFill/>
-        </p:spPr>
-        <p:txBody>
-          <a:bodyPr wrap="none" rtlCol="0">
-            <a:spAutoFit/>
-          </a:bodyPr>
-          <a:lstStyle/>
-          <a:p>
-            <a:r>
-              <a:rPr lang="ko-KR" altLang="en-US" dirty="0"/>
-              <a:t>동시행위그룹</a:t>
-            </a:r>
-            <a:endParaRPr lang="en-US" altLang="ko-KR" dirty="0"/>
-          </a:p>
-          <a:p>
-            <a:endParaRPr lang="en-US" altLang="ko-KR" dirty="0"/>
-          </a:p>
-          <a:p>
-            <a:r>
-              <a:rPr lang="ko-KR" altLang="en-US" dirty="0"/>
-              <a:t>방법</a:t>
-            </a:r>
-            <a:r>
-              <a:rPr lang="en-US" altLang="ko-KR" dirty="0"/>
-              <a:t>: </a:t>
-            </a:r>
-            <a:r>
-              <a:rPr lang="ko-KR" altLang="en-US" dirty="0"/>
-              <a:t>무방향라인으로 연결</a:t>
-            </a:r>
-          </a:p>
-        </p:txBody>
-      </p:sp>
       <p:grpSp>
         <p:nvGrpSpPr>
-          <p:cNvPr id="85" name="그룹 84">
-            <a:extLst>
-              <a:ext uri="{FF2B5EF4-FFF2-40B4-BE49-F238E27FC236}">
-                <a16:creationId xmlns:a16="http://schemas.microsoft.com/office/drawing/2014/main" id="{2D890ED7-C516-89CA-9C90-1843AD20DD18}"/>
+          <p:cNvPr id="12" name="그룹 11">
+            <a:extLst>
+              <a:ext uri="{FF2B5EF4-FFF2-40B4-BE49-F238E27FC236}">
+                <a16:creationId xmlns:a16="http://schemas.microsoft.com/office/drawing/2014/main" id="{28F1E749-B7AF-5D5F-B20D-DFE5E966619C}"/>
               </a:ext>
             </a:extLst>
           </p:cNvPr>
@@ -9942,17 +9889,70 @@
         <p:grpSpPr>
           <a:xfrm>
             <a:off x="1393474" y="3016398"/>
-            <a:ext cx="4313815" cy="2743200"/>
+            <a:ext cx="4313815" cy="3186314"/>
             <a:chOff x="1393474" y="3016398"/>
-            <a:chExt cx="4313815" cy="2743200"/>
+            <a:chExt cx="4313815" cy="3186314"/>
           </a:xfrm>
         </p:grpSpPr>
+        <p:sp>
+          <p:nvSpPr>
+            <p:cNvPr id="57" name="TextBox 56">
+              <a:extLst>
+                <a:ext uri="{FF2B5EF4-FFF2-40B4-BE49-F238E27FC236}">
+                  <a16:creationId xmlns:a16="http://schemas.microsoft.com/office/drawing/2014/main" id="{86C0DB17-5983-5AB1-2A10-EF20E8B13F5C}"/>
+                </a:ext>
+              </a:extLst>
+            </p:cNvPr>
+            <p:cNvSpPr txBox="1"/>
+            <p:nvPr/>
+          </p:nvSpPr>
+          <p:spPr>
+            <a:xfrm>
+              <a:off x="2131665" y="5279382"/>
+              <a:ext cx="2938625" cy="923330"/>
+            </a:xfrm>
+            <a:prstGeom prst="rect">
+              <a:avLst/>
+            </a:prstGeom>
+            <a:noFill/>
+          </p:spPr>
+          <p:txBody>
+            <a:bodyPr wrap="none" rtlCol="0">
+              <a:spAutoFit/>
+            </a:bodyPr>
+            <a:lstStyle/>
+            <a:p>
+              <a:r>
+                <a:rPr lang="ko-KR" altLang="en-US" dirty="0"/>
+                <a:t>동시행위그룹</a:t>
+              </a:r>
+              <a:endParaRPr lang="en-US" altLang="ko-KR" dirty="0"/>
+            </a:p>
+            <a:p>
+              <a:endParaRPr lang="en-US" altLang="ko-KR" dirty="0"/>
+            </a:p>
+            <a:p>
+              <a:r>
+                <a:rPr lang="ko-KR" altLang="en-US" dirty="0"/>
+                <a:t>방법</a:t>
+              </a:r>
+              <a:r>
+                <a:rPr lang="en-US" altLang="ko-KR" dirty="0"/>
+                <a:t>: </a:t>
+              </a:r>
+              <a:r>
+                <a:rPr lang="ko-KR" altLang="en-US" dirty="0"/>
+                <a:t>무방향라인으로 연결</a:t>
+              </a:r>
+            </a:p>
+          </p:txBody>
+        </p:sp>
         <p:grpSp>
           <p:nvGrpSpPr>
-            <p:cNvPr id="6" name="그룹 5">
+            <p:cNvPr id="85" name="그룹 84">
               <a:extLst>
                 <a:ext uri="{FF2B5EF4-FFF2-40B4-BE49-F238E27FC236}">
-                  <a16:creationId xmlns:a16="http://schemas.microsoft.com/office/drawing/2014/main" id="{38FAFB92-6594-BE15-75B9-9A824E260EB2}"/>
+                  <a16:creationId xmlns:a16="http://schemas.microsoft.com/office/drawing/2014/main" id="{2D890ED7-C516-89CA-9C90-1843AD20DD18}"/>
                 </a:ext>
               </a:extLst>
             </p:cNvPr>
@@ -9963,16 +9963,16 @@
             <a:xfrm>
               <a:off x="1393474" y="3016398"/>
               <a:ext cx="4313815" cy="2743200"/>
-              <a:chOff x="1291312" y="2500236"/>
-              <a:chExt cx="9336108" cy="3590925"/>
+              <a:chOff x="1393474" y="3016398"/>
+              <a:chExt cx="4313815" cy="2743200"/>
             </a:xfrm>
           </p:grpSpPr>
           <p:grpSp>
             <p:nvGrpSpPr>
-              <p:cNvPr id="13" name="그룹 12">
+              <p:cNvPr id="6" name="그룹 5">
                 <a:extLst>
                   <a:ext uri="{FF2B5EF4-FFF2-40B4-BE49-F238E27FC236}">
-                    <a16:creationId xmlns:a16="http://schemas.microsoft.com/office/drawing/2014/main" id="{68273779-0907-B61E-CB28-7C3235EA2C81}"/>
+                    <a16:creationId xmlns:a16="http://schemas.microsoft.com/office/drawing/2014/main" id="{38FAFB92-6594-BE15-75B9-9A824E260EB2}"/>
                   </a:ext>
                 </a:extLst>
               </p:cNvPr>
@@ -9981,82 +9981,18 @@
             </p:nvGrpSpPr>
             <p:grpSpPr>
               <a:xfrm>
-                <a:off x="1291312" y="2500236"/>
-                <a:ext cx="9336108" cy="3590925"/>
+                <a:off x="1393474" y="3016398"/>
+                <a:ext cx="4313815" cy="2743200"/>
                 <a:chOff x="1291312" y="2500236"/>
                 <a:chExt cx="9336108" cy="3590925"/>
               </a:xfrm>
             </p:grpSpPr>
-            <p:sp>
-              <p:nvSpPr>
-                <p:cNvPr id="29" name="직사각형 28">
+            <p:grpSp>
+              <p:nvGrpSpPr>
+                <p:cNvPr id="13" name="그룹 12">
                   <a:extLst>
                     <a:ext uri="{FF2B5EF4-FFF2-40B4-BE49-F238E27FC236}">
-                      <a16:creationId xmlns:a16="http://schemas.microsoft.com/office/drawing/2014/main" id="{42C05E87-EB35-E538-CC97-7625C2644ADD}"/>
-                    </a:ext>
-                  </a:extLst>
-                </p:cNvPr>
-                <p:cNvSpPr/>
-                <p:nvPr/>
-              </p:nvSpPr>
-              <p:spPr>
-                <a:xfrm>
-                  <a:off x="1291312" y="2500236"/>
-                  <a:ext cx="9336108" cy="3590925"/>
-                </a:xfrm>
-                <a:prstGeom prst="rect">
-                  <a:avLst/>
-                </a:prstGeom>
-                <a:noFill/>
-                <a:ln>
-                  <a:solidFill>
-                    <a:schemeClr val="accent1"/>
-                  </a:solidFill>
-                </a:ln>
-              </p:spPr>
-              <p:style>
-                <a:lnRef idx="2">
-                  <a:schemeClr val="accent1">
-                    <a:shade val="50000"/>
-                  </a:schemeClr>
-                </a:lnRef>
-                <a:fillRef idx="1">
-                  <a:schemeClr val="accent1"/>
-                </a:fillRef>
-                <a:effectRef idx="0">
-                  <a:schemeClr val="accent1"/>
-                </a:effectRef>
-                <a:fontRef idx="minor">
-                  <a:schemeClr val="lt1"/>
-                </a:fontRef>
-              </p:style>
-              <p:txBody>
-                <a:bodyPr rtlCol="0" anchor="t"/>
-                <a:lstStyle/>
-                <a:p>
-                  <a:pPr algn="ctr"/>
-                  <a:r>
-                    <a:rPr lang="en-US" altLang="ko-KR" sz="1100" dirty="0">
-                      <a:solidFill>
-                        <a:schemeClr val="tx1"/>
-                      </a:solidFill>
-                    </a:rPr>
-                    <a:t>R1</a:t>
-                  </a:r>
-                  <a:endParaRPr lang="ko-KR" altLang="en-US" sz="600" dirty="0">
-                    <a:solidFill>
-                      <a:schemeClr val="tx1"/>
-                    </a:solidFill>
-                  </a:endParaRPr>
-                </a:p>
-              </p:txBody>
-            </p:sp>
-            <p:grpSp>
-              <p:nvGrpSpPr>
-                <p:cNvPr id="31" name="그룹 30">
-                  <a:extLst>
-                    <a:ext uri="{FF2B5EF4-FFF2-40B4-BE49-F238E27FC236}">
-                      <a16:creationId xmlns:a16="http://schemas.microsoft.com/office/drawing/2014/main" id="{BADDBE08-ABD4-230C-B560-729A8A147A38}"/>
+                      <a16:creationId xmlns:a16="http://schemas.microsoft.com/office/drawing/2014/main" id="{68273779-0907-B61E-CB28-7C3235EA2C81}"/>
                     </a:ext>
                   </a:extLst>
                 </p:cNvPr>
@@ -10065,18 +10001,18 @@
               </p:nvGrpSpPr>
               <p:grpSpPr>
                 <a:xfrm>
-                  <a:off x="2319279" y="2903389"/>
-                  <a:ext cx="2777936" cy="2011178"/>
-                  <a:chOff x="2319279" y="2903389"/>
-                  <a:chExt cx="2777936" cy="2011178"/>
+                  <a:off x="1291312" y="2500236"/>
+                  <a:ext cx="9336108" cy="3590925"/>
+                  <a:chOff x="1291312" y="2500236"/>
+                  <a:chExt cx="9336108" cy="3590925"/>
                 </a:xfrm>
               </p:grpSpPr>
               <p:sp>
                 <p:nvSpPr>
-                  <p:cNvPr id="36" name="타원 35">
+                  <p:cNvPr id="29" name="직사각형 28">
                     <a:extLst>
                       <a:ext uri="{FF2B5EF4-FFF2-40B4-BE49-F238E27FC236}">
-                        <a16:creationId xmlns:a16="http://schemas.microsoft.com/office/drawing/2014/main" id="{754D0C0D-93B9-1942-CAD1-61DF85B607AC}"/>
+                        <a16:creationId xmlns:a16="http://schemas.microsoft.com/office/drawing/2014/main" id="{42C05E87-EB35-E538-CC97-7625C2644ADD}"/>
                       </a:ext>
                     </a:extLst>
                   </p:cNvPr>
@@ -10085,12 +10021,13 @@
                 </p:nvSpPr>
                 <p:spPr>
                   <a:xfrm>
-                    <a:off x="2527565" y="4075368"/>
-                    <a:ext cx="2424718" cy="839199"/>
+                    <a:off x="1291312" y="2500236"/>
+                    <a:ext cx="9336108" cy="3590925"/>
                   </a:xfrm>
-                  <a:prstGeom prst="ellipse">
+                  <a:prstGeom prst="rect">
                     <a:avLst/>
                   </a:prstGeom>
+                  <a:noFill/>
                   <a:ln>
                     <a:solidFill>
                       <a:schemeClr val="accent1"/>
@@ -10114,174 +10051,399 @@
                   </a:fontRef>
                 </p:style>
                 <p:txBody>
-                  <a:bodyPr rtlCol="0" anchor="ctr"/>
+                  <a:bodyPr rtlCol="0" anchor="t"/>
                   <a:lstStyle/>
                   <a:p>
                     <a:pPr algn="ctr"/>
                     <a:r>
-                      <a:rPr lang="en-US" altLang="ko-KR" sz="1000" dirty="0"/>
-                      <a:t>SysB</a:t>
+                      <a:rPr lang="en-US" altLang="ko-KR" sz="1100" dirty="0">
+                        <a:solidFill>
+                          <a:schemeClr val="tx1"/>
+                        </a:solidFill>
+                      </a:rPr>
+                      <a:t>R1</a:t>
                     </a:r>
-                  </a:p>
-                  <a:p>
-                    <a:pPr algn="ctr"/>
-                    <a:r>
-                      <a:rPr lang="en-US" altLang="ko-KR" sz="1000" dirty="0"/>
-                      <a:t>.Func2</a:t>
-                    </a:r>
-                    <a:endParaRPr lang="ko-KR" altLang="en-US" sz="1000" dirty="0"/>
+                    <a:endParaRPr lang="ko-KR" altLang="en-US" sz="600" dirty="0">
+                      <a:solidFill>
+                        <a:schemeClr val="tx1"/>
+                      </a:solidFill>
+                    </a:endParaRPr>
                   </a:p>
                 </p:txBody>
               </p:sp>
-              <p:sp>
-                <p:nvSpPr>
-                  <p:cNvPr id="37" name="타원 36">
+              <p:grpSp>
+                <p:nvGrpSpPr>
+                  <p:cNvPr id="31" name="그룹 30">
                     <a:extLst>
                       <a:ext uri="{FF2B5EF4-FFF2-40B4-BE49-F238E27FC236}">
-                        <a16:creationId xmlns:a16="http://schemas.microsoft.com/office/drawing/2014/main" id="{3D11B9FE-E621-4D6E-3D63-CDAC8934FEEF}"/>
+                        <a16:creationId xmlns:a16="http://schemas.microsoft.com/office/drawing/2014/main" id="{BADDBE08-ABD4-230C-B560-729A8A147A38}"/>
                       </a:ext>
                     </a:extLst>
                   </p:cNvPr>
-                  <p:cNvSpPr/>
+                  <p:cNvGrpSpPr/>
                   <p:nvPr/>
-                </p:nvSpPr>
-                <p:spPr>
+                </p:nvGrpSpPr>
+                <p:grpSpPr>
                   <a:xfrm>
                     <a:off x="2319279" y="2903389"/>
-                    <a:ext cx="2777936" cy="798818"/>
+                    <a:ext cx="7145966" cy="2098587"/>
+                    <a:chOff x="2319279" y="2903389"/>
+                    <a:chExt cx="7145966" cy="2098587"/>
                   </a:xfrm>
-                  <a:prstGeom prst="ellipse">
-                    <a:avLst/>
-                  </a:prstGeom>
-                  <a:ln>
-                    <a:solidFill>
+                </p:grpSpPr>
+                <p:sp>
+                  <p:nvSpPr>
+                    <p:cNvPr id="36" name="타원 35">
+                      <a:extLst>
+                        <a:ext uri="{FF2B5EF4-FFF2-40B4-BE49-F238E27FC236}">
+                          <a16:creationId xmlns:a16="http://schemas.microsoft.com/office/drawing/2014/main" id="{754D0C0D-93B9-1942-CAD1-61DF85B607AC}"/>
+                        </a:ext>
+                      </a:extLst>
+                    </p:cNvPr>
+                    <p:cNvSpPr/>
+                    <p:nvPr/>
+                  </p:nvSpPr>
+                  <p:spPr>
+                    <a:xfrm>
+                      <a:off x="2527565" y="4075368"/>
+                      <a:ext cx="2424718" cy="839199"/>
+                    </a:xfrm>
+                    <a:prstGeom prst="ellipse">
+                      <a:avLst/>
+                    </a:prstGeom>
+                    <a:ln>
+                      <a:solidFill>
+                        <a:schemeClr val="accent1"/>
+                      </a:solidFill>
+                    </a:ln>
+                  </p:spPr>
+                  <p:style>
+                    <a:lnRef idx="2">
+                      <a:schemeClr val="accent1">
+                        <a:shade val="50000"/>
+                      </a:schemeClr>
+                    </a:lnRef>
+                    <a:fillRef idx="1">
                       <a:schemeClr val="accent1"/>
-                    </a:solidFill>
-                  </a:ln>
-                </p:spPr>
-                <p:style>
-                  <a:lnRef idx="2">
-                    <a:schemeClr val="accent1">
-                      <a:shade val="50000"/>
-                    </a:schemeClr>
-                  </a:lnRef>
-                  <a:fillRef idx="1">
-                    <a:schemeClr val="accent1"/>
-                  </a:fillRef>
-                  <a:effectRef idx="0">
-                    <a:schemeClr val="accent1"/>
-                  </a:effectRef>
-                  <a:fontRef idx="minor">
-                    <a:schemeClr val="lt1"/>
-                  </a:fontRef>
-                </p:style>
-                <p:txBody>
-                  <a:bodyPr rtlCol="0" anchor="ctr"/>
-                  <a:lstStyle/>
-                  <a:p>
-                    <a:pPr algn="ctr"/>
-                    <a:r>
-                      <a:rPr lang="en-US" altLang="ko-KR" sz="900" dirty="0"/>
-                      <a:t>SysB</a:t>
-                    </a:r>
-                  </a:p>
-                  <a:p>
-                    <a:pPr algn="ctr"/>
-                    <a:r>
-                      <a:rPr lang="en-US" altLang="ko-KR" sz="900" dirty="0"/>
-                      <a:t>.Func1</a:t>
-                    </a:r>
-                    <a:endParaRPr lang="ko-KR" altLang="en-US" sz="900" dirty="0"/>
-                  </a:p>
-                </p:txBody>
-              </p:sp>
+                    </a:fillRef>
+                    <a:effectRef idx="0">
+                      <a:schemeClr val="accent1"/>
+                    </a:effectRef>
+                    <a:fontRef idx="minor">
+                      <a:schemeClr val="lt1"/>
+                    </a:fontRef>
+                  </p:style>
+                  <p:txBody>
+                    <a:bodyPr rtlCol="0" anchor="ctr"/>
+                    <a:lstStyle/>
+                    <a:p>
+                      <a:pPr algn="ctr"/>
+                      <a:r>
+                        <a:rPr lang="en-US" altLang="ko-KR" sz="1000" dirty="0"/>
+                        <a:t>SysB</a:t>
+                      </a:r>
+                    </a:p>
+                    <a:p>
+                      <a:pPr algn="ctr"/>
+                      <a:r>
+                        <a:rPr lang="en-US" altLang="ko-KR" sz="1000" dirty="0"/>
+                        <a:t>.Func2</a:t>
+                      </a:r>
+                      <a:endParaRPr lang="ko-KR" altLang="en-US" sz="1000" dirty="0"/>
+                    </a:p>
+                  </p:txBody>
+                </p:sp>
+                <p:sp>
+                  <p:nvSpPr>
+                    <p:cNvPr id="37" name="타원 36">
+                      <a:extLst>
+                        <a:ext uri="{FF2B5EF4-FFF2-40B4-BE49-F238E27FC236}">
+                          <a16:creationId xmlns:a16="http://schemas.microsoft.com/office/drawing/2014/main" id="{3D11B9FE-E621-4D6E-3D63-CDAC8934FEEF}"/>
+                        </a:ext>
+                      </a:extLst>
+                    </p:cNvPr>
+                    <p:cNvSpPr/>
+                    <p:nvPr/>
+                  </p:nvSpPr>
+                  <p:spPr>
+                    <a:xfrm>
+                      <a:off x="2319279" y="2903389"/>
+                      <a:ext cx="2777936" cy="798818"/>
+                    </a:xfrm>
+                    <a:prstGeom prst="ellipse">
+                      <a:avLst/>
+                    </a:prstGeom>
+                    <a:ln>
+                      <a:solidFill>
+                        <a:schemeClr val="accent1"/>
+                      </a:solidFill>
+                    </a:ln>
+                  </p:spPr>
+                  <p:style>
+                    <a:lnRef idx="2">
+                      <a:schemeClr val="accent1">
+                        <a:shade val="50000"/>
+                      </a:schemeClr>
+                    </a:lnRef>
+                    <a:fillRef idx="1">
+                      <a:schemeClr val="accent1"/>
+                    </a:fillRef>
+                    <a:effectRef idx="0">
+                      <a:schemeClr val="accent1"/>
+                    </a:effectRef>
+                    <a:fontRef idx="minor">
+                      <a:schemeClr val="lt1"/>
+                    </a:fontRef>
+                  </p:style>
+                  <p:txBody>
+                    <a:bodyPr rtlCol="0" anchor="ctr"/>
+                    <a:lstStyle/>
+                    <a:p>
+                      <a:pPr algn="ctr"/>
+                      <a:r>
+                        <a:rPr lang="en-US" altLang="ko-KR" sz="900" dirty="0"/>
+                        <a:t>SysB</a:t>
+                      </a:r>
+                    </a:p>
+                    <a:p>
+                      <a:pPr algn="ctr"/>
+                      <a:r>
+                        <a:rPr lang="en-US" altLang="ko-KR" sz="900" dirty="0"/>
+                        <a:t>.Func1</a:t>
+                      </a:r>
+                      <a:endParaRPr lang="ko-KR" altLang="en-US" sz="900" dirty="0"/>
+                    </a:p>
+                  </p:txBody>
+                </p:sp>
+                <p:sp>
+                  <p:nvSpPr>
+                    <p:cNvPr id="7" name="타원 6">
+                      <a:extLst>
+                        <a:ext uri="{FF2B5EF4-FFF2-40B4-BE49-F238E27FC236}">
+                          <a16:creationId xmlns:a16="http://schemas.microsoft.com/office/drawing/2014/main" id="{6C9C7DED-2AAA-3CE9-E3D6-74EE5BBF72C8}"/>
+                        </a:ext>
+                      </a:extLst>
+                    </p:cNvPr>
+                    <p:cNvSpPr/>
+                    <p:nvPr/>
+                  </p:nvSpPr>
+                  <p:spPr>
+                    <a:xfrm>
+                      <a:off x="7040527" y="4162777"/>
+                      <a:ext cx="2424718" cy="839199"/>
+                    </a:xfrm>
+                    <a:prstGeom prst="ellipse">
+                      <a:avLst/>
+                    </a:prstGeom>
+                    <a:ln>
+                      <a:solidFill>
+                        <a:schemeClr val="accent1"/>
+                      </a:solidFill>
+                    </a:ln>
+                  </p:spPr>
+                  <p:style>
+                    <a:lnRef idx="2">
+                      <a:schemeClr val="accent1">
+                        <a:shade val="50000"/>
+                      </a:schemeClr>
+                    </a:lnRef>
+                    <a:fillRef idx="1">
+                      <a:schemeClr val="accent1"/>
+                    </a:fillRef>
+                    <a:effectRef idx="0">
+                      <a:schemeClr val="accent1"/>
+                    </a:effectRef>
+                    <a:fontRef idx="minor">
+                      <a:schemeClr val="lt1"/>
+                    </a:fontRef>
+                  </p:style>
+                  <p:txBody>
+                    <a:bodyPr rtlCol="0" anchor="ctr"/>
+                    <a:lstStyle/>
+                    <a:p>
+                      <a:pPr algn="ctr"/>
+                      <a:r>
+                        <a:rPr lang="en-US" altLang="ko-KR" sz="1000" dirty="0"/>
+                        <a:t>SysB</a:t>
+                      </a:r>
+                    </a:p>
+                    <a:p>
+                      <a:pPr algn="ctr"/>
+                      <a:r>
+                        <a:rPr lang="en-US" altLang="ko-KR" sz="1000" dirty="0"/>
+                        <a:t>.Func2</a:t>
+                      </a:r>
+                      <a:endParaRPr lang="ko-KR" altLang="en-US" sz="1000" dirty="0"/>
+                    </a:p>
+                  </p:txBody>
+                </p:sp>
+              </p:grpSp>
             </p:grpSp>
+            <p:sp>
+              <p:nvSpPr>
+                <p:cNvPr id="23" name="타원 22">
+                  <a:extLst>
+                    <a:ext uri="{FF2B5EF4-FFF2-40B4-BE49-F238E27FC236}">
+                      <a16:creationId xmlns:a16="http://schemas.microsoft.com/office/drawing/2014/main" id="{2A59823F-60D6-767B-7621-A1E673C5E6F1}"/>
+                    </a:ext>
+                  </a:extLst>
+                </p:cNvPr>
+                <p:cNvSpPr/>
+                <p:nvPr/>
+              </p:nvSpPr>
+              <p:spPr>
+                <a:xfrm>
+                  <a:off x="7040526" y="2883199"/>
+                  <a:ext cx="2424718" cy="839199"/>
+                </a:xfrm>
+                <a:prstGeom prst="ellipse">
+                  <a:avLst/>
+                </a:prstGeom>
+              </p:spPr>
+              <p:style>
+                <a:lnRef idx="2">
+                  <a:schemeClr val="accent1">
+                    <a:shade val="50000"/>
+                  </a:schemeClr>
+                </a:lnRef>
+                <a:fillRef idx="1">
+                  <a:schemeClr val="accent1"/>
+                </a:fillRef>
+                <a:effectRef idx="0">
+                  <a:schemeClr val="accent1"/>
+                </a:effectRef>
+                <a:fontRef idx="minor">
+                  <a:schemeClr val="lt1"/>
+                </a:fontRef>
+              </p:style>
+              <p:txBody>
+                <a:bodyPr rtlCol="0" anchor="ctr"/>
+                <a:lstStyle/>
+                <a:p>
+                  <a:pPr algn="ctr"/>
+                  <a:r>
+                    <a:rPr lang="en-US" altLang="ko-KR" sz="1000" dirty="0"/>
+                    <a:t>SysB</a:t>
+                  </a:r>
+                </a:p>
+                <a:p>
+                  <a:pPr algn="ctr"/>
+                  <a:r>
+                    <a:rPr lang="en-US" altLang="ko-KR" sz="1000" dirty="0"/>
+                    <a:t>.Func1</a:t>
+                  </a:r>
+                  <a:endParaRPr lang="ko-KR" altLang="en-US" sz="1000" dirty="0"/>
+                </a:p>
+              </p:txBody>
+            </p:sp>
           </p:grpSp>
-          <p:sp>
-            <p:nvSpPr>
-              <p:cNvPr id="23" name="타원 22">
+          <p:cxnSp>
+            <p:nvCxnSpPr>
+              <p:cNvPr id="84" name="직선 화살표 연결선 83">
                 <a:extLst>
                   <a:ext uri="{FF2B5EF4-FFF2-40B4-BE49-F238E27FC236}">
-                    <a16:creationId xmlns:a16="http://schemas.microsoft.com/office/drawing/2014/main" id="{2A59823F-60D6-767B-7621-A1E673C5E6F1}"/>
+                    <a16:creationId xmlns:a16="http://schemas.microsoft.com/office/drawing/2014/main" id="{708FC434-C24E-8760-3603-8866FDA68F02}"/>
                   </a:ext>
                 </a:extLst>
               </p:cNvPr>
-              <p:cNvSpPr/>
+              <p:cNvCxnSpPr>
+                <a:cxnSpLocks/>
+                <a:stCxn id="37" idx="6"/>
+                <a:endCxn id="23" idx="2"/>
+              </p:cNvCxnSpPr>
               <p:nvPr/>
-            </p:nvSpPr>
+            </p:nvCxnSpPr>
             <p:spPr>
               <a:xfrm>
-                <a:off x="7040526" y="2883199"/>
-                <a:ext cx="2424718" cy="839199"/>
+                <a:off x="3152018" y="3629496"/>
+                <a:ext cx="897921" cy="0"/>
               </a:xfrm>
-              <a:prstGeom prst="ellipse">
+              <a:prstGeom prst="straightConnector1">
                 <a:avLst/>
               </a:prstGeom>
+              <a:ln>
+                <a:tailEnd type="triangle"/>
+              </a:ln>
             </p:spPr>
             <p:style>
-              <a:lnRef idx="2">
-                <a:schemeClr val="accent1">
-                  <a:shade val="50000"/>
-                </a:schemeClr>
+              <a:lnRef idx="1">
+                <a:schemeClr val="accent1"/>
               </a:lnRef>
-              <a:fillRef idx="1">
+              <a:fillRef idx="0">
                 <a:schemeClr val="accent1"/>
               </a:fillRef>
               <a:effectRef idx="0">
                 <a:schemeClr val="accent1"/>
               </a:effectRef>
               <a:fontRef idx="minor">
-                <a:schemeClr val="lt1"/>
+                <a:schemeClr val="tx1"/>
               </a:fontRef>
             </p:style>
-            <p:txBody>
-              <a:bodyPr rtlCol="0" anchor="ctr"/>
-              <a:lstStyle/>
-              <a:p>
-                <a:pPr algn="ctr"/>
-                <a:r>
-                  <a:rPr lang="en-US" altLang="ko-KR" sz="1000" dirty="0"/>
-                  <a:t>SysB</a:t>
-                </a:r>
-              </a:p>
-              <a:p>
-                <a:pPr algn="ctr"/>
-                <a:r>
-                  <a:rPr lang="en-US" altLang="ko-KR" sz="1000" dirty="0"/>
-                  <a:t>.Func1</a:t>
-                </a:r>
-                <a:endParaRPr lang="ko-KR" altLang="en-US" sz="1000" dirty="0"/>
-              </a:p>
-            </p:txBody>
-          </p:sp>
+          </p:cxnSp>
         </p:grpSp>
         <p:cxnSp>
           <p:nvCxnSpPr>
-            <p:cNvPr id="84" name="직선 화살표 연결선 83">
+            <p:cNvPr id="5" name="직선 연결선 4">
               <a:extLst>
                 <a:ext uri="{FF2B5EF4-FFF2-40B4-BE49-F238E27FC236}">
-                  <a16:creationId xmlns:a16="http://schemas.microsoft.com/office/drawing/2014/main" id="{708FC434-C24E-8760-3603-8866FDA68F02}"/>
+                  <a16:creationId xmlns:a16="http://schemas.microsoft.com/office/drawing/2014/main" id="{B2903C9A-7E9D-7B92-E96B-7F51C8E29520}"/>
+                </a:ext>
+              </a:extLst>
+            </p:cNvPr>
+            <p:cNvCxnSpPr>
+              <a:stCxn id="37" idx="4"/>
+              <a:endCxn id="36" idx="0"/>
+            </p:cNvCxnSpPr>
+            <p:nvPr/>
+          </p:nvCxnSpPr>
+          <p:spPr>
+            <a:xfrm>
+              <a:off x="2510236" y="3934615"/>
+              <a:ext cx="14636" cy="285067"/>
+            </a:xfrm>
+            <a:prstGeom prst="line">
+              <a:avLst/>
+            </a:prstGeom>
+          </p:spPr>
+          <p:style>
+            <a:lnRef idx="1">
+              <a:schemeClr val="accent1"/>
+            </a:lnRef>
+            <a:fillRef idx="0">
+              <a:schemeClr val="accent1"/>
+            </a:fillRef>
+            <a:effectRef idx="0">
+              <a:schemeClr val="accent1"/>
+            </a:effectRef>
+            <a:fontRef idx="minor">
+              <a:schemeClr val="tx1"/>
+            </a:fontRef>
+          </p:style>
+        </p:cxnSp>
+        <p:cxnSp>
+          <p:nvCxnSpPr>
+            <p:cNvPr id="8" name="직선 연결선 7">
+              <a:extLst>
+                <a:ext uri="{FF2B5EF4-FFF2-40B4-BE49-F238E27FC236}">
+                  <a16:creationId xmlns:a16="http://schemas.microsoft.com/office/drawing/2014/main" id="{203441F8-3A83-E33C-09A1-92C4A3952B0D}"/>
                 </a:ext>
               </a:extLst>
             </p:cNvPr>
             <p:cNvCxnSpPr>
               <a:cxnSpLocks/>
-              <a:stCxn id="37" idx="6"/>
-              <a:endCxn id="23" idx="2"/>
+              <a:stCxn id="23" idx="4"/>
+              <a:endCxn id="7" idx="0"/>
             </p:cNvCxnSpPr>
             <p:nvPr/>
           </p:nvCxnSpPr>
           <p:spPr>
             <a:xfrm>
-              <a:off x="3152018" y="3629496"/>
-              <a:ext cx="897921" cy="0"/>
+              <a:off x="4610118" y="3950039"/>
+              <a:ext cx="0" cy="336417"/>
             </a:xfrm>
-            <a:prstGeom prst="straightConnector1">
+            <a:prstGeom prst="line">
               <a:avLst/>
             </a:prstGeom>
-            <a:ln>
-              <a:tailEnd type="triangle"/>
-            </a:ln>
           </p:spPr>
           <p:style>
             <a:lnRef idx="1">
@@ -10299,45 +10461,6 @@
           </p:style>
         </p:cxnSp>
       </p:grpSp>
-      <p:cxnSp>
-        <p:nvCxnSpPr>
-          <p:cNvPr id="5" name="직선 연결선 4">
-            <a:extLst>
-              <a:ext uri="{FF2B5EF4-FFF2-40B4-BE49-F238E27FC236}">
-                <a16:creationId xmlns:a16="http://schemas.microsoft.com/office/drawing/2014/main" id="{B2903C9A-7E9D-7B92-E96B-7F51C8E29520}"/>
-              </a:ext>
-            </a:extLst>
-          </p:cNvPr>
-          <p:cNvCxnSpPr>
-            <a:stCxn id="37" idx="4"/>
-            <a:endCxn id="36" idx="0"/>
-          </p:cNvCxnSpPr>
-          <p:nvPr/>
-        </p:nvCxnSpPr>
-        <p:spPr>
-          <a:xfrm>
-            <a:off x="2510236" y="3934615"/>
-            <a:ext cx="14636" cy="285067"/>
-          </a:xfrm>
-          <a:prstGeom prst="line">
-            <a:avLst/>
-          </a:prstGeom>
-        </p:spPr>
-        <p:style>
-          <a:lnRef idx="1">
-            <a:schemeClr val="accent1"/>
-          </a:lnRef>
-          <a:fillRef idx="0">
-            <a:schemeClr val="accent1"/>
-          </a:fillRef>
-          <a:effectRef idx="0">
-            <a:schemeClr val="accent1"/>
-          </a:effectRef>
-          <a:fontRef idx="minor">
-            <a:schemeClr val="tx1"/>
-          </a:fontRef>
-        </p:style>
-      </p:cxnSp>
     </p:spTree>
     <p:extLst>
       <p:ext uri="{BB962C8B-B14F-4D97-AF65-F5344CB8AC3E}">

--- a/DsDotNet/src/UnitTest/UnitTest.Engine/ImportPPT/T9_Group.pptx
+++ b/DsDotNet/src/UnitTest/UnitTest.Engine/ImportPPT/T9_Group.pptx
@@ -5,15 +5,14 @@
     <p:sldMasterId id="2147483648" r:id="rId1"/>
   </p:sldMasterIdLst>
   <p:notesMasterIdLst>
-    <p:notesMasterId r:id="rId5"/>
+    <p:notesMasterId r:id="rId4"/>
   </p:notesMasterIdLst>
   <p:handoutMasterIdLst>
-    <p:handoutMasterId r:id="rId6"/>
+    <p:handoutMasterId r:id="rId5"/>
   </p:handoutMasterIdLst>
   <p:sldIdLst>
     <p:sldId id="614" r:id="rId2"/>
-    <p:sldId id="615" r:id="rId3"/>
-    <p:sldId id="620" r:id="rId4"/>
+    <p:sldId id="620" r:id="rId3"/>
   </p:sldIdLst>
   <p:sldSz cx="12192000" cy="6858000"/>
   <p:notesSz cx="6797675" cy="9926638"/>
@@ -217,7 +216,7 @@
           <a:p>
             <a:fld id="{DD503887-5801-43A0-AEF9-041E8DDC2558}" type="datetimeFigureOut">
               <a:rPr lang="ko-KR" altLang="en-US" smtClean="0"/>
-              <a:t>2022-11-09</a:t>
+              <a:t>2022-12-07</a:t>
             </a:fld>
             <a:endParaRPr lang="ko-KR" altLang="en-US" dirty="0"/>
           </a:p>
@@ -394,7 +393,7 @@
           <a:p>
             <a:fld id="{95336A0E-57B1-4D4C-BD9B-2F72B5943464}" type="datetimeFigureOut">
               <a:rPr lang="ko-KR" altLang="en-US" smtClean="0"/>
-              <a:t>2022-11-09</a:t>
+              <a:t>2022-12-07</a:t>
             </a:fld>
             <a:endParaRPr lang="ko-KR" altLang="en-US" dirty="0"/>
           </a:p>
@@ -1080,7 +1079,7 @@
           <a:p>
             <a:fld id="{229D12C7-0FF5-4972-A033-474EFFC79F40}" type="datetime1">
               <a:rPr lang="ko-KR" altLang="en-US" smtClean="0"/>
-              <a:t>2022-11-09</a:t>
+              <a:t>2022-12-07</a:t>
             </a:fld>
             <a:endParaRPr lang="ko-KR" altLang="en-US" dirty="0"/>
           </a:p>
@@ -1278,7 +1277,7 @@
           <a:p>
             <a:fld id="{5BA19FD4-B052-4F56-8FD8-EAFD078DEFB0}" type="datetime1">
               <a:rPr lang="ko-KR" altLang="en-US" smtClean="0"/>
-              <a:t>2022-11-09</a:t>
+              <a:t>2022-12-07</a:t>
             </a:fld>
             <a:endParaRPr lang="ko-KR" altLang="en-US" dirty="0"/>
           </a:p>
@@ -1486,7 +1485,7 @@
           <a:p>
             <a:fld id="{024994B9-23A6-4B0A-A038-AC140E83DAA3}" type="datetime1">
               <a:rPr lang="ko-KR" altLang="en-US" smtClean="0"/>
-              <a:t>2022-11-09</a:t>
+              <a:t>2022-12-07</a:t>
             </a:fld>
             <a:endParaRPr lang="ko-KR" altLang="en-US" dirty="0"/>
           </a:p>
@@ -1684,7 +1683,7 @@
           <a:p>
             <a:fld id="{70D0DAB2-87CB-4028-B965-3AA710ADF2CB}" type="datetime1">
               <a:rPr lang="ko-KR" altLang="en-US" smtClean="0"/>
-              <a:t>2022-11-09</a:t>
+              <a:t>2022-12-07</a:t>
             </a:fld>
             <a:endParaRPr lang="ko-KR" altLang="en-US" dirty="0"/>
           </a:p>
@@ -1959,7 +1958,7 @@
           <a:p>
             <a:fld id="{63FA3D71-FEA8-477F-9D1E-EA860F411BC7}" type="datetime1">
               <a:rPr lang="ko-KR" altLang="en-US" smtClean="0"/>
-              <a:t>2022-11-09</a:t>
+              <a:t>2022-12-07</a:t>
             </a:fld>
             <a:endParaRPr lang="ko-KR" altLang="en-US" dirty="0"/>
           </a:p>
@@ -2224,7 +2223,7 @@
           <a:p>
             <a:fld id="{F58E3EF4-7980-4C97-BA64-EC66995BB574}" type="datetime1">
               <a:rPr lang="ko-KR" altLang="en-US" smtClean="0"/>
-              <a:t>2022-11-09</a:t>
+              <a:t>2022-12-07</a:t>
             </a:fld>
             <a:endParaRPr lang="ko-KR" altLang="en-US" dirty="0"/>
           </a:p>
@@ -2636,7 +2635,7 @@
           <a:p>
             <a:fld id="{FC9BC1D0-7D6B-4634-9D19-644040D74EAE}" type="datetime1">
               <a:rPr lang="ko-KR" altLang="en-US" smtClean="0"/>
-              <a:t>2022-11-09</a:t>
+              <a:t>2022-12-07</a:t>
             </a:fld>
             <a:endParaRPr lang="ko-KR" altLang="en-US" dirty="0"/>
           </a:p>
@@ -2778,7 +2777,7 @@
           <a:p>
             <a:fld id="{B5B1BBC2-B738-4C35-AEE5-660EB2DEB482}" type="datetime1">
               <a:rPr lang="ko-KR" altLang="en-US" smtClean="0"/>
-              <a:t>2022-11-09</a:t>
+              <a:t>2022-12-07</a:t>
             </a:fld>
             <a:endParaRPr lang="ko-KR" altLang="en-US" dirty="0"/>
           </a:p>
@@ -7360,7 +7359,7 @@
           <a:p>
             <a:fld id="{C60E9F93-7E77-4F36-B88C-A425F00C8D91}" type="datetime1">
               <a:rPr lang="ko-KR" altLang="en-US" smtClean="0"/>
-              <a:t>2022-11-09</a:t>
+              <a:t>2022-12-07</a:t>
             </a:fld>
             <a:endParaRPr lang="ko-KR" altLang="en-US" dirty="0"/>
           </a:p>
@@ -7671,7 +7670,7 @@
           <a:p>
             <a:fld id="{36BCCD0E-2A54-4016-BFFC-FEAABCDA6915}" type="datetime1">
               <a:rPr lang="ko-KR" altLang="en-US" smtClean="0"/>
-              <a:t>2022-11-09</a:t>
+              <a:t>2022-12-07</a:t>
             </a:fld>
             <a:endParaRPr lang="ko-KR" altLang="en-US" dirty="0"/>
           </a:p>
@@ -7959,7 +7958,7 @@
           <a:p>
             <a:fld id="{AAF69562-79F1-43EA-AE78-EAD8DB3AEC1A}" type="datetime1">
               <a:rPr lang="ko-KR" altLang="en-US" smtClean="0"/>
-              <a:t>2022-11-09</a:t>
+              <a:t>2022-12-07</a:t>
             </a:fld>
             <a:endParaRPr lang="ko-KR" altLang="en-US" dirty="0"/>
           </a:p>
@@ -8200,7 +8199,7 @@
           <a:p>
             <a:fld id="{C984B0C4-64BA-4E4C-B5E6-A51EE3F6ED95}" type="datetime1">
               <a:rPr lang="ko-KR" altLang="en-US" smtClean="0"/>
-              <a:t>2022-11-09</a:t>
+              <a:t>2022-12-07</a:t>
             </a:fld>
             <a:endParaRPr lang="ko-KR" altLang="en-US" dirty="0"/>
           </a:p>
@@ -8786,996 +8785,6 @@
           <a:p>
             <a:r>
               <a:rPr lang="en-US" altLang="ko-KR" dirty="0"/>
-              <a:t>$SystemA</a:t>
-            </a:r>
-            <a:endParaRPr lang="ko-KR" altLang="en-US" dirty="0"/>
-          </a:p>
-        </p:txBody>
-      </p:sp>
-      <p:sp>
-        <p:nvSpPr>
-          <p:cNvPr id="6" name="직사각형 5">
-            <a:extLst>
-              <a:ext uri="{FF2B5EF4-FFF2-40B4-BE49-F238E27FC236}">
-                <a16:creationId xmlns:a16="http://schemas.microsoft.com/office/drawing/2014/main" id="{061E75B7-681C-366D-275B-8BF147396AC9}"/>
-              </a:ext>
-            </a:extLst>
-          </p:cNvPr>
-          <p:cNvSpPr/>
-          <p:nvPr/>
-        </p:nvSpPr>
-        <p:spPr>
-          <a:xfrm>
-            <a:off x="4604203" y="1948142"/>
-            <a:ext cx="1103086" cy="1066431"/>
-          </a:xfrm>
-          <a:prstGeom prst="rect">
-            <a:avLst/>
-          </a:prstGeom>
-          <a:ln>
-            <a:noFill/>
-          </a:ln>
-        </p:spPr>
-        <p:style>
-          <a:lnRef idx="2">
-            <a:schemeClr val="accent1">
-              <a:shade val="50000"/>
-            </a:schemeClr>
-          </a:lnRef>
-          <a:fillRef idx="1">
-            <a:schemeClr val="accent1"/>
-          </a:fillRef>
-          <a:effectRef idx="0">
-            <a:schemeClr val="accent1"/>
-          </a:effectRef>
-          <a:fontRef idx="minor">
-            <a:schemeClr val="lt1"/>
-          </a:fontRef>
-        </p:style>
-        <p:txBody>
-          <a:bodyPr rtlCol="0" anchor="ctr"/>
-          <a:lstStyle/>
-          <a:p>
-            <a:pPr algn="ctr"/>
-            <a:r>
-              <a:rPr lang="en-US" altLang="ko-KR" sz="2800" dirty="0"/>
-              <a:t>R3</a:t>
-            </a:r>
-            <a:endParaRPr lang="ko-KR" altLang="en-US" sz="2800" dirty="0"/>
-          </a:p>
-        </p:txBody>
-      </p:sp>
-      <p:cxnSp>
-        <p:nvCxnSpPr>
-          <p:cNvPr id="8" name="직선 화살표 연결선 7">
-            <a:extLst>
-              <a:ext uri="{FF2B5EF4-FFF2-40B4-BE49-F238E27FC236}">
-                <a16:creationId xmlns:a16="http://schemas.microsoft.com/office/drawing/2014/main" id="{937DD01D-AD0B-1FA8-2019-457FFAB8C0FE}"/>
-              </a:ext>
-            </a:extLst>
-          </p:cNvPr>
-          <p:cNvCxnSpPr>
-            <a:cxnSpLocks/>
-            <a:stCxn id="3" idx="3"/>
-            <a:endCxn id="6" idx="1"/>
-          </p:cNvCxnSpPr>
-          <p:nvPr/>
-        </p:nvCxnSpPr>
-        <p:spPr>
-          <a:xfrm flipV="1">
-            <a:off x="2136775" y="2481358"/>
-            <a:ext cx="2467428" cy="1"/>
-          </a:xfrm>
-          <a:prstGeom prst="straightConnector1">
-            <a:avLst/>
-          </a:prstGeom>
-          <a:ln w="57150" cmpd="dbl">
-            <a:solidFill>
-              <a:schemeClr val="tx1">
-                <a:lumMod val="75000"/>
-                <a:lumOff val="25000"/>
-              </a:schemeClr>
-            </a:solidFill>
-            <a:tailEnd type="triangle"/>
-          </a:ln>
-        </p:spPr>
-        <p:style>
-          <a:lnRef idx="1">
-            <a:schemeClr val="dk1"/>
-          </a:lnRef>
-          <a:fillRef idx="3">
-            <a:schemeClr val="dk1"/>
-          </a:fillRef>
-          <a:effectRef idx="2">
-            <a:schemeClr val="dk1"/>
-          </a:effectRef>
-          <a:fontRef idx="minor">
-            <a:schemeClr val="lt1"/>
-          </a:fontRef>
-        </p:style>
-      </p:cxnSp>
-      <p:sp>
-        <p:nvSpPr>
-          <p:cNvPr id="23" name="직사각형 22">
-            <a:extLst>
-              <a:ext uri="{FF2B5EF4-FFF2-40B4-BE49-F238E27FC236}">
-                <a16:creationId xmlns:a16="http://schemas.microsoft.com/office/drawing/2014/main" id="{84529DA7-F1E1-F0E2-637D-64CC7C6F697B}"/>
-              </a:ext>
-            </a:extLst>
-          </p:cNvPr>
-          <p:cNvSpPr/>
-          <p:nvPr/>
-        </p:nvSpPr>
-        <p:spPr>
-          <a:xfrm>
-            <a:off x="6389460" y="1948141"/>
-            <a:ext cx="1103086" cy="1066431"/>
-          </a:xfrm>
-          <a:prstGeom prst="rect">
-            <a:avLst/>
-          </a:prstGeom>
-          <a:ln/>
-        </p:spPr>
-        <p:style>
-          <a:lnRef idx="1">
-            <a:schemeClr val="dk1"/>
-          </a:lnRef>
-          <a:fillRef idx="3">
-            <a:schemeClr val="dk1"/>
-          </a:fillRef>
-          <a:effectRef idx="2">
-            <a:schemeClr val="dk1"/>
-          </a:effectRef>
-          <a:fontRef idx="minor">
-            <a:schemeClr val="lt1"/>
-          </a:fontRef>
-        </p:style>
-        <p:txBody>
-          <a:bodyPr rtlCol="0" anchor="ctr"/>
-          <a:lstStyle/>
-          <a:p>
-            <a:pPr algn="ctr"/>
-            <a:r>
-              <a:rPr lang="en-US" altLang="ko-KR" sz="2800" dirty="0"/>
-              <a:t>R4</a:t>
-            </a:r>
-            <a:endParaRPr lang="ko-KR" altLang="en-US" sz="2800" dirty="0"/>
-          </a:p>
-        </p:txBody>
-      </p:sp>
-      <p:sp>
-        <p:nvSpPr>
-          <p:cNvPr id="27" name="직사각형 26">
-            <a:extLst>
-              <a:ext uri="{FF2B5EF4-FFF2-40B4-BE49-F238E27FC236}">
-                <a16:creationId xmlns:a16="http://schemas.microsoft.com/office/drawing/2014/main" id="{8D9A5CA6-1556-A2DB-9B44-FFAA075F7066}"/>
-              </a:ext>
-            </a:extLst>
-          </p:cNvPr>
-          <p:cNvSpPr/>
-          <p:nvPr/>
-        </p:nvSpPr>
-        <p:spPr>
-          <a:xfrm>
-            <a:off x="3472089" y="3938868"/>
-            <a:ext cx="1103086" cy="1066431"/>
-          </a:xfrm>
-          <a:prstGeom prst="rect">
-            <a:avLst/>
-          </a:prstGeom>
-          <a:ln>
-            <a:noFill/>
-          </a:ln>
-        </p:spPr>
-        <p:style>
-          <a:lnRef idx="2">
-            <a:schemeClr val="accent1">
-              <a:shade val="50000"/>
-            </a:schemeClr>
-          </a:lnRef>
-          <a:fillRef idx="1">
-            <a:schemeClr val="accent1"/>
-          </a:fillRef>
-          <a:effectRef idx="0">
-            <a:schemeClr val="accent1"/>
-          </a:effectRef>
-          <a:fontRef idx="minor">
-            <a:schemeClr val="lt1"/>
-          </a:fontRef>
-        </p:style>
-        <p:txBody>
-          <a:bodyPr rtlCol="0" anchor="ctr"/>
-          <a:lstStyle/>
-          <a:p>
-            <a:pPr algn="ctr"/>
-            <a:r>
-              <a:rPr lang="en-US" altLang="ko-KR" sz="2800" dirty="0"/>
-              <a:t>R5</a:t>
-            </a:r>
-            <a:endParaRPr lang="ko-KR" altLang="en-US" sz="2800" dirty="0"/>
-          </a:p>
-        </p:txBody>
-      </p:sp>
-      <p:sp>
-        <p:nvSpPr>
-          <p:cNvPr id="28" name="직사각형 27">
-            <a:extLst>
-              <a:ext uri="{FF2B5EF4-FFF2-40B4-BE49-F238E27FC236}">
-                <a16:creationId xmlns:a16="http://schemas.microsoft.com/office/drawing/2014/main" id="{C872A8B1-6758-977A-F148-0D8F06CC853E}"/>
-              </a:ext>
-            </a:extLst>
-          </p:cNvPr>
-          <p:cNvSpPr/>
-          <p:nvPr/>
-        </p:nvSpPr>
-        <p:spPr>
-          <a:xfrm>
-            <a:off x="5257346" y="3938868"/>
-            <a:ext cx="1103086" cy="1066431"/>
-          </a:xfrm>
-          <a:prstGeom prst="rect">
-            <a:avLst/>
-          </a:prstGeom>
-          <a:ln/>
-        </p:spPr>
-        <p:style>
-          <a:lnRef idx="1">
-            <a:schemeClr val="dk1"/>
-          </a:lnRef>
-          <a:fillRef idx="3">
-            <a:schemeClr val="dk1"/>
-          </a:fillRef>
-          <a:effectRef idx="2">
-            <a:schemeClr val="dk1"/>
-          </a:effectRef>
-          <a:fontRef idx="minor">
-            <a:schemeClr val="lt1"/>
-          </a:fontRef>
-        </p:style>
-        <p:txBody>
-          <a:bodyPr rtlCol="0" anchor="ctr"/>
-          <a:lstStyle/>
-          <a:p>
-            <a:pPr algn="ctr"/>
-            <a:r>
-              <a:rPr lang="en-US" altLang="ko-KR" sz="1600" dirty="0"/>
-              <a:t>R6</a:t>
-            </a:r>
-            <a:endParaRPr lang="ko-KR" altLang="en-US" sz="1600" dirty="0"/>
-          </a:p>
-        </p:txBody>
-      </p:sp>
-      <p:sp>
-        <p:nvSpPr>
-          <p:cNvPr id="30" name="직사각형 29">
-            <a:extLst>
-              <a:ext uri="{FF2B5EF4-FFF2-40B4-BE49-F238E27FC236}">
-                <a16:creationId xmlns:a16="http://schemas.microsoft.com/office/drawing/2014/main" id="{D438A902-C063-F394-7814-44C4B836C87F}"/>
-              </a:ext>
-            </a:extLst>
-          </p:cNvPr>
-          <p:cNvSpPr/>
-          <p:nvPr/>
-        </p:nvSpPr>
-        <p:spPr>
-          <a:xfrm>
-            <a:off x="7042603" y="3938867"/>
-            <a:ext cx="1103086" cy="1066431"/>
-          </a:xfrm>
-          <a:prstGeom prst="rect">
-            <a:avLst/>
-          </a:prstGeom>
-          <a:ln>
-            <a:noFill/>
-          </a:ln>
-        </p:spPr>
-        <p:style>
-          <a:lnRef idx="2">
-            <a:schemeClr val="accent1">
-              <a:shade val="50000"/>
-            </a:schemeClr>
-          </a:lnRef>
-          <a:fillRef idx="1">
-            <a:schemeClr val="accent1"/>
-          </a:fillRef>
-          <a:effectRef idx="0">
-            <a:schemeClr val="accent1"/>
-          </a:effectRef>
-          <a:fontRef idx="minor">
-            <a:schemeClr val="lt1"/>
-          </a:fontRef>
-        </p:style>
-        <p:txBody>
-          <a:bodyPr rtlCol="0" anchor="ctr"/>
-          <a:lstStyle/>
-          <a:p>
-            <a:pPr algn="ctr"/>
-            <a:r>
-              <a:rPr lang="en-US" altLang="ko-KR" sz="2800" dirty="0"/>
-              <a:t>R7</a:t>
-            </a:r>
-            <a:endParaRPr lang="ko-KR" altLang="en-US" sz="2800" dirty="0"/>
-          </a:p>
-        </p:txBody>
-      </p:sp>
-      <p:cxnSp>
-        <p:nvCxnSpPr>
-          <p:cNvPr id="31" name="직선 화살표 연결선 30">
-            <a:extLst>
-              <a:ext uri="{FF2B5EF4-FFF2-40B4-BE49-F238E27FC236}">
-                <a16:creationId xmlns:a16="http://schemas.microsoft.com/office/drawing/2014/main" id="{315903F4-6290-5819-44BD-E29DC12B52CE}"/>
-              </a:ext>
-            </a:extLst>
-          </p:cNvPr>
-          <p:cNvCxnSpPr>
-            <a:cxnSpLocks/>
-            <a:stCxn id="28" idx="3"/>
-            <a:endCxn id="30" idx="1"/>
-          </p:cNvCxnSpPr>
-          <p:nvPr/>
-        </p:nvCxnSpPr>
-        <p:spPr>
-          <a:xfrm flipV="1">
-            <a:off x="6360432" y="4472083"/>
-            <a:ext cx="682171" cy="1"/>
-          </a:xfrm>
-          <a:prstGeom prst="straightConnector1">
-            <a:avLst/>
-          </a:prstGeom>
-          <a:ln w="57150" cmpd="dbl">
-            <a:solidFill>
-              <a:schemeClr val="tx1">
-                <a:lumMod val="75000"/>
-                <a:lumOff val="25000"/>
-              </a:schemeClr>
-            </a:solidFill>
-            <a:tailEnd type="triangle"/>
-          </a:ln>
-        </p:spPr>
-        <p:style>
-          <a:lnRef idx="1">
-            <a:schemeClr val="dk1"/>
-          </a:lnRef>
-          <a:fillRef idx="3">
-            <a:schemeClr val="dk1"/>
-          </a:fillRef>
-          <a:effectRef idx="2">
-            <a:schemeClr val="dk1"/>
-          </a:effectRef>
-          <a:fontRef idx="minor">
-            <a:schemeClr val="lt1"/>
-          </a:fontRef>
-        </p:style>
-      </p:cxnSp>
-      <p:sp>
-        <p:nvSpPr>
-          <p:cNvPr id="32" name="직사각형 31">
-            <a:extLst>
-              <a:ext uri="{FF2B5EF4-FFF2-40B4-BE49-F238E27FC236}">
-                <a16:creationId xmlns:a16="http://schemas.microsoft.com/office/drawing/2014/main" id="{54FE774E-D0B3-6228-F53A-C6E25BD2697C}"/>
-              </a:ext>
-            </a:extLst>
-          </p:cNvPr>
-          <p:cNvSpPr/>
-          <p:nvPr/>
-        </p:nvSpPr>
-        <p:spPr>
-          <a:xfrm>
-            <a:off x="8827860" y="3938866"/>
-            <a:ext cx="1103086" cy="1066431"/>
-          </a:xfrm>
-          <a:prstGeom prst="rect">
-            <a:avLst/>
-          </a:prstGeom>
-          <a:ln/>
-        </p:spPr>
-        <p:style>
-          <a:lnRef idx="1">
-            <a:schemeClr val="dk1"/>
-          </a:lnRef>
-          <a:fillRef idx="3">
-            <a:schemeClr val="dk1"/>
-          </a:fillRef>
-          <a:effectRef idx="2">
-            <a:schemeClr val="dk1"/>
-          </a:effectRef>
-          <a:fontRef idx="minor">
-            <a:schemeClr val="lt1"/>
-          </a:fontRef>
-        </p:style>
-        <p:txBody>
-          <a:bodyPr rtlCol="0" anchor="ctr"/>
-          <a:lstStyle/>
-          <a:p>
-            <a:pPr algn="ctr"/>
-            <a:r>
-              <a:rPr lang="en-US" altLang="ko-KR" sz="2800" dirty="0"/>
-              <a:t>R8</a:t>
-            </a:r>
-            <a:endParaRPr lang="ko-KR" altLang="en-US" sz="2800" dirty="0"/>
-          </a:p>
-        </p:txBody>
-      </p:sp>
-      <p:cxnSp>
-        <p:nvCxnSpPr>
-          <p:cNvPr id="34" name="직선 화살표 연결선 33">
-            <a:extLst>
-              <a:ext uri="{FF2B5EF4-FFF2-40B4-BE49-F238E27FC236}">
-                <a16:creationId xmlns:a16="http://schemas.microsoft.com/office/drawing/2014/main" id="{BCE5F096-013D-B399-F64B-7CCA327AC07B}"/>
-              </a:ext>
-            </a:extLst>
-          </p:cNvPr>
-          <p:cNvCxnSpPr>
-            <a:cxnSpLocks/>
-            <a:stCxn id="27" idx="3"/>
-            <a:endCxn id="6" idx="2"/>
-          </p:cNvCxnSpPr>
-          <p:nvPr/>
-        </p:nvCxnSpPr>
-        <p:spPr>
-          <a:xfrm flipV="1">
-            <a:off x="4575175" y="3014573"/>
-            <a:ext cx="580571" cy="1457511"/>
-          </a:xfrm>
-          <a:prstGeom prst="straightConnector1">
-            <a:avLst/>
-          </a:prstGeom>
-          <a:ln w="57150" cmpd="dbl">
-            <a:solidFill>
-              <a:schemeClr val="tx1">
-                <a:lumMod val="75000"/>
-                <a:lumOff val="25000"/>
-              </a:schemeClr>
-            </a:solidFill>
-            <a:prstDash val="sysDot"/>
-            <a:tailEnd type="triangle"/>
-          </a:ln>
-        </p:spPr>
-        <p:style>
-          <a:lnRef idx="1">
-            <a:schemeClr val="dk1"/>
-          </a:lnRef>
-          <a:fillRef idx="3">
-            <a:schemeClr val="dk1"/>
-          </a:fillRef>
-          <a:effectRef idx="2">
-            <a:schemeClr val="dk1"/>
-          </a:effectRef>
-          <a:fontRef idx="minor">
-            <a:schemeClr val="lt1"/>
-          </a:fontRef>
-        </p:style>
-      </p:cxnSp>
-      <p:cxnSp>
-        <p:nvCxnSpPr>
-          <p:cNvPr id="37" name="직선 화살표 연결선 36">
-            <a:extLst>
-              <a:ext uri="{FF2B5EF4-FFF2-40B4-BE49-F238E27FC236}">
-                <a16:creationId xmlns:a16="http://schemas.microsoft.com/office/drawing/2014/main" id="{B394657E-1D91-FDF8-9F12-E15F0BDFB1CC}"/>
-              </a:ext>
-            </a:extLst>
-          </p:cNvPr>
-          <p:cNvCxnSpPr>
-            <a:cxnSpLocks/>
-            <a:stCxn id="30" idx="3"/>
-            <a:endCxn id="32" idx="1"/>
-          </p:cNvCxnSpPr>
-          <p:nvPr/>
-        </p:nvCxnSpPr>
-        <p:spPr>
-          <a:xfrm flipV="1">
-            <a:off x="8145689" y="4472082"/>
-            <a:ext cx="682171" cy="1"/>
-          </a:xfrm>
-          <a:prstGeom prst="straightConnector1">
-            <a:avLst/>
-          </a:prstGeom>
-          <a:ln w="57150" cmpd="sng">
-            <a:solidFill>
-              <a:schemeClr val="tx1">
-                <a:lumMod val="75000"/>
-                <a:lumOff val="25000"/>
-              </a:schemeClr>
-            </a:solidFill>
-            <a:prstDash val="solid"/>
-            <a:headEnd type="diamond" w="med" len="med"/>
-            <a:tailEnd type="triangle" w="med" len="med"/>
-          </a:ln>
-        </p:spPr>
-        <p:style>
-          <a:lnRef idx="1">
-            <a:schemeClr val="dk1"/>
-          </a:lnRef>
-          <a:fillRef idx="3">
-            <a:schemeClr val="dk1"/>
-          </a:fillRef>
-          <a:effectRef idx="2">
-            <a:schemeClr val="dk1"/>
-          </a:effectRef>
-          <a:fontRef idx="minor">
-            <a:schemeClr val="lt1"/>
-          </a:fontRef>
-        </p:style>
-      </p:cxnSp>
-      <p:cxnSp>
-        <p:nvCxnSpPr>
-          <p:cNvPr id="41" name="직선 화살표 연결선 40">
-            <a:extLst>
-              <a:ext uri="{FF2B5EF4-FFF2-40B4-BE49-F238E27FC236}">
-                <a16:creationId xmlns:a16="http://schemas.microsoft.com/office/drawing/2014/main" id="{FCBA2FDB-59E5-E024-DDAB-2BE44772FB35}"/>
-              </a:ext>
-            </a:extLst>
-          </p:cNvPr>
-          <p:cNvCxnSpPr>
-            <a:cxnSpLocks/>
-            <a:stCxn id="6" idx="2"/>
-            <a:endCxn id="28" idx="0"/>
-          </p:cNvCxnSpPr>
-          <p:nvPr/>
-        </p:nvCxnSpPr>
-        <p:spPr>
-          <a:xfrm>
-            <a:off x="5155746" y="3014573"/>
-            <a:ext cx="653143" cy="924295"/>
-          </a:xfrm>
-          <a:prstGeom prst="straightConnector1">
-            <a:avLst/>
-          </a:prstGeom>
-          <a:ln w="57150" cmpd="sng">
-            <a:solidFill>
-              <a:schemeClr val="tx1">
-                <a:lumMod val="75000"/>
-                <a:lumOff val="25000"/>
-              </a:schemeClr>
-            </a:solidFill>
-            <a:prstDash val="sysDash"/>
-            <a:headEnd type="triangle" w="med" len="med"/>
-            <a:tailEnd type="triangle" w="med" len="med"/>
-          </a:ln>
-        </p:spPr>
-        <p:style>
-          <a:lnRef idx="1">
-            <a:schemeClr val="dk1"/>
-          </a:lnRef>
-          <a:fillRef idx="3">
-            <a:schemeClr val="dk1"/>
-          </a:fillRef>
-          <a:effectRef idx="2">
-            <a:schemeClr val="dk1"/>
-          </a:effectRef>
-          <a:fontRef idx="minor">
-            <a:schemeClr val="lt1"/>
-          </a:fontRef>
-        </p:style>
-      </p:cxnSp>
-      <p:sp>
-        <p:nvSpPr>
-          <p:cNvPr id="14" name="화살표: 오각형 13">
-            <a:extLst>
-              <a:ext uri="{FF2B5EF4-FFF2-40B4-BE49-F238E27FC236}">
-                <a16:creationId xmlns:a16="http://schemas.microsoft.com/office/drawing/2014/main" id="{8725074D-36E0-7F2F-7A2B-F621B5BB2CA1}"/>
-              </a:ext>
-            </a:extLst>
-          </p:cNvPr>
-          <p:cNvSpPr/>
-          <p:nvPr/>
-        </p:nvSpPr>
-        <p:spPr>
-          <a:xfrm>
-            <a:off x="11353800" y="714375"/>
-            <a:ext cx="1047750" cy="619125"/>
-          </a:xfrm>
-          <a:prstGeom prst="homePlate">
-            <a:avLst/>
-          </a:prstGeom>
-        </p:spPr>
-        <p:style>
-          <a:lnRef idx="2">
-            <a:schemeClr val="accent1">
-              <a:shade val="50000"/>
-            </a:schemeClr>
-          </a:lnRef>
-          <a:fillRef idx="1">
-            <a:schemeClr val="accent1"/>
-          </a:fillRef>
-          <a:effectRef idx="0">
-            <a:schemeClr val="accent1"/>
-          </a:effectRef>
-          <a:fontRef idx="minor">
-            <a:schemeClr val="lt1"/>
-          </a:fontRef>
-        </p:style>
-        <p:txBody>
-          <a:bodyPr rtlCol="0" anchor="ctr"/>
-          <a:lstStyle/>
-          <a:p>
-            <a:pPr algn="ctr"/>
-            <a:r>
-              <a:rPr lang="en-US" altLang="ko-KR" dirty="0"/>
-              <a:t>Func1</a:t>
-            </a:r>
-            <a:endParaRPr lang="ko-KR" altLang="en-US" dirty="0"/>
-          </a:p>
-        </p:txBody>
-      </p:sp>
-      <p:sp>
-        <p:nvSpPr>
-          <p:cNvPr id="15" name="화살표: 오각형 14">
-            <a:extLst>
-              <a:ext uri="{FF2B5EF4-FFF2-40B4-BE49-F238E27FC236}">
-                <a16:creationId xmlns:a16="http://schemas.microsoft.com/office/drawing/2014/main" id="{85456C12-4CC4-16A1-CB67-9E14515D474F}"/>
-              </a:ext>
-            </a:extLst>
-          </p:cNvPr>
-          <p:cNvSpPr/>
-          <p:nvPr/>
-        </p:nvSpPr>
-        <p:spPr>
-          <a:xfrm>
-            <a:off x="11353800" y="1607345"/>
-            <a:ext cx="1047750" cy="619125"/>
-          </a:xfrm>
-          <a:prstGeom prst="homePlate">
-            <a:avLst/>
-          </a:prstGeom>
-        </p:spPr>
-        <p:style>
-          <a:lnRef idx="2">
-            <a:schemeClr val="accent1">
-              <a:shade val="50000"/>
-            </a:schemeClr>
-          </a:lnRef>
-          <a:fillRef idx="1">
-            <a:schemeClr val="accent1"/>
-          </a:fillRef>
-          <a:effectRef idx="0">
-            <a:schemeClr val="accent1"/>
-          </a:effectRef>
-          <a:fontRef idx="minor">
-            <a:schemeClr val="lt1"/>
-          </a:fontRef>
-        </p:style>
-        <p:txBody>
-          <a:bodyPr rtlCol="0" anchor="ctr"/>
-          <a:lstStyle/>
-          <a:p>
-            <a:pPr algn="ctr"/>
-            <a:r>
-              <a:rPr lang="en-US" altLang="ko-KR" dirty="0"/>
-              <a:t>Func2</a:t>
-            </a:r>
-            <a:endParaRPr lang="ko-KR" altLang="en-US" dirty="0"/>
-          </a:p>
-        </p:txBody>
-      </p:sp>
-      <p:sp>
-        <p:nvSpPr>
-          <p:cNvPr id="16" name="TextBox 15">
-            <a:extLst>
-              <a:ext uri="{FF2B5EF4-FFF2-40B4-BE49-F238E27FC236}">
-                <a16:creationId xmlns:a16="http://schemas.microsoft.com/office/drawing/2014/main" id="{D4F1BC9F-5976-3C48-308F-CBF6AAD1C0C8}"/>
-              </a:ext>
-            </a:extLst>
-          </p:cNvPr>
-          <p:cNvSpPr txBox="1"/>
-          <p:nvPr/>
-        </p:nvSpPr>
-        <p:spPr>
-          <a:xfrm>
-            <a:off x="5707289" y="629613"/>
-            <a:ext cx="2854115" cy="646331"/>
-          </a:xfrm>
-          <a:prstGeom prst="rect">
-            <a:avLst/>
-          </a:prstGeom>
-          <a:noFill/>
-        </p:spPr>
-        <p:txBody>
-          <a:bodyPr wrap="none" rtlCol="0">
-            <a:spAutoFit/>
-          </a:bodyPr>
-          <a:lstStyle/>
-          <a:p>
-            <a:r>
-              <a:rPr lang="en-US" altLang="ko-KR" sz="3600" dirty="0"/>
-              <a:t>Real Dummy</a:t>
-            </a:r>
-          </a:p>
-        </p:txBody>
-      </p:sp>
-      <p:sp>
-        <p:nvSpPr>
-          <p:cNvPr id="3" name="직사각형 2">
-            <a:extLst>
-              <a:ext uri="{FF2B5EF4-FFF2-40B4-BE49-F238E27FC236}">
-                <a16:creationId xmlns:a16="http://schemas.microsoft.com/office/drawing/2014/main" id="{AE284668-AADC-BBCB-FD0C-C38FD3BAC033}"/>
-              </a:ext>
-            </a:extLst>
-          </p:cNvPr>
-          <p:cNvSpPr/>
-          <p:nvPr/>
-        </p:nvSpPr>
-        <p:spPr>
-          <a:xfrm>
-            <a:off x="1033689" y="1948143"/>
-            <a:ext cx="1103086" cy="1066431"/>
-          </a:xfrm>
-          <a:prstGeom prst="rect">
-            <a:avLst/>
-          </a:prstGeom>
-          <a:ln>
-            <a:noFill/>
-          </a:ln>
-        </p:spPr>
-        <p:style>
-          <a:lnRef idx="2">
-            <a:schemeClr val="accent1">
-              <a:shade val="50000"/>
-            </a:schemeClr>
-          </a:lnRef>
-          <a:fillRef idx="1">
-            <a:schemeClr val="accent1"/>
-          </a:fillRef>
-          <a:effectRef idx="0">
-            <a:schemeClr val="accent1"/>
-          </a:effectRef>
-          <a:fontRef idx="minor">
-            <a:schemeClr val="lt1"/>
-          </a:fontRef>
-        </p:style>
-        <p:txBody>
-          <a:bodyPr rtlCol="0" anchor="ctr"/>
-          <a:lstStyle/>
-          <a:p>
-            <a:pPr algn="ctr"/>
-            <a:r>
-              <a:rPr lang="en-US" altLang="ko-KR" sz="2800" dirty="0"/>
-              <a:t>R1</a:t>
-            </a:r>
-            <a:endParaRPr lang="ko-KR" altLang="en-US" sz="2800" dirty="0"/>
-          </a:p>
-        </p:txBody>
-      </p:sp>
-      <p:sp>
-        <p:nvSpPr>
-          <p:cNvPr id="4" name="직사각형 3">
-            <a:extLst>
-              <a:ext uri="{FF2B5EF4-FFF2-40B4-BE49-F238E27FC236}">
-                <a16:creationId xmlns:a16="http://schemas.microsoft.com/office/drawing/2014/main" id="{74743BFD-24B1-B058-BC70-ED691B775D89}"/>
-              </a:ext>
-            </a:extLst>
-          </p:cNvPr>
-          <p:cNvSpPr/>
-          <p:nvPr/>
-        </p:nvSpPr>
-        <p:spPr>
-          <a:xfrm>
-            <a:off x="1033689" y="3401251"/>
-            <a:ext cx="1103086" cy="1066431"/>
-          </a:xfrm>
-          <a:prstGeom prst="rect">
-            <a:avLst/>
-          </a:prstGeom>
-          <a:ln/>
-        </p:spPr>
-        <p:style>
-          <a:lnRef idx="1">
-            <a:schemeClr val="dk1"/>
-          </a:lnRef>
-          <a:fillRef idx="3">
-            <a:schemeClr val="dk1"/>
-          </a:fillRef>
-          <a:effectRef idx="2">
-            <a:schemeClr val="dk1"/>
-          </a:effectRef>
-          <a:fontRef idx="minor">
-            <a:schemeClr val="lt1"/>
-          </a:fontRef>
-        </p:style>
-        <p:txBody>
-          <a:bodyPr rtlCol="0" anchor="ctr"/>
-          <a:lstStyle/>
-          <a:p>
-            <a:pPr algn="ctr"/>
-            <a:r>
-              <a:rPr lang="en-US" altLang="ko-KR" sz="2800" dirty="0"/>
-              <a:t>R2</a:t>
-            </a:r>
-            <a:endParaRPr lang="ko-KR" altLang="en-US" sz="2800" dirty="0"/>
-          </a:p>
-        </p:txBody>
-      </p:sp>
-      <p:sp>
-        <p:nvSpPr>
-          <p:cNvPr id="20" name="화살표: 오각형 19">
-            <a:extLst>
-              <a:ext uri="{FF2B5EF4-FFF2-40B4-BE49-F238E27FC236}">
-                <a16:creationId xmlns:a16="http://schemas.microsoft.com/office/drawing/2014/main" id="{044000C9-4C5B-91B1-4F3D-5CA597B08F02}"/>
-              </a:ext>
-            </a:extLst>
-          </p:cNvPr>
-          <p:cNvSpPr/>
-          <p:nvPr/>
-        </p:nvSpPr>
-        <p:spPr>
-          <a:xfrm>
-            <a:off x="11353800" y="2500315"/>
-            <a:ext cx="1047750" cy="619125"/>
-          </a:xfrm>
-          <a:prstGeom prst="homePlate">
-            <a:avLst/>
-          </a:prstGeom>
-        </p:spPr>
-        <p:style>
-          <a:lnRef idx="2">
-            <a:schemeClr val="accent1">
-              <a:shade val="50000"/>
-            </a:schemeClr>
-          </a:lnRef>
-          <a:fillRef idx="1">
-            <a:schemeClr val="accent1"/>
-          </a:fillRef>
-          <a:effectRef idx="0">
-            <a:schemeClr val="accent1"/>
-          </a:effectRef>
-          <a:fontRef idx="minor">
-            <a:schemeClr val="lt1"/>
-          </a:fontRef>
-        </p:style>
-        <p:txBody>
-          <a:bodyPr rtlCol="0" anchor="ctr"/>
-          <a:lstStyle/>
-          <a:p>
-            <a:pPr algn="ctr"/>
-            <a:r>
-              <a:rPr lang="en-US" altLang="ko-KR" dirty="0"/>
-              <a:t>Func3</a:t>
-            </a:r>
-            <a:endParaRPr lang="ko-KR" altLang="en-US" dirty="0"/>
-          </a:p>
-        </p:txBody>
-      </p:sp>
-      <p:cxnSp>
-        <p:nvCxnSpPr>
-          <p:cNvPr id="9" name="직선 연결선 8">
-            <a:extLst>
-              <a:ext uri="{FF2B5EF4-FFF2-40B4-BE49-F238E27FC236}">
-                <a16:creationId xmlns:a16="http://schemas.microsoft.com/office/drawing/2014/main" id="{267CE300-981F-A6F5-F2C5-F42B0EF68412}"/>
-              </a:ext>
-            </a:extLst>
-          </p:cNvPr>
-          <p:cNvCxnSpPr>
-            <a:cxnSpLocks/>
-            <a:stCxn id="3" idx="2"/>
-            <a:endCxn id="4" idx="0"/>
-          </p:cNvCxnSpPr>
-          <p:nvPr/>
-        </p:nvCxnSpPr>
-        <p:spPr>
-          <a:xfrm>
-            <a:off x="1585232" y="3014574"/>
-            <a:ext cx="0" cy="386677"/>
-          </a:xfrm>
-          <a:prstGeom prst="line">
-            <a:avLst/>
-          </a:prstGeom>
-          <a:ln>
-            <a:headEnd type="none" w="med" len="med"/>
-            <a:tailEnd type="none" w="med" len="med"/>
-          </a:ln>
-        </p:spPr>
-        <p:style>
-          <a:lnRef idx="1">
-            <a:schemeClr val="accent1"/>
-          </a:lnRef>
-          <a:fillRef idx="0">
-            <a:schemeClr val="accent1"/>
-          </a:fillRef>
-          <a:effectRef idx="0">
-            <a:schemeClr val="accent1"/>
-          </a:effectRef>
-          <a:fontRef idx="minor">
-            <a:schemeClr val="tx1"/>
-          </a:fontRef>
-        </p:style>
-      </p:cxnSp>
-      <p:cxnSp>
-        <p:nvCxnSpPr>
-          <p:cNvPr id="11" name="직선 연결선 10">
-            <a:extLst>
-              <a:ext uri="{FF2B5EF4-FFF2-40B4-BE49-F238E27FC236}">
-                <a16:creationId xmlns:a16="http://schemas.microsoft.com/office/drawing/2014/main" id="{3DD0C2E6-F09D-32A2-1FB0-1A34274DC14B}"/>
-              </a:ext>
-            </a:extLst>
-          </p:cNvPr>
-          <p:cNvCxnSpPr>
-            <a:cxnSpLocks/>
-            <a:stCxn id="6" idx="3"/>
-            <a:endCxn id="23" idx="1"/>
-          </p:cNvCxnSpPr>
-          <p:nvPr/>
-        </p:nvCxnSpPr>
-        <p:spPr>
-          <a:xfrm flipV="1">
-            <a:off x="5707289" y="2481357"/>
-            <a:ext cx="682171" cy="1"/>
-          </a:xfrm>
-          <a:prstGeom prst="line">
-            <a:avLst/>
-          </a:prstGeom>
-          <a:ln>
-            <a:headEnd type="none" w="med" len="med"/>
-            <a:tailEnd type="none" w="med" len="med"/>
-          </a:ln>
-        </p:spPr>
-        <p:style>
-          <a:lnRef idx="1">
-            <a:schemeClr val="accent1"/>
-          </a:lnRef>
-          <a:fillRef idx="0">
-            <a:schemeClr val="accent1"/>
-          </a:fillRef>
-          <a:effectRef idx="0">
-            <a:schemeClr val="accent1"/>
-          </a:effectRef>
-          <a:fontRef idx="minor">
-            <a:schemeClr val="tx1"/>
-          </a:fontRef>
-        </p:style>
-      </p:cxnSp>
-    </p:spTree>
-    <p:extLst>
-      <p:ext uri="{BB962C8B-B14F-4D97-AF65-F5344CB8AC3E}">
-        <p14:creationId xmlns:p14="http://schemas.microsoft.com/office/powerpoint/2010/main" val="3283676929"/>
-      </p:ext>
-    </p:extLst>
-  </p:cSld>
-  <p:clrMapOvr>
-    <a:masterClrMapping/>
-  </p:clrMapOvr>
-</p:sld>
-</file>
-
-<file path=ppt/slides/slide3.xml><?xml version="1.0" encoding="utf-8"?>
-<p:sld xmlns:a="http://schemas.openxmlformats.org/drawingml/2006/main" xmlns:r="http://schemas.openxmlformats.org/officeDocument/2006/relationships" xmlns:p="http://schemas.openxmlformats.org/presentationml/2006/main">
-  <p:cSld>
-    <p:spTree>
-      <p:nvGrpSpPr>
-        <p:cNvPr id="1" name=""/>
-        <p:cNvGrpSpPr/>
-        <p:nvPr/>
-      </p:nvGrpSpPr>
-      <p:grpSpPr>
-        <a:xfrm>
-          <a:off x="0" y="0"/>
-          <a:ext cx="0" cy="0"/>
-          <a:chOff x="0" y="0"/>
-          <a:chExt cx="0" cy="0"/>
-        </a:xfrm>
-      </p:grpSpPr>
-      <p:sp>
-        <p:nvSpPr>
-          <p:cNvPr id="2" name="제목 1">
-            <a:extLst>
-              <a:ext uri="{FF2B5EF4-FFF2-40B4-BE49-F238E27FC236}">
-                <a16:creationId xmlns:a16="http://schemas.microsoft.com/office/drawing/2014/main" id="{E35BEC89-0CFB-7F29-D8C7-71B3E64B4D66}"/>
-              </a:ext>
-            </a:extLst>
-          </p:cNvPr>
-          <p:cNvSpPr>
-            <a:spLocks noGrp="1"/>
-          </p:cNvSpPr>
-          <p:nvPr>
-            <p:ph type="title"/>
-          </p:nvPr>
-        </p:nvSpPr>
-        <p:spPr/>
-        <p:txBody>
-          <a:bodyPr/>
-          <a:lstStyle/>
-          <a:p>
-            <a:r>
-              <a:rPr lang="en-US" altLang="ko-KR" dirty="0"/>
               <a:t>S102</a:t>
             </a:r>
             <a:endParaRPr lang="ko-KR" altLang="en-US" dirty="0"/>
@@ -9831,7 +8840,7 @@
         </p:nvSpPr>
         <p:spPr>
           <a:xfrm>
-            <a:off x="10178351" y="-186582"/>
+            <a:off x="10025951" y="952778"/>
             <a:ext cx="2009775" cy="1352550"/>
           </a:xfrm>
           <a:prstGeom prst="foldedCorner">
@@ -9861,7 +8870,7 @@
             <a:pPr algn="ctr"/>
             <a:r>
               <a:rPr lang="en-US" altLang="ko-KR" dirty="0"/>
-              <a:t>SystemA</a:t>
+              <a:t>LibrarySystem</a:t>
             </a:r>
           </a:p>
           <a:p>
@@ -9888,65 +8897,12 @@
         </p:nvGrpSpPr>
         <p:grpSpPr>
           <a:xfrm>
-            <a:off x="1393474" y="3016398"/>
-            <a:ext cx="4313815" cy="3186314"/>
+            <a:off x="1118260" y="2419498"/>
+            <a:ext cx="4313815" cy="2743200"/>
             <a:chOff x="1393474" y="3016398"/>
-            <a:chExt cx="4313815" cy="3186314"/>
+            <a:chExt cx="4313815" cy="2743200"/>
           </a:xfrm>
         </p:grpSpPr>
-        <p:sp>
-          <p:nvSpPr>
-            <p:cNvPr id="57" name="TextBox 56">
-              <a:extLst>
-                <a:ext uri="{FF2B5EF4-FFF2-40B4-BE49-F238E27FC236}">
-                  <a16:creationId xmlns:a16="http://schemas.microsoft.com/office/drawing/2014/main" id="{86C0DB17-5983-5AB1-2A10-EF20E8B13F5C}"/>
-                </a:ext>
-              </a:extLst>
-            </p:cNvPr>
-            <p:cNvSpPr txBox="1"/>
-            <p:nvPr/>
-          </p:nvSpPr>
-          <p:spPr>
-            <a:xfrm>
-              <a:off x="2131665" y="5279382"/>
-              <a:ext cx="2938625" cy="923330"/>
-            </a:xfrm>
-            <a:prstGeom prst="rect">
-              <a:avLst/>
-            </a:prstGeom>
-            <a:noFill/>
-          </p:spPr>
-          <p:txBody>
-            <a:bodyPr wrap="none" rtlCol="0">
-              <a:spAutoFit/>
-            </a:bodyPr>
-            <a:lstStyle/>
-            <a:p>
-              <a:r>
-                <a:rPr lang="ko-KR" altLang="en-US" dirty="0"/>
-                <a:t>동시행위그룹</a:t>
-              </a:r>
-              <a:endParaRPr lang="en-US" altLang="ko-KR" dirty="0"/>
-            </a:p>
-            <a:p>
-              <a:endParaRPr lang="en-US" altLang="ko-KR" dirty="0"/>
-            </a:p>
-            <a:p>
-              <a:r>
-                <a:rPr lang="ko-KR" altLang="en-US" dirty="0"/>
-                <a:t>방법</a:t>
-              </a:r>
-              <a:r>
-                <a:rPr lang="en-US" altLang="ko-KR" dirty="0"/>
-                <a:t>: </a:t>
-              </a:r>
-              <a:r>
-                <a:rPr lang="ko-KR" altLang="en-US" dirty="0"/>
-                <a:t>무방향라인으로 연결</a:t>
-              </a:r>
-            </a:p>
-          </p:txBody>
-        </p:sp>
         <p:grpSp>
           <p:nvGrpSpPr>
             <p:cNvPr id="85" name="그룹 84">
@@ -10085,10 +9041,10 @@
                 </p:nvGrpSpPr>
                 <p:grpSpPr>
                   <a:xfrm>
-                    <a:off x="2319279" y="2903389"/>
-                    <a:ext cx="7145966" cy="2098587"/>
-                    <a:chOff x="2319279" y="2903389"/>
-                    <a:chExt cx="7145966" cy="2098587"/>
+                    <a:off x="2115278" y="2903389"/>
+                    <a:ext cx="7822837" cy="2657055"/>
+                    <a:chOff x="2115278" y="2903389"/>
+                    <a:chExt cx="7822837" cy="2657055"/>
                   </a:xfrm>
                 </p:grpSpPr>
                 <p:sp>
@@ -10105,7 +9061,7 @@
                   </p:nvSpPr>
                   <p:spPr>
                     <a:xfrm>
-                      <a:off x="2527565" y="4075368"/>
+                      <a:off x="2115278" y="4301646"/>
                       <a:ext cx="2424718" cy="839199"/>
                     </a:xfrm>
                     <a:prstGeom prst="ellipse">
@@ -10139,15 +9095,16 @@
                     <a:p>
                       <a:pPr algn="ctr"/>
                       <a:r>
-                        <a:rPr lang="en-US" altLang="ko-KR" sz="1000" dirty="0"/>
-                        <a:t>SysB</a:t>
+                        <a:rPr lang="en-US" altLang="ko-KR" sz="1000" dirty="0" err="1"/>
+                        <a:t>SysA</a:t>
                       </a:r>
+                      <a:endParaRPr lang="en-US" altLang="ko-KR" sz="1000" dirty="0"/>
                     </a:p>
                     <a:p>
                       <a:pPr algn="ctr"/>
                       <a:r>
                         <a:rPr lang="en-US" altLang="ko-KR" sz="1000" dirty="0"/>
-                        <a:t>.Func2</a:t>
+                        <a:t>$Func2</a:t>
                       </a:r>
                       <a:endParaRPr lang="ko-KR" altLang="en-US" sz="1000" dirty="0"/>
                     </a:p>
@@ -10201,15 +9158,16 @@
                     <a:p>
                       <a:pPr algn="ctr"/>
                       <a:r>
-                        <a:rPr lang="en-US" altLang="ko-KR" sz="900" dirty="0"/>
-                        <a:t>SysB</a:t>
+                        <a:rPr lang="en-US" altLang="ko-KR" sz="900" dirty="0" err="1"/>
+                        <a:t>SysA</a:t>
                       </a:r>
+                      <a:endParaRPr lang="en-US" altLang="ko-KR" sz="900" dirty="0"/>
                     </a:p>
                     <a:p>
                       <a:pPr algn="ctr"/>
                       <a:r>
                         <a:rPr lang="en-US" altLang="ko-KR" sz="900" dirty="0"/>
-                        <a:t>.Func1</a:t>
+                        <a:t>$Func1</a:t>
                       </a:r>
                       <a:endParaRPr lang="ko-KR" altLang="en-US" sz="900" dirty="0"/>
                     </a:p>
@@ -10229,7 +9187,7 @@
                   </p:nvSpPr>
                   <p:spPr>
                     <a:xfrm>
-                      <a:off x="7040527" y="4162777"/>
+                      <a:off x="7513397" y="4721245"/>
                       <a:ext cx="2424718" cy="839199"/>
                     </a:xfrm>
                     <a:prstGeom prst="ellipse">
@@ -10271,7 +9229,7 @@
                       <a:pPr algn="ctr"/>
                       <a:r>
                         <a:rPr lang="en-US" altLang="ko-KR" sz="1000" dirty="0"/>
-                        <a:t>.Func2</a:t>
+                        <a:t>$Func2</a:t>
                       </a:r>
                       <a:endParaRPr lang="ko-KR" altLang="en-US" sz="1000" dirty="0"/>
                     </a:p>
@@ -10330,7 +9288,7 @@
                   <a:pPr algn="ctr"/>
                   <a:r>
                     <a:rPr lang="en-US" altLang="ko-KR" sz="1000" dirty="0"/>
-                    <a:t>.Func1</a:t>
+                    <a:t>$Func1</a:t>
                   </a:r>
                   <a:endParaRPr lang="ko-KR" altLang="en-US" sz="1000" dirty="0"/>
                 </a:p>
@@ -10397,9 +9355,9 @@
             <p:nvPr/>
           </p:nvCxnSpPr>
           <p:spPr>
-            <a:xfrm>
-              <a:off x="2510236" y="3934615"/>
-              <a:ext cx="14636" cy="285067"/>
+            <a:xfrm flipH="1">
+              <a:off x="2334372" y="3934615"/>
+              <a:ext cx="175864" cy="457926"/>
             </a:xfrm>
             <a:prstGeom prst="line">
               <a:avLst/>
@@ -10439,7 +9397,7 @@
           <p:spPr>
             <a:xfrm>
               <a:off x="4610118" y="3950039"/>
-              <a:ext cx="0" cy="336417"/>
+              <a:ext cx="218493" cy="763045"/>
             </a:xfrm>
             <a:prstGeom prst="line">
               <a:avLst/>
@@ -10461,6 +9419,124 @@
           </p:style>
         </p:cxnSp>
       </p:grpSp>
+      <p:sp>
+        <p:nvSpPr>
+          <p:cNvPr id="3" name="TextBox 2">
+            <a:extLst>
+              <a:ext uri="{FF2B5EF4-FFF2-40B4-BE49-F238E27FC236}">
+                <a16:creationId xmlns:a16="http://schemas.microsoft.com/office/drawing/2014/main" id="{5663CEFB-5190-04DF-4BEF-63F50304E197}"/>
+              </a:ext>
+            </a:extLst>
+          </p:cNvPr>
+          <p:cNvSpPr txBox="1"/>
+          <p:nvPr/>
+        </p:nvSpPr>
+        <p:spPr>
+          <a:xfrm>
+            <a:off x="1856451" y="4682482"/>
+            <a:ext cx="2938625" cy="923330"/>
+          </a:xfrm>
+          <a:prstGeom prst="rect">
+            <a:avLst/>
+          </a:prstGeom>
+          <a:noFill/>
+        </p:spPr>
+        <p:txBody>
+          <a:bodyPr wrap="none" rtlCol="0">
+            <a:spAutoFit/>
+          </a:bodyPr>
+          <a:lstStyle/>
+          <a:p>
+            <a:r>
+              <a:rPr lang="ko-KR" altLang="en-US" dirty="0"/>
+              <a:t>동시행위그룹</a:t>
+            </a:r>
+            <a:endParaRPr lang="en-US" altLang="ko-KR" dirty="0"/>
+          </a:p>
+          <a:p>
+            <a:endParaRPr lang="en-US" altLang="ko-KR" dirty="0"/>
+          </a:p>
+          <a:p>
+            <a:r>
+              <a:rPr lang="ko-KR" altLang="en-US" dirty="0"/>
+              <a:t>방법</a:t>
+            </a:r>
+            <a:r>
+              <a:rPr lang="en-US" altLang="ko-KR" dirty="0"/>
+              <a:t>: </a:t>
+            </a:r>
+            <a:r>
+              <a:rPr lang="ko-KR" altLang="en-US" dirty="0"/>
+              <a:t>무방향라인으로 연결</a:t>
+            </a:r>
+          </a:p>
+        </p:txBody>
+      </p:sp>
+      <p:sp>
+        <p:nvSpPr>
+          <p:cNvPr id="14" name="사각형: 모서리가 접힌 도형 13">
+            <a:extLst>
+              <a:ext uri="{FF2B5EF4-FFF2-40B4-BE49-F238E27FC236}">
+                <a16:creationId xmlns:a16="http://schemas.microsoft.com/office/drawing/2014/main" id="{AE5075AC-F0BF-0A56-4084-82FD0FBCB50F}"/>
+              </a:ext>
+            </a:extLst>
+          </p:cNvPr>
+          <p:cNvSpPr/>
+          <p:nvPr/>
+        </p:nvSpPr>
+        <p:spPr>
+          <a:xfrm>
+            <a:off x="9854501" y="3058386"/>
+            <a:ext cx="2009775" cy="1352550"/>
+          </a:xfrm>
+          <a:prstGeom prst="foldedCorner">
+            <a:avLst/>
+          </a:prstGeom>
+        </p:spPr>
+        <p:style>
+          <a:lnRef idx="2">
+            <a:schemeClr val="accent1">
+              <a:shade val="50000"/>
+            </a:schemeClr>
+          </a:lnRef>
+          <a:fillRef idx="1">
+            <a:schemeClr val="accent1"/>
+          </a:fillRef>
+          <a:effectRef idx="0">
+            <a:schemeClr val="accent1"/>
+          </a:effectRef>
+          <a:fontRef idx="minor">
+            <a:schemeClr val="lt1"/>
+          </a:fontRef>
+        </p:style>
+        <p:txBody>
+          <a:bodyPr rtlCol="0" anchor="ctr"/>
+          <a:lstStyle/>
+          <a:p>
+            <a:pPr algn="ctr"/>
+            <a:r>
+              <a:rPr lang="en-US" altLang="ko-KR" dirty="0"/>
+              <a:t>LibrarySystem</a:t>
+            </a:r>
+          </a:p>
+          <a:p>
+            <a:pPr algn="ctr"/>
+            <a:r>
+              <a:rPr lang="en-US" altLang="ko-KR" dirty="0"/>
+              <a:t>[</a:t>
+            </a:r>
+            <a:r>
+              <a:rPr lang="en-US" altLang="ko-KR" dirty="0" err="1"/>
+              <a:t>SysA</a:t>
+            </a:r>
+            <a:r>
+              <a:rPr lang="en-US" altLang="ko-KR" dirty="0"/>
+              <a:t>]</a:t>
+            </a:r>
+            <a:endParaRPr lang="ko-KR" altLang="en-US" dirty="0"/>
+          </a:p>
+        </p:txBody>
+      </p:sp>
     </p:spTree>
     <p:extLst>
       <p:ext uri="{BB962C8B-B14F-4D97-AF65-F5344CB8AC3E}">

--- a/DsDotNet/src/UnitTest/UnitTest.Engine/ImportPPT/T9_Group.pptx
+++ b/DsDotNet/src/UnitTest/UnitTest.Engine/ImportPPT/T9_Group.pptx
@@ -217,7 +217,7 @@
           <a:p>
             <a:fld id="{DD503887-5801-43A0-AEF9-041E8DDC2558}" type="datetimeFigureOut">
               <a:rPr lang="ko-KR" altLang="en-US" smtClean="0"/>
-              <a:t>2022-12-08</a:t>
+              <a:t>2022-12-12</a:t>
             </a:fld>
             <a:endParaRPr lang="ko-KR" altLang="en-US"/>
           </a:p>
@@ -394,7 +394,7 @@
           <a:p>
             <a:fld id="{95336A0E-57B1-4D4C-BD9B-2F72B5943464}" type="datetimeFigureOut">
               <a:rPr lang="ko-KR" altLang="en-US" smtClean="0"/>
-              <a:t>2022-12-08</a:t>
+              <a:t>2022-12-12</a:t>
             </a:fld>
             <a:endParaRPr lang="ko-KR" altLang="en-US"/>
           </a:p>
@@ -948,7 +948,7 @@
           <a:p>
             <a:fld id="{DEA6EBF0-8E22-42A7-9BEA-2AC7066E6498}" type="datetimeFigureOut">
               <a:rPr lang="ko-KR" altLang="en-US" smtClean="0"/>
-              <a:t>2022-12-08</a:t>
+              <a:t>2022-12-12</a:t>
             </a:fld>
             <a:endParaRPr lang="ko-KR" altLang="en-US"/>
           </a:p>
@@ -1266,7 +1266,7 @@
           <a:p>
             <a:fld id="{DEA6EBF0-8E22-42A7-9BEA-2AC7066E6498}" type="datetimeFigureOut">
               <a:rPr lang="ko-KR" altLang="en-US" smtClean="0"/>
-              <a:t>2022-12-08</a:t>
+              <a:t>2022-12-12</a:t>
             </a:fld>
             <a:endParaRPr lang="ko-KR" altLang="en-US"/>
           </a:p>
@@ -1754,7 +1754,7 @@
           <a:p>
             <a:fld id="{DEA6EBF0-8E22-42A7-9BEA-2AC7066E6498}" type="datetimeFigureOut">
               <a:rPr lang="ko-KR" altLang="en-US" smtClean="0"/>
-              <a:t>2022-12-08</a:t>
+              <a:t>2022-12-12</a:t>
             </a:fld>
             <a:endParaRPr lang="ko-KR" altLang="en-US"/>
           </a:p>
@@ -2123,7 +2123,7 @@
           <a:p>
             <a:fld id="{DEA6EBF0-8E22-42A7-9BEA-2AC7066E6498}" type="datetimeFigureOut">
               <a:rPr lang="ko-KR" altLang="en-US" smtClean="0"/>
-              <a:t>2022-12-08</a:t>
+              <a:t>2022-12-12</a:t>
             </a:fld>
             <a:endParaRPr lang="ko-KR" altLang="en-US"/>
           </a:p>
@@ -2396,7 +2396,7 @@
           <a:p>
             <a:fld id="{DEA6EBF0-8E22-42A7-9BEA-2AC7066E6498}" type="datetimeFigureOut">
               <a:rPr lang="ko-KR" altLang="en-US" smtClean="0"/>
-              <a:t>2022-12-08</a:t>
+              <a:t>2022-12-12</a:t>
             </a:fld>
             <a:endParaRPr lang="ko-KR" altLang="en-US"/>
           </a:p>
@@ -2681,7 +2681,7 @@
           <a:p>
             <a:fld id="{DEA6EBF0-8E22-42A7-9BEA-2AC7066E6498}" type="datetimeFigureOut">
               <a:rPr lang="ko-KR" altLang="en-US" smtClean="0"/>
-              <a:t>2022-12-08</a:t>
+              <a:t>2022-12-12</a:t>
             </a:fld>
             <a:endParaRPr lang="ko-KR" altLang="en-US"/>
           </a:p>
@@ -2799,7 +2799,7 @@
           <a:p>
             <a:fld id="{DEA6EBF0-8E22-42A7-9BEA-2AC7066E6498}" type="datetimeFigureOut">
               <a:rPr lang="ko-KR" altLang="en-US" smtClean="0"/>
-              <a:t>2022-12-08</a:t>
+              <a:t>2022-12-12</a:t>
             </a:fld>
             <a:endParaRPr lang="ko-KR" altLang="en-US"/>
           </a:p>
@@ -3082,7 +3082,7 @@
           <a:p>
             <a:fld id="{DEA6EBF0-8E22-42A7-9BEA-2AC7066E6498}" type="datetimeFigureOut">
               <a:rPr lang="ko-KR" altLang="en-US" smtClean="0"/>
-              <a:t>2022-12-08</a:t>
+              <a:t>2022-12-12</a:t>
             </a:fld>
             <a:endParaRPr lang="ko-KR" altLang="en-US"/>
           </a:p>
@@ -3425,7 +3425,7 @@
           <a:p>
             <a:fld id="{DEA6EBF0-8E22-42A7-9BEA-2AC7066E6498}" type="datetimeFigureOut">
               <a:rPr lang="ko-KR" altLang="en-US" smtClean="0"/>
-              <a:t>2022-12-08</a:t>
+              <a:t>2022-12-12</a:t>
             </a:fld>
             <a:endParaRPr lang="ko-KR" altLang="en-US"/>
           </a:p>
@@ -3764,7 +3764,7 @@
           <a:p>
             <a:fld id="{DEA6EBF0-8E22-42A7-9BEA-2AC7066E6498}" type="datetimeFigureOut">
               <a:rPr lang="ko-KR" altLang="en-US" smtClean="0"/>
-              <a:t>2022-12-08</a:t>
+              <a:t>2022-12-12</a:t>
             </a:fld>
             <a:endParaRPr lang="ko-KR" altLang="en-US"/>
           </a:p>
@@ -4241,7 +4241,7 @@
           <a:p>
             <a:fld id="{DEA6EBF0-8E22-42A7-9BEA-2AC7066E6498}" type="datetimeFigureOut">
               <a:rPr lang="ko-KR" altLang="en-US" smtClean="0"/>
-              <a:t>2022-12-08</a:t>
+              <a:t>2022-12-12</a:t>
             </a:fld>
             <a:endParaRPr lang="ko-KR" altLang="en-US"/>
           </a:p>
@@ -4336,7 +4336,7 @@
           <a:p>
             <a:fld id="{DEA6EBF0-8E22-42A7-9BEA-2AC7066E6498}" type="datetimeFigureOut">
               <a:rPr lang="ko-KR" altLang="en-US" smtClean="0"/>
-              <a:t>2022-12-08</a:t>
+              <a:t>2022-12-12</a:t>
             </a:fld>
             <a:endParaRPr lang="ko-KR" altLang="en-US"/>
           </a:p>
@@ -4803,7 +4803,7 @@
           <a:p>
             <a:fld id="{DEA6EBF0-8E22-42A7-9BEA-2AC7066E6498}" type="datetimeFigureOut">
               <a:rPr lang="ko-KR" altLang="en-US" smtClean="0"/>
-              <a:t>2022-12-08</a:t>
+              <a:t>2022-12-12</a:t>
             </a:fld>
             <a:endParaRPr lang="ko-KR" altLang="en-US"/>
           </a:p>
@@ -5116,7 +5116,7 @@
           <a:p>
             <a:fld id="{DEA6EBF0-8E22-42A7-9BEA-2AC7066E6498}" type="datetimeFigureOut">
               <a:rPr lang="ko-KR" altLang="en-US" smtClean="0"/>
-              <a:t>2022-12-08</a:t>
+              <a:t>2022-12-12</a:t>
             </a:fld>
             <a:endParaRPr lang="ko-KR" altLang="en-US"/>
           </a:p>
@@ -5386,7 +5386,7 @@
           <a:p>
             <a:fld id="{DEA6EBF0-8E22-42A7-9BEA-2AC7066E6498}" type="datetimeFigureOut">
               <a:rPr lang="ko-KR" altLang="en-US" smtClean="0"/>
-              <a:t>2022-12-08</a:t>
+              <a:t>2022-12-12</a:t>
             </a:fld>
             <a:endParaRPr lang="ko-KR" altLang="en-US"/>
           </a:p>
@@ -5936,7 +5936,7 @@
 </file>
 
 <file path=ppt/slides/slide2.xml><?xml version="1.0" encoding="utf-8"?>
-<p:sld xmlns:a="http://schemas.openxmlformats.org/drawingml/2006/main" xmlns:r="http://schemas.openxmlformats.org/officeDocument/2006/relationships" xmlns:p="http://schemas.openxmlformats.org/presentationml/2006/main">
+<p:sld xmlns:a="http://schemas.openxmlformats.org/drawingml/2006/main" xmlns:r="http://schemas.openxmlformats.org/officeDocument/2006/relationships" xmlns:p="http://schemas.openxmlformats.org/presentationml/2006/main" show="0">
   <p:cSld>
     <p:spTree>
       <p:nvGrpSpPr>
@@ -7344,6 +7344,304 @@
             <a:r>
               <a:rPr lang="en-US" altLang="ko-KR" dirty="0"/>
               <a:t>[SysB]</a:t>
+            </a:r>
+            <a:endParaRPr lang="ko-KR" altLang="en-US" dirty="0"/>
+          </a:p>
+        </p:txBody>
+      </p:sp>
+      <p:sp>
+        <p:nvSpPr>
+          <p:cNvPr id="4" name="직사각형 3">
+            <a:extLst>
+              <a:ext uri="{FF2B5EF4-FFF2-40B4-BE49-F238E27FC236}">
+                <a16:creationId xmlns:a16="http://schemas.microsoft.com/office/drawing/2014/main" id="{DE6CD9CD-AC4A-F0AB-4305-34914C23ABF6}"/>
+              </a:ext>
+            </a:extLst>
+          </p:cNvPr>
+          <p:cNvSpPr/>
+          <p:nvPr/>
+        </p:nvSpPr>
+        <p:spPr>
+          <a:xfrm>
+            <a:off x="7322371" y="3998577"/>
+            <a:ext cx="695325" cy="876300"/>
+          </a:xfrm>
+          <a:prstGeom prst="rect">
+            <a:avLst/>
+          </a:prstGeom>
+          <a:solidFill>
+            <a:schemeClr val="accent4">
+              <a:alpha val="50000"/>
+            </a:schemeClr>
+          </a:solidFill>
+          <a:ln>
+            <a:noFill/>
+          </a:ln>
+        </p:spPr>
+        <p:style>
+          <a:lnRef idx="0">
+            <a:scrgbClr r="0" g="0" b="0"/>
+          </a:lnRef>
+          <a:fillRef idx="0">
+            <a:scrgbClr r="0" g="0" b="0"/>
+          </a:fillRef>
+          <a:effectRef idx="0">
+            <a:scrgbClr r="0" g="0" b="0"/>
+          </a:effectRef>
+          <a:fontRef idx="minor">
+            <a:schemeClr val="lt1"/>
+          </a:fontRef>
+        </p:style>
+        <p:txBody>
+          <a:bodyPr rtlCol="0" anchor="ctr"/>
+          <a:lstStyle/>
+          <a:p>
+            <a:pPr algn="ctr"/>
+            <a:r>
+              <a:rPr lang="en-US" altLang="ko-KR" dirty="0"/>
+              <a:t>R5</a:t>
+            </a:r>
+            <a:endParaRPr lang="ko-KR" altLang="en-US" dirty="0"/>
+          </a:p>
+        </p:txBody>
+      </p:sp>
+      <p:cxnSp>
+        <p:nvCxnSpPr>
+          <p:cNvPr id="9" name="직선 화살표 연결선 8">
+            <a:extLst>
+              <a:ext uri="{FF2B5EF4-FFF2-40B4-BE49-F238E27FC236}">
+                <a16:creationId xmlns:a16="http://schemas.microsoft.com/office/drawing/2014/main" id="{62F7D52F-D268-9A0C-320B-DEF11A6E0C77}"/>
+              </a:ext>
+            </a:extLst>
+          </p:cNvPr>
+          <p:cNvCxnSpPr>
+            <a:cxnSpLocks/>
+            <a:stCxn id="29" idx="3"/>
+            <a:endCxn id="4" idx="1"/>
+          </p:cNvCxnSpPr>
+          <p:nvPr/>
+        </p:nvCxnSpPr>
+        <p:spPr>
+          <a:xfrm>
+            <a:off x="5432075" y="3791098"/>
+            <a:ext cx="1890296" cy="645629"/>
+          </a:xfrm>
+          <a:prstGeom prst="straightConnector1">
+            <a:avLst/>
+          </a:prstGeom>
+          <a:ln w="57150">
+            <a:tailEnd type="triangle"/>
+          </a:ln>
+        </p:spPr>
+        <p:style>
+          <a:lnRef idx="1">
+            <a:schemeClr val="accent1"/>
+          </a:lnRef>
+          <a:fillRef idx="0">
+            <a:schemeClr val="accent1"/>
+          </a:fillRef>
+          <a:effectRef idx="0">
+            <a:schemeClr val="accent1"/>
+          </a:effectRef>
+          <a:fontRef idx="minor">
+            <a:schemeClr val="tx1"/>
+          </a:fontRef>
+        </p:style>
+      </p:cxnSp>
+      <p:sp>
+        <p:nvSpPr>
+          <p:cNvPr id="18" name="직사각형 17">
+            <a:extLst>
+              <a:ext uri="{FF2B5EF4-FFF2-40B4-BE49-F238E27FC236}">
+                <a16:creationId xmlns:a16="http://schemas.microsoft.com/office/drawing/2014/main" id="{A837B90E-C4ED-819F-C38F-E128DF96B7D6}"/>
+              </a:ext>
+            </a:extLst>
+          </p:cNvPr>
+          <p:cNvSpPr/>
+          <p:nvPr/>
+        </p:nvSpPr>
+        <p:spPr>
+          <a:xfrm>
+            <a:off x="101291" y="2176818"/>
+            <a:ext cx="695325" cy="876300"/>
+          </a:xfrm>
+          <a:prstGeom prst="rect">
+            <a:avLst/>
+          </a:prstGeom>
+          <a:solidFill>
+            <a:schemeClr val="accent4">
+              <a:alpha val="50000"/>
+            </a:schemeClr>
+          </a:solidFill>
+          <a:ln>
+            <a:noFill/>
+          </a:ln>
+        </p:spPr>
+        <p:style>
+          <a:lnRef idx="0">
+            <a:scrgbClr r="0" g="0" b="0"/>
+          </a:lnRef>
+          <a:fillRef idx="0">
+            <a:scrgbClr r="0" g="0" b="0"/>
+          </a:fillRef>
+          <a:effectRef idx="0">
+            <a:scrgbClr r="0" g="0" b="0"/>
+          </a:effectRef>
+          <a:fontRef idx="minor">
+            <a:schemeClr val="lt1"/>
+          </a:fontRef>
+        </p:style>
+        <p:txBody>
+          <a:bodyPr rtlCol="0" anchor="ctr"/>
+          <a:lstStyle/>
+          <a:p>
+            <a:pPr algn="ctr"/>
+            <a:r>
+              <a:rPr lang="en-US" altLang="ko-KR" dirty="0"/>
+              <a:t>R4</a:t>
+            </a:r>
+            <a:endParaRPr lang="ko-KR" altLang="en-US" dirty="0"/>
+          </a:p>
+        </p:txBody>
+      </p:sp>
+      <p:cxnSp>
+        <p:nvCxnSpPr>
+          <p:cNvPr id="19" name="직선 화살표 연결선 18">
+            <a:extLst>
+              <a:ext uri="{FF2B5EF4-FFF2-40B4-BE49-F238E27FC236}">
+                <a16:creationId xmlns:a16="http://schemas.microsoft.com/office/drawing/2014/main" id="{5C1AF2EB-179E-F162-0683-D91EBEC30ABE}"/>
+              </a:ext>
+            </a:extLst>
+          </p:cNvPr>
+          <p:cNvCxnSpPr>
+            <a:cxnSpLocks/>
+            <a:stCxn id="18" idx="2"/>
+            <a:endCxn id="29" idx="1"/>
+          </p:cNvCxnSpPr>
+          <p:nvPr/>
+        </p:nvCxnSpPr>
+        <p:spPr>
+          <a:xfrm>
+            <a:off x="448954" y="3053118"/>
+            <a:ext cx="669306" cy="737980"/>
+          </a:xfrm>
+          <a:prstGeom prst="straightConnector1">
+            <a:avLst/>
+          </a:prstGeom>
+          <a:ln w="57150">
+            <a:tailEnd type="triangle"/>
+          </a:ln>
+        </p:spPr>
+        <p:style>
+          <a:lnRef idx="1">
+            <a:schemeClr val="accent1"/>
+          </a:lnRef>
+          <a:fillRef idx="0">
+            <a:schemeClr val="accent1"/>
+          </a:fillRef>
+          <a:effectRef idx="0">
+            <a:schemeClr val="accent1"/>
+          </a:effectRef>
+          <a:fontRef idx="minor">
+            <a:schemeClr val="tx1"/>
+          </a:fontRef>
+        </p:style>
+      </p:cxnSp>
+      <p:cxnSp>
+        <p:nvCxnSpPr>
+          <p:cNvPr id="17" name="직선 화살표 연결선 16">
+            <a:extLst>
+              <a:ext uri="{FF2B5EF4-FFF2-40B4-BE49-F238E27FC236}">
+                <a16:creationId xmlns:a16="http://schemas.microsoft.com/office/drawing/2014/main" id="{07EAE67E-2412-BEB9-4EFE-5696187DDD23}"/>
+              </a:ext>
+            </a:extLst>
+          </p:cNvPr>
+          <p:cNvCxnSpPr>
+            <a:cxnSpLocks/>
+            <a:stCxn id="21" idx="3"/>
+            <a:endCxn id="29" idx="1"/>
+          </p:cNvCxnSpPr>
+          <p:nvPr/>
+        </p:nvCxnSpPr>
+        <p:spPr>
+          <a:xfrm flipV="1">
+            <a:off x="923213" y="3791098"/>
+            <a:ext cx="195047" cy="2424929"/>
+          </a:xfrm>
+          <a:prstGeom prst="straightConnector1">
+            <a:avLst/>
+          </a:prstGeom>
+          <a:ln w="38100">
+            <a:headEnd type="oval" w="med" len="med"/>
+            <a:tailEnd type="triangle" w="med" len="med"/>
+          </a:ln>
+        </p:spPr>
+        <p:style>
+          <a:lnRef idx="1">
+            <a:schemeClr val="accent1"/>
+          </a:lnRef>
+          <a:fillRef idx="0">
+            <a:schemeClr val="accent1"/>
+          </a:fillRef>
+          <a:effectRef idx="0">
+            <a:schemeClr val="accent1"/>
+          </a:effectRef>
+          <a:fontRef idx="minor">
+            <a:schemeClr val="tx1"/>
+          </a:fontRef>
+        </p:style>
+      </p:cxnSp>
+      <p:sp>
+        <p:nvSpPr>
+          <p:cNvPr id="21" name="직사각형 20">
+            <a:extLst>
+              <a:ext uri="{FF2B5EF4-FFF2-40B4-BE49-F238E27FC236}">
+                <a16:creationId xmlns:a16="http://schemas.microsoft.com/office/drawing/2014/main" id="{4CCE92EA-5953-C011-EB38-78447225FE6F}"/>
+              </a:ext>
+            </a:extLst>
+          </p:cNvPr>
+          <p:cNvSpPr/>
+          <p:nvPr/>
+        </p:nvSpPr>
+        <p:spPr>
+          <a:xfrm>
+            <a:off x="227888" y="5777877"/>
+            <a:ext cx="695325" cy="876300"/>
+          </a:xfrm>
+          <a:prstGeom prst="rect">
+            <a:avLst/>
+          </a:prstGeom>
+          <a:solidFill>
+            <a:schemeClr val="accent4">
+              <a:alpha val="50000"/>
+            </a:schemeClr>
+          </a:solidFill>
+          <a:ln>
+            <a:noFill/>
+          </a:ln>
+        </p:spPr>
+        <p:style>
+          <a:lnRef idx="0">
+            <a:scrgbClr r="0" g="0" b="0"/>
+          </a:lnRef>
+          <a:fillRef idx="0">
+            <a:scrgbClr r="0" g="0" b="0"/>
+          </a:fillRef>
+          <a:effectRef idx="0">
+            <a:scrgbClr r="0" g="0" b="0"/>
+          </a:effectRef>
+          <a:fontRef idx="minor">
+            <a:schemeClr val="lt1"/>
+          </a:fontRef>
+        </p:style>
+        <p:txBody>
+          <a:bodyPr rtlCol="0" anchor="ctr"/>
+          <a:lstStyle/>
+          <a:p>
+            <a:pPr algn="ctr"/>
+            <a:r>
+              <a:rPr lang="en-US" altLang="ko-KR" dirty="0"/>
+              <a:t>R2</a:t>
             </a:r>
             <a:endParaRPr lang="ko-KR" altLang="en-US" dirty="0"/>
           </a:p>
